--- a/microService/Microservice.pptx
+++ b/microService/Microservice.pptx
@@ -5,7 +5,7 @@
     <p:sldMasterId id="2147483657" r:id="rId1"/>
   </p:sldMasterIdLst>
   <p:notesMasterIdLst>
-    <p:notesMasterId r:id="rId25"/>
+    <p:notesMasterId r:id="rId29"/>
   </p:notesMasterIdLst>
   <p:sldIdLst>
     <p:sldId id="306" r:id="rId2"/>
@@ -26,11 +26,15 @@
     <p:sldId id="344" r:id="rId17"/>
     <p:sldId id="336" r:id="rId18"/>
     <p:sldId id="345" r:id="rId19"/>
-    <p:sldId id="347" r:id="rId20"/>
-    <p:sldId id="299" r:id="rId21"/>
-    <p:sldId id="313" r:id="rId22"/>
-    <p:sldId id="328" r:id="rId23"/>
-    <p:sldId id="329" r:id="rId24"/>
+    <p:sldId id="350" r:id="rId20"/>
+    <p:sldId id="347" r:id="rId21"/>
+    <p:sldId id="348" r:id="rId22"/>
+    <p:sldId id="349" r:id="rId23"/>
+    <p:sldId id="299" r:id="rId24"/>
+    <p:sldId id="313" r:id="rId25"/>
+    <p:sldId id="351" r:id="rId26"/>
+    <p:sldId id="328" r:id="rId27"/>
+    <p:sldId id="329" r:id="rId28"/>
   </p:sldIdLst>
   <p:sldSz cx="12192000" cy="6858000"/>
   <p:notesSz cx="6858000" cy="9144000"/>
@@ -230,7 +234,7 @@
           <a:p>
             <a:fld id="{55803572-2981-4EE3-8222-0BF6052877F1}" type="datetimeFigureOut">
               <a:rPr lang="zh-CN" altLang="en-US" smtClean="0"/>
-              <a:t>2017/12/29</a:t>
+              <a:t>2018/1/2</a:t>
             </a:fld>
             <a:endParaRPr lang="zh-CN" altLang="en-US"/>
           </a:p>
@@ -7557,15 +7561,6 @@
               </a:rPr>
               <a:t> Choice</a:t>
             </a:r>
-            <a:endParaRPr lang="en-US" sz="2800" b="1" dirty="0">
-              <a:solidFill>
-                <a:srgbClr val="7030A0"/>
-              </a:solidFill>
-              <a:latin typeface="仿宋" panose="02010609060101010101" pitchFamily="49" charset="-122"/>
-              <a:ea typeface="仿宋" panose="02010609060101010101" pitchFamily="49" charset="-122"/>
-              <a:cs typeface="+mn-ea"/>
-              <a:sym typeface="+mn-lt"/>
-            </a:endParaRPr>
           </a:p>
         </p:txBody>
       </p:sp>
@@ -15038,7 +15033,19 @@
                 <a:cs typeface="+mn-ea"/>
                 <a:sym typeface="+mn-lt"/>
               </a:rPr>
-              <a:t> Frameworks</a:t>
+              <a:t> </a:t>
+            </a:r>
+            <a:r>
+              <a:rPr lang="en-US" sz="2800" b="1" dirty="0" smtClean="0">
+                <a:solidFill>
+                  <a:srgbClr val="7030A0"/>
+                </a:solidFill>
+                <a:latin typeface="仿宋" panose="02010609060101010101" pitchFamily="49" charset="-122"/>
+                <a:ea typeface="仿宋" panose="02010609060101010101" pitchFamily="49" charset="-122"/>
+                <a:cs typeface="+mn-ea"/>
+                <a:sym typeface="+mn-lt"/>
+              </a:rPr>
+              <a:t>Frameworks - Java</a:t>
             </a:r>
             <a:endParaRPr lang="en-US" sz="2800" b="1" dirty="0">
               <a:solidFill>
@@ -15893,6 +15900,169 @@
           </a:prstGeom>
         </p:spPr>
       </p:pic>
+      <p:pic>
+        <p:nvPicPr>
+          <p:cNvPr id="2" name="图片 1"/>
+          <p:cNvPicPr>
+            <a:picLocks noChangeAspect="1"/>
+          </p:cNvPicPr>
+          <p:nvPr/>
+        </p:nvPicPr>
+        <p:blipFill>
+          <a:blip r:embed="rId3"/>
+          <a:stretch>
+            <a:fillRect/>
+          </a:stretch>
+        </p:blipFill>
+        <p:spPr>
+          <a:xfrm>
+            <a:off x="4413210" y="3845699"/>
+            <a:ext cx="1799227" cy="2314681"/>
+          </a:xfrm>
+          <a:prstGeom prst="rect">
+            <a:avLst/>
+          </a:prstGeom>
+        </p:spPr>
+      </p:pic>
+      <p:pic>
+        <p:nvPicPr>
+          <p:cNvPr id="4" name="图片 3"/>
+          <p:cNvPicPr>
+            <a:picLocks noChangeAspect="1"/>
+          </p:cNvPicPr>
+          <p:nvPr/>
+        </p:nvPicPr>
+        <p:blipFill>
+          <a:blip r:embed="rId4" cstate="print">
+            <a:extLst>
+              <a:ext uri="{28A0092B-C50C-407E-A947-70E740481C1C}">
+                <a14:useLocalDpi xmlns:a14="http://schemas.microsoft.com/office/drawing/2010/main" val="0"/>
+              </a:ext>
+            </a:extLst>
+          </a:blip>
+          <a:stretch>
+            <a:fillRect/>
+          </a:stretch>
+        </p:blipFill>
+        <p:spPr>
+          <a:xfrm>
+            <a:off x="434930" y="2414123"/>
+            <a:ext cx="2228134" cy="2863153"/>
+          </a:xfrm>
+          <a:prstGeom prst="rect">
+            <a:avLst/>
+          </a:prstGeom>
+        </p:spPr>
+      </p:pic>
+      <p:pic>
+        <p:nvPicPr>
+          <p:cNvPr id="5" name="图片 4"/>
+          <p:cNvPicPr>
+            <a:picLocks noChangeAspect="1"/>
+          </p:cNvPicPr>
+          <p:nvPr/>
+        </p:nvPicPr>
+        <p:blipFill>
+          <a:blip r:embed="rId5"/>
+          <a:stretch>
+            <a:fillRect/>
+          </a:stretch>
+        </p:blipFill>
+        <p:spPr>
+          <a:xfrm>
+            <a:off x="2961510" y="987456"/>
+            <a:ext cx="5003130" cy="2171313"/>
+          </a:xfrm>
+          <a:prstGeom prst="rect">
+            <a:avLst/>
+          </a:prstGeom>
+        </p:spPr>
+      </p:pic>
+      <p:pic>
+        <p:nvPicPr>
+          <p:cNvPr id="6" name="图片 5"/>
+          <p:cNvPicPr>
+            <a:picLocks noChangeAspect="1"/>
+          </p:cNvPicPr>
+          <p:nvPr/>
+        </p:nvPicPr>
+        <p:blipFill>
+          <a:blip r:embed="rId6"/>
+          <a:stretch>
+            <a:fillRect/>
+          </a:stretch>
+        </p:blipFill>
+        <p:spPr>
+          <a:xfrm>
+            <a:off x="7448593" y="2697043"/>
+            <a:ext cx="3019481" cy="2118507"/>
+          </a:xfrm>
+          <a:prstGeom prst="rect">
+            <a:avLst/>
+          </a:prstGeom>
+        </p:spPr>
+      </p:pic>
+      <p:sp>
+        <p:nvSpPr>
+          <p:cNvPr id="9" name="TextBox 50"/>
+          <p:cNvSpPr txBox="1"/>
+          <p:nvPr/>
+        </p:nvSpPr>
+        <p:spPr>
+          <a:xfrm>
+            <a:off x="7342361" y="4841816"/>
+            <a:ext cx="4544839" cy="338554"/>
+          </a:xfrm>
+          <a:prstGeom prst="rect">
+            <a:avLst/>
+          </a:prstGeom>
+          <a:noFill/>
+        </p:spPr>
+        <p:txBody>
+          <a:bodyPr wrap="square" rtlCol="0">
+            <a:spAutoFit/>
+          </a:bodyPr>
+          <a:lstStyle/>
+          <a:p>
+            <a:r>
+              <a:rPr lang="en-US" sz="1600" b="1" dirty="0">
+                <a:solidFill>
+                  <a:srgbClr val="06080A"/>
+                </a:solidFill>
+                <a:latin typeface="华文楷体" panose="02010600040101010101" pitchFamily="2" charset="-122"/>
+                <a:ea typeface="华文楷体" panose="02010600040101010101" pitchFamily="2" charset="-122"/>
+                <a:cs typeface="+mn-ea"/>
+                <a:sym typeface="+mn-lt"/>
+              </a:rPr>
+              <a:t>Enterprise Distributed </a:t>
+            </a:r>
+            <a:r>
+              <a:rPr lang="en-US" sz="1600" b="1" dirty="0" smtClean="0">
+                <a:solidFill>
+                  <a:srgbClr val="06080A"/>
+                </a:solidFill>
+                <a:latin typeface="华文楷体" panose="02010600040101010101" pitchFamily="2" charset="-122"/>
+                <a:ea typeface="华文楷体" panose="02010600040101010101" pitchFamily="2" charset="-122"/>
+                <a:cs typeface="+mn-ea"/>
+                <a:sym typeface="+mn-lt"/>
+              </a:rPr>
+              <a:t>Application </a:t>
+            </a:r>
+            <a:r>
+              <a:rPr lang="en-US" sz="1600" b="1" dirty="0">
+                <a:solidFill>
+                  <a:srgbClr val="06080A"/>
+                </a:solidFill>
+                <a:latin typeface="华文楷体" panose="02010600040101010101" pitchFamily="2" charset="-122"/>
+                <a:ea typeface="华文楷体" panose="02010600040101010101" pitchFamily="2" charset="-122"/>
+                <a:cs typeface="+mn-ea"/>
+                <a:sym typeface="+mn-lt"/>
+              </a:rPr>
+              <a:t>Service</a:t>
+            </a:r>
+          </a:p>
+        </p:txBody>
+      </p:sp>
     </p:spTree>
     <p:extLst>
       <p:ext uri="{BB962C8B-B14F-4D97-AF65-F5344CB8AC3E}">
@@ -15977,7 +16147,19 @@
                 <a:cs typeface="+mn-ea"/>
                 <a:sym typeface="+mn-lt"/>
               </a:rPr>
-              <a:t> Frameworks</a:t>
+              <a:t> </a:t>
+            </a:r>
+            <a:r>
+              <a:rPr lang="en-US" sz="2800" b="1" dirty="0" smtClean="0">
+                <a:solidFill>
+                  <a:srgbClr val="7030A0"/>
+                </a:solidFill>
+                <a:latin typeface="仿宋" panose="02010609060101010101" pitchFamily="49" charset="-122"/>
+                <a:ea typeface="仿宋" panose="02010609060101010101" pitchFamily="49" charset="-122"/>
+                <a:cs typeface="+mn-ea"/>
+                <a:sym typeface="+mn-lt"/>
+              </a:rPr>
+              <a:t>Frameworks - Go</a:t>
             </a:r>
             <a:endParaRPr lang="en-US" sz="2800" b="1" dirty="0">
               <a:solidFill>
@@ -15988,6 +16170,3080 @@
               <a:cs typeface="+mn-ea"/>
               <a:sym typeface="+mn-lt"/>
             </a:endParaRPr>
+          </a:p>
+        </p:txBody>
+      </p:sp>
+      <p:sp>
+        <p:nvSpPr>
+          <p:cNvPr id="63" name="矩形 62"/>
+          <p:cNvSpPr/>
+          <p:nvPr/>
+        </p:nvSpPr>
+        <p:spPr>
+          <a:xfrm>
+            <a:off x="0" y="6624130"/>
+            <a:ext cx="775136" cy="230832"/>
+          </a:xfrm>
+          <a:prstGeom prst="rect">
+            <a:avLst/>
+          </a:prstGeom>
+        </p:spPr>
+        <p:txBody>
+          <a:bodyPr wrap="square">
+            <a:spAutoFit/>
+          </a:bodyPr>
+          <a:lstStyle/>
+          <a:p>
+            <a:pPr marL="0" marR="0" lvl="0" indent="0" defTabSz="914400" eaLnBrk="1" fontAlgn="auto" latinLnBrk="0" hangingPunct="1">
+              <a:lnSpc>
+                <a:spcPct val="100000"/>
+              </a:lnSpc>
+              <a:spcBef>
+                <a:spcPts val="0"/>
+              </a:spcBef>
+              <a:spcAft>
+                <a:spcPts val="0"/>
+              </a:spcAft>
+              <a:buClrTx/>
+              <a:buSzTx/>
+              <a:buFontTx/>
+              <a:buNone/>
+              <a:tabLst/>
+              <a:defRPr/>
+            </a:pPr>
+            <a:r>
+              <a:rPr kumimoji="0" lang="en-US" altLang="zh-CN" sz="100" b="0" i="0" u="none" strike="noStrike" kern="0" cap="none" spc="0" normalizeH="0" baseline="0" noProof="0" dirty="0">
+                <a:ln>
+                  <a:noFill/>
+                </a:ln>
+                <a:solidFill>
+                  <a:sysClr val="window" lastClr="FFFFFF"/>
+                </a:solidFill>
+                <a:effectLst/>
+                <a:uLnTx/>
+                <a:uFillTx/>
+              </a:rPr>
+              <a:t>PPT</a:t>
+            </a:r>
+            <a:r>
+              <a:rPr kumimoji="0" lang="zh-CN" altLang="en-US" sz="100" b="0" i="0" u="none" strike="noStrike" kern="0" cap="none" spc="0" normalizeH="0" baseline="0" noProof="0" dirty="0">
+                <a:ln>
+                  <a:noFill/>
+                </a:ln>
+                <a:solidFill>
+                  <a:sysClr val="window" lastClr="FFFFFF"/>
+                </a:solidFill>
+                <a:effectLst/>
+                <a:uLnTx/>
+                <a:uFillTx/>
+              </a:rPr>
+              <a:t>模板下载：</a:t>
+            </a:r>
+            <a:r>
+              <a:rPr kumimoji="0" lang="en-US" altLang="zh-CN" sz="100" b="0" i="0" u="none" strike="noStrike" kern="0" cap="none" spc="0" normalizeH="0" baseline="0" noProof="0" dirty="0">
+                <a:ln>
+                  <a:noFill/>
+                </a:ln>
+                <a:solidFill>
+                  <a:sysClr val="window" lastClr="FFFFFF"/>
+                </a:solidFill>
+                <a:effectLst/>
+                <a:uLnTx/>
+                <a:uFillTx/>
+              </a:rPr>
+              <a:t>www.1ppt.com/moban/     </a:t>
+            </a:r>
+            <a:r>
+              <a:rPr kumimoji="0" lang="zh-CN" altLang="en-US" sz="100" b="0" i="0" u="none" strike="noStrike" kern="0" cap="none" spc="0" normalizeH="0" baseline="0" noProof="0" dirty="0">
+                <a:ln>
+                  <a:noFill/>
+                </a:ln>
+                <a:solidFill>
+                  <a:sysClr val="window" lastClr="FFFFFF"/>
+                </a:solidFill>
+                <a:effectLst/>
+                <a:uLnTx/>
+                <a:uFillTx/>
+              </a:rPr>
+              <a:t>行业</a:t>
+            </a:r>
+            <a:r>
+              <a:rPr kumimoji="0" lang="en-US" altLang="zh-CN" sz="100" b="0" i="0" u="none" strike="noStrike" kern="0" cap="none" spc="0" normalizeH="0" baseline="0" noProof="0" dirty="0">
+                <a:ln>
+                  <a:noFill/>
+                </a:ln>
+                <a:solidFill>
+                  <a:sysClr val="window" lastClr="FFFFFF"/>
+                </a:solidFill>
+                <a:effectLst/>
+                <a:uLnTx/>
+                <a:uFillTx/>
+              </a:rPr>
+              <a:t>PPT</a:t>
+            </a:r>
+            <a:r>
+              <a:rPr kumimoji="0" lang="zh-CN" altLang="en-US" sz="100" b="0" i="0" u="none" strike="noStrike" kern="0" cap="none" spc="0" normalizeH="0" baseline="0" noProof="0" dirty="0">
+                <a:ln>
+                  <a:noFill/>
+                </a:ln>
+                <a:solidFill>
+                  <a:sysClr val="window" lastClr="FFFFFF"/>
+                </a:solidFill>
+                <a:effectLst/>
+                <a:uLnTx/>
+                <a:uFillTx/>
+              </a:rPr>
+              <a:t>模板：</a:t>
+            </a:r>
+            <a:r>
+              <a:rPr kumimoji="0" lang="en-US" altLang="zh-CN" sz="100" b="0" i="0" u="none" strike="noStrike" kern="0" cap="none" spc="0" normalizeH="0" baseline="0" noProof="0" dirty="0">
+                <a:ln>
+                  <a:noFill/>
+                </a:ln>
+                <a:solidFill>
+                  <a:sysClr val="window" lastClr="FFFFFF"/>
+                </a:solidFill>
+                <a:effectLst/>
+                <a:uLnTx/>
+                <a:uFillTx/>
+              </a:rPr>
+              <a:t>www.1ppt.com/hangye/ </a:t>
+            </a:r>
+          </a:p>
+          <a:p>
+            <a:pPr marL="0" marR="0" lvl="0" indent="0" defTabSz="914400" eaLnBrk="1" fontAlgn="auto" latinLnBrk="0" hangingPunct="1">
+              <a:lnSpc>
+                <a:spcPct val="100000"/>
+              </a:lnSpc>
+              <a:spcBef>
+                <a:spcPts val="0"/>
+              </a:spcBef>
+              <a:spcAft>
+                <a:spcPts val="0"/>
+              </a:spcAft>
+              <a:buClrTx/>
+              <a:buSzTx/>
+              <a:buFontTx/>
+              <a:buNone/>
+              <a:tabLst/>
+              <a:defRPr/>
+            </a:pPr>
+            <a:r>
+              <a:rPr kumimoji="0" lang="zh-CN" altLang="en-US" sz="100" b="0" i="0" u="none" strike="noStrike" kern="0" cap="none" spc="0" normalizeH="0" baseline="0" noProof="0" dirty="0">
+                <a:ln>
+                  <a:noFill/>
+                </a:ln>
+                <a:solidFill>
+                  <a:sysClr val="window" lastClr="FFFFFF"/>
+                </a:solidFill>
+                <a:effectLst/>
+                <a:uLnTx/>
+                <a:uFillTx/>
+              </a:rPr>
+              <a:t>节日</a:t>
+            </a:r>
+            <a:r>
+              <a:rPr kumimoji="0" lang="en-US" altLang="zh-CN" sz="100" b="0" i="0" u="none" strike="noStrike" kern="0" cap="none" spc="0" normalizeH="0" baseline="0" noProof="0" dirty="0">
+                <a:ln>
+                  <a:noFill/>
+                </a:ln>
+                <a:solidFill>
+                  <a:sysClr val="window" lastClr="FFFFFF"/>
+                </a:solidFill>
+                <a:effectLst/>
+                <a:uLnTx/>
+                <a:uFillTx/>
+              </a:rPr>
+              <a:t>PPT</a:t>
+            </a:r>
+            <a:r>
+              <a:rPr kumimoji="0" lang="zh-CN" altLang="en-US" sz="100" b="0" i="0" u="none" strike="noStrike" kern="0" cap="none" spc="0" normalizeH="0" baseline="0" noProof="0" dirty="0">
+                <a:ln>
+                  <a:noFill/>
+                </a:ln>
+                <a:solidFill>
+                  <a:sysClr val="window" lastClr="FFFFFF"/>
+                </a:solidFill>
+                <a:effectLst/>
+                <a:uLnTx/>
+                <a:uFillTx/>
+              </a:rPr>
+              <a:t>模板：</a:t>
+            </a:r>
+            <a:r>
+              <a:rPr kumimoji="0" lang="en-US" altLang="zh-CN" sz="100" b="0" i="0" u="none" strike="noStrike" kern="0" cap="none" spc="0" normalizeH="0" baseline="0" noProof="0" dirty="0">
+                <a:ln>
+                  <a:noFill/>
+                </a:ln>
+                <a:solidFill>
+                  <a:sysClr val="window" lastClr="FFFFFF"/>
+                </a:solidFill>
+                <a:effectLst/>
+                <a:uLnTx/>
+                <a:uFillTx/>
+              </a:rPr>
+              <a:t>www.1ppt.com/jieri/           PPT</a:t>
+            </a:r>
+            <a:r>
+              <a:rPr kumimoji="0" lang="zh-CN" altLang="en-US" sz="100" b="0" i="0" u="none" strike="noStrike" kern="0" cap="none" spc="0" normalizeH="0" baseline="0" noProof="0" dirty="0">
+                <a:ln>
+                  <a:noFill/>
+                </a:ln>
+                <a:solidFill>
+                  <a:sysClr val="window" lastClr="FFFFFF"/>
+                </a:solidFill>
+                <a:effectLst/>
+                <a:uLnTx/>
+                <a:uFillTx/>
+              </a:rPr>
+              <a:t>素材下载：</a:t>
+            </a:r>
+            <a:r>
+              <a:rPr kumimoji="0" lang="en-US" altLang="zh-CN" sz="100" b="0" i="0" u="none" strike="noStrike" kern="0" cap="none" spc="0" normalizeH="0" baseline="0" noProof="0" dirty="0">
+                <a:ln>
+                  <a:noFill/>
+                </a:ln>
+                <a:solidFill>
+                  <a:sysClr val="window" lastClr="FFFFFF"/>
+                </a:solidFill>
+                <a:effectLst/>
+                <a:uLnTx/>
+                <a:uFillTx/>
+              </a:rPr>
+              <a:t>www.1ppt.com/sucai/</a:t>
+            </a:r>
+          </a:p>
+          <a:p>
+            <a:pPr marL="0" marR="0" lvl="0" indent="0" defTabSz="914400" eaLnBrk="1" fontAlgn="auto" latinLnBrk="0" hangingPunct="1">
+              <a:lnSpc>
+                <a:spcPct val="100000"/>
+              </a:lnSpc>
+              <a:spcBef>
+                <a:spcPts val="0"/>
+              </a:spcBef>
+              <a:spcAft>
+                <a:spcPts val="0"/>
+              </a:spcAft>
+              <a:buClrTx/>
+              <a:buSzTx/>
+              <a:buFontTx/>
+              <a:buNone/>
+              <a:tabLst/>
+              <a:defRPr/>
+            </a:pPr>
+            <a:r>
+              <a:rPr kumimoji="0" lang="en-US" altLang="zh-CN" sz="100" b="0" i="0" u="none" strike="noStrike" kern="0" cap="none" spc="0" normalizeH="0" baseline="0" noProof="0" dirty="0">
+                <a:ln>
+                  <a:noFill/>
+                </a:ln>
+                <a:solidFill>
+                  <a:sysClr val="window" lastClr="FFFFFF"/>
+                </a:solidFill>
+                <a:effectLst/>
+                <a:uLnTx/>
+                <a:uFillTx/>
+              </a:rPr>
+              <a:t>PPT</a:t>
+            </a:r>
+            <a:r>
+              <a:rPr kumimoji="0" lang="zh-CN" altLang="en-US" sz="100" b="0" i="0" u="none" strike="noStrike" kern="0" cap="none" spc="0" normalizeH="0" baseline="0" noProof="0" dirty="0">
+                <a:ln>
+                  <a:noFill/>
+                </a:ln>
+                <a:solidFill>
+                  <a:sysClr val="window" lastClr="FFFFFF"/>
+                </a:solidFill>
+                <a:effectLst/>
+                <a:uLnTx/>
+                <a:uFillTx/>
+              </a:rPr>
+              <a:t>背景图片：</a:t>
+            </a:r>
+            <a:r>
+              <a:rPr kumimoji="0" lang="en-US" altLang="zh-CN" sz="100" b="0" i="0" u="none" strike="noStrike" kern="0" cap="none" spc="0" normalizeH="0" baseline="0" noProof="0" dirty="0">
+                <a:ln>
+                  <a:noFill/>
+                </a:ln>
+                <a:solidFill>
+                  <a:sysClr val="window" lastClr="FFFFFF"/>
+                </a:solidFill>
+                <a:effectLst/>
+                <a:uLnTx/>
+                <a:uFillTx/>
+              </a:rPr>
+              <a:t>www.1ppt.com/beijing/      PPT</a:t>
+            </a:r>
+            <a:r>
+              <a:rPr kumimoji="0" lang="zh-CN" altLang="en-US" sz="100" b="0" i="0" u="none" strike="noStrike" kern="0" cap="none" spc="0" normalizeH="0" baseline="0" noProof="0" dirty="0">
+                <a:ln>
+                  <a:noFill/>
+                </a:ln>
+                <a:solidFill>
+                  <a:sysClr val="window" lastClr="FFFFFF"/>
+                </a:solidFill>
+                <a:effectLst/>
+                <a:uLnTx/>
+                <a:uFillTx/>
+              </a:rPr>
+              <a:t>图表下载：</a:t>
+            </a:r>
+            <a:r>
+              <a:rPr kumimoji="0" lang="en-US" altLang="zh-CN" sz="100" b="0" i="0" u="none" strike="noStrike" kern="0" cap="none" spc="0" normalizeH="0" baseline="0" noProof="0" dirty="0">
+                <a:ln>
+                  <a:noFill/>
+                </a:ln>
+                <a:solidFill>
+                  <a:sysClr val="window" lastClr="FFFFFF"/>
+                </a:solidFill>
+                <a:effectLst/>
+                <a:uLnTx/>
+                <a:uFillTx/>
+              </a:rPr>
+              <a:t>www.1ppt.com/tubiao/      </a:t>
+            </a:r>
+          </a:p>
+          <a:p>
+            <a:pPr marL="0" marR="0" lvl="0" indent="0" defTabSz="914400" eaLnBrk="1" fontAlgn="auto" latinLnBrk="0" hangingPunct="1">
+              <a:lnSpc>
+                <a:spcPct val="100000"/>
+              </a:lnSpc>
+              <a:spcBef>
+                <a:spcPts val="0"/>
+              </a:spcBef>
+              <a:spcAft>
+                <a:spcPts val="0"/>
+              </a:spcAft>
+              <a:buClrTx/>
+              <a:buSzTx/>
+              <a:buFontTx/>
+              <a:buNone/>
+              <a:tabLst/>
+              <a:defRPr/>
+            </a:pPr>
+            <a:r>
+              <a:rPr kumimoji="0" lang="zh-CN" altLang="en-US" sz="100" b="0" i="0" u="none" strike="noStrike" kern="0" cap="none" spc="0" normalizeH="0" baseline="0" noProof="0" dirty="0">
+                <a:ln>
+                  <a:noFill/>
+                </a:ln>
+                <a:solidFill>
+                  <a:sysClr val="window" lastClr="FFFFFF"/>
+                </a:solidFill>
+                <a:effectLst/>
+                <a:uLnTx/>
+                <a:uFillTx/>
+              </a:rPr>
+              <a:t>优秀</a:t>
+            </a:r>
+            <a:r>
+              <a:rPr kumimoji="0" lang="en-US" altLang="zh-CN" sz="100" b="0" i="0" u="none" strike="noStrike" kern="0" cap="none" spc="0" normalizeH="0" baseline="0" noProof="0" dirty="0">
+                <a:ln>
+                  <a:noFill/>
+                </a:ln>
+                <a:solidFill>
+                  <a:sysClr val="window" lastClr="FFFFFF"/>
+                </a:solidFill>
+                <a:effectLst/>
+                <a:uLnTx/>
+                <a:uFillTx/>
+              </a:rPr>
+              <a:t>PPT</a:t>
+            </a:r>
+            <a:r>
+              <a:rPr kumimoji="0" lang="zh-CN" altLang="en-US" sz="100" b="0" i="0" u="none" strike="noStrike" kern="0" cap="none" spc="0" normalizeH="0" baseline="0" noProof="0" dirty="0">
+                <a:ln>
+                  <a:noFill/>
+                </a:ln>
+                <a:solidFill>
+                  <a:sysClr val="window" lastClr="FFFFFF"/>
+                </a:solidFill>
+                <a:effectLst/>
+                <a:uLnTx/>
+                <a:uFillTx/>
+              </a:rPr>
+              <a:t>下载：</a:t>
+            </a:r>
+            <a:r>
+              <a:rPr kumimoji="0" lang="en-US" altLang="zh-CN" sz="100" b="0" i="0" u="none" strike="noStrike" kern="0" cap="none" spc="0" normalizeH="0" baseline="0" noProof="0" dirty="0">
+                <a:ln>
+                  <a:noFill/>
+                </a:ln>
+                <a:solidFill>
+                  <a:sysClr val="window" lastClr="FFFFFF"/>
+                </a:solidFill>
+                <a:effectLst/>
+                <a:uLnTx/>
+                <a:uFillTx/>
+              </a:rPr>
+              <a:t>www.1ppt.com/xiazai/        PPT</a:t>
+            </a:r>
+            <a:r>
+              <a:rPr kumimoji="0" lang="zh-CN" altLang="en-US" sz="100" b="0" i="0" u="none" strike="noStrike" kern="0" cap="none" spc="0" normalizeH="0" baseline="0" noProof="0" dirty="0">
+                <a:ln>
+                  <a:noFill/>
+                </a:ln>
+                <a:solidFill>
+                  <a:sysClr val="window" lastClr="FFFFFF"/>
+                </a:solidFill>
+                <a:effectLst/>
+                <a:uLnTx/>
+                <a:uFillTx/>
+              </a:rPr>
+              <a:t>教程： </a:t>
+            </a:r>
+            <a:r>
+              <a:rPr kumimoji="0" lang="en-US" altLang="zh-CN" sz="100" b="0" i="0" u="none" strike="noStrike" kern="0" cap="none" spc="0" normalizeH="0" baseline="0" noProof="0" dirty="0">
+                <a:ln>
+                  <a:noFill/>
+                </a:ln>
+                <a:solidFill>
+                  <a:sysClr val="window" lastClr="FFFFFF"/>
+                </a:solidFill>
+                <a:effectLst/>
+                <a:uLnTx/>
+                <a:uFillTx/>
+              </a:rPr>
+              <a:t>www.1ppt.com/powerpoint/      </a:t>
+            </a:r>
+          </a:p>
+          <a:p>
+            <a:pPr marL="0" marR="0" lvl="0" indent="0" defTabSz="914400" eaLnBrk="1" fontAlgn="auto" latinLnBrk="0" hangingPunct="1">
+              <a:lnSpc>
+                <a:spcPct val="100000"/>
+              </a:lnSpc>
+              <a:spcBef>
+                <a:spcPts val="0"/>
+              </a:spcBef>
+              <a:spcAft>
+                <a:spcPts val="0"/>
+              </a:spcAft>
+              <a:buClrTx/>
+              <a:buSzTx/>
+              <a:buFontTx/>
+              <a:buNone/>
+              <a:tabLst/>
+              <a:defRPr/>
+            </a:pPr>
+            <a:r>
+              <a:rPr kumimoji="0" lang="en-US" altLang="zh-CN" sz="100" b="0" i="0" u="none" strike="noStrike" kern="0" cap="none" spc="0" normalizeH="0" baseline="0" noProof="0" dirty="0">
+                <a:ln>
+                  <a:noFill/>
+                </a:ln>
+                <a:solidFill>
+                  <a:sysClr val="window" lastClr="FFFFFF"/>
+                </a:solidFill>
+                <a:effectLst/>
+                <a:uLnTx/>
+                <a:uFillTx/>
+              </a:rPr>
+              <a:t>Word</a:t>
+            </a:r>
+            <a:r>
+              <a:rPr kumimoji="0" lang="zh-CN" altLang="en-US" sz="100" b="0" i="0" u="none" strike="noStrike" kern="0" cap="none" spc="0" normalizeH="0" baseline="0" noProof="0" dirty="0">
+                <a:ln>
+                  <a:noFill/>
+                </a:ln>
+                <a:solidFill>
+                  <a:sysClr val="window" lastClr="FFFFFF"/>
+                </a:solidFill>
+                <a:effectLst/>
+                <a:uLnTx/>
+                <a:uFillTx/>
+              </a:rPr>
+              <a:t>教程： </a:t>
+            </a:r>
+            <a:r>
+              <a:rPr kumimoji="0" lang="en-US" altLang="zh-CN" sz="100" b="0" i="0" u="none" strike="noStrike" kern="0" cap="none" spc="0" normalizeH="0" baseline="0" noProof="0" dirty="0">
+                <a:ln>
+                  <a:noFill/>
+                </a:ln>
+                <a:solidFill>
+                  <a:sysClr val="window" lastClr="FFFFFF"/>
+                </a:solidFill>
+                <a:effectLst/>
+                <a:uLnTx/>
+                <a:uFillTx/>
+              </a:rPr>
+              <a:t>www.1ppt.com/word/              Excel</a:t>
+            </a:r>
+            <a:r>
+              <a:rPr kumimoji="0" lang="zh-CN" altLang="en-US" sz="100" b="0" i="0" u="none" strike="noStrike" kern="0" cap="none" spc="0" normalizeH="0" baseline="0" noProof="0" dirty="0">
+                <a:ln>
+                  <a:noFill/>
+                </a:ln>
+                <a:solidFill>
+                  <a:sysClr val="window" lastClr="FFFFFF"/>
+                </a:solidFill>
+                <a:effectLst/>
+                <a:uLnTx/>
+                <a:uFillTx/>
+              </a:rPr>
+              <a:t>教程：</a:t>
+            </a:r>
+            <a:r>
+              <a:rPr kumimoji="0" lang="en-US" altLang="zh-CN" sz="100" b="0" i="0" u="none" strike="noStrike" kern="0" cap="none" spc="0" normalizeH="0" baseline="0" noProof="0" dirty="0">
+                <a:ln>
+                  <a:noFill/>
+                </a:ln>
+                <a:solidFill>
+                  <a:sysClr val="window" lastClr="FFFFFF"/>
+                </a:solidFill>
+                <a:effectLst/>
+                <a:uLnTx/>
+                <a:uFillTx/>
+              </a:rPr>
+              <a:t>www.1ppt.com/excel/  </a:t>
+            </a:r>
+          </a:p>
+          <a:p>
+            <a:pPr marL="0" marR="0" lvl="0" indent="0" defTabSz="914400" eaLnBrk="1" fontAlgn="auto" latinLnBrk="0" hangingPunct="1">
+              <a:lnSpc>
+                <a:spcPct val="100000"/>
+              </a:lnSpc>
+              <a:spcBef>
+                <a:spcPts val="0"/>
+              </a:spcBef>
+              <a:spcAft>
+                <a:spcPts val="0"/>
+              </a:spcAft>
+              <a:buClrTx/>
+              <a:buSzTx/>
+              <a:buFontTx/>
+              <a:buNone/>
+              <a:tabLst/>
+              <a:defRPr/>
+            </a:pPr>
+            <a:r>
+              <a:rPr kumimoji="0" lang="zh-CN" altLang="en-US" sz="100" b="0" i="0" u="none" strike="noStrike" kern="0" cap="none" spc="0" normalizeH="0" baseline="0" noProof="0" dirty="0">
+                <a:ln>
+                  <a:noFill/>
+                </a:ln>
+                <a:solidFill>
+                  <a:sysClr val="window" lastClr="FFFFFF"/>
+                </a:solidFill>
+                <a:effectLst/>
+                <a:uLnTx/>
+                <a:uFillTx/>
+              </a:rPr>
+              <a:t>资料下载：</a:t>
+            </a:r>
+            <a:r>
+              <a:rPr kumimoji="0" lang="en-US" altLang="zh-CN" sz="100" b="0" i="0" u="none" strike="noStrike" kern="0" cap="none" spc="0" normalizeH="0" baseline="0" noProof="0" dirty="0">
+                <a:ln>
+                  <a:noFill/>
+                </a:ln>
+                <a:solidFill>
+                  <a:sysClr val="window" lastClr="FFFFFF"/>
+                </a:solidFill>
+                <a:effectLst/>
+                <a:uLnTx/>
+                <a:uFillTx/>
+              </a:rPr>
+              <a:t>www.1ppt.com/ziliao/                PPT</a:t>
+            </a:r>
+            <a:r>
+              <a:rPr kumimoji="0" lang="zh-CN" altLang="en-US" sz="100" b="0" i="0" u="none" strike="noStrike" kern="0" cap="none" spc="0" normalizeH="0" baseline="0" noProof="0" dirty="0">
+                <a:ln>
+                  <a:noFill/>
+                </a:ln>
+                <a:solidFill>
+                  <a:sysClr val="window" lastClr="FFFFFF"/>
+                </a:solidFill>
+                <a:effectLst/>
+                <a:uLnTx/>
+                <a:uFillTx/>
+              </a:rPr>
+              <a:t>课件下载：</a:t>
+            </a:r>
+            <a:r>
+              <a:rPr kumimoji="0" lang="en-US" altLang="zh-CN" sz="100" b="0" i="0" u="none" strike="noStrike" kern="0" cap="none" spc="0" normalizeH="0" baseline="0" noProof="0" dirty="0">
+                <a:ln>
+                  <a:noFill/>
+                </a:ln>
+                <a:solidFill>
+                  <a:sysClr val="window" lastClr="FFFFFF"/>
+                </a:solidFill>
+                <a:effectLst/>
+                <a:uLnTx/>
+                <a:uFillTx/>
+              </a:rPr>
+              <a:t>www.1ppt.com/kejian/ </a:t>
+            </a:r>
+          </a:p>
+          <a:p>
+            <a:pPr marL="0" marR="0" lvl="0" indent="0" defTabSz="914400" eaLnBrk="1" fontAlgn="auto" latinLnBrk="0" hangingPunct="1">
+              <a:lnSpc>
+                <a:spcPct val="100000"/>
+              </a:lnSpc>
+              <a:spcBef>
+                <a:spcPts val="0"/>
+              </a:spcBef>
+              <a:spcAft>
+                <a:spcPts val="0"/>
+              </a:spcAft>
+              <a:buClrTx/>
+              <a:buSzTx/>
+              <a:buFontTx/>
+              <a:buNone/>
+              <a:tabLst/>
+              <a:defRPr/>
+            </a:pPr>
+            <a:r>
+              <a:rPr kumimoji="0" lang="zh-CN" altLang="en-US" sz="100" b="0" i="0" u="none" strike="noStrike" kern="0" cap="none" spc="0" normalizeH="0" baseline="0" noProof="0" dirty="0">
+                <a:ln>
+                  <a:noFill/>
+                </a:ln>
+                <a:solidFill>
+                  <a:sysClr val="window" lastClr="FFFFFF"/>
+                </a:solidFill>
+                <a:effectLst/>
+                <a:uLnTx/>
+                <a:uFillTx/>
+              </a:rPr>
+              <a:t>范文下载：</a:t>
+            </a:r>
+            <a:r>
+              <a:rPr kumimoji="0" lang="en-US" altLang="zh-CN" sz="100" b="0" i="0" u="none" strike="noStrike" kern="0" cap="none" spc="0" normalizeH="0" baseline="0" noProof="0" dirty="0">
+                <a:ln>
+                  <a:noFill/>
+                </a:ln>
+                <a:solidFill>
+                  <a:sysClr val="window" lastClr="FFFFFF"/>
+                </a:solidFill>
+                <a:effectLst/>
+                <a:uLnTx/>
+                <a:uFillTx/>
+              </a:rPr>
+              <a:t>www.1ppt.com/fanwen/             </a:t>
+            </a:r>
+            <a:r>
+              <a:rPr kumimoji="0" lang="zh-CN" altLang="en-US" sz="100" b="0" i="0" u="none" strike="noStrike" kern="0" cap="none" spc="0" normalizeH="0" baseline="0" noProof="0" dirty="0">
+                <a:ln>
+                  <a:noFill/>
+                </a:ln>
+                <a:solidFill>
+                  <a:sysClr val="window" lastClr="FFFFFF"/>
+                </a:solidFill>
+                <a:effectLst/>
+                <a:uLnTx/>
+                <a:uFillTx/>
+              </a:rPr>
+              <a:t>试卷下载：</a:t>
+            </a:r>
+            <a:r>
+              <a:rPr kumimoji="0" lang="en-US" altLang="zh-CN" sz="100" b="0" i="0" u="none" strike="noStrike" kern="0" cap="none" spc="0" normalizeH="0" baseline="0" noProof="0" dirty="0">
+                <a:ln>
+                  <a:noFill/>
+                </a:ln>
+                <a:solidFill>
+                  <a:sysClr val="window" lastClr="FFFFFF"/>
+                </a:solidFill>
+                <a:effectLst/>
+                <a:uLnTx/>
+                <a:uFillTx/>
+              </a:rPr>
+              <a:t>www.1ppt.com/shiti/  </a:t>
+            </a:r>
+          </a:p>
+          <a:p>
+            <a:pPr marL="0" marR="0" lvl="0" indent="0" defTabSz="914400" eaLnBrk="1" fontAlgn="auto" latinLnBrk="0" hangingPunct="1">
+              <a:lnSpc>
+                <a:spcPct val="100000"/>
+              </a:lnSpc>
+              <a:spcBef>
+                <a:spcPts val="0"/>
+              </a:spcBef>
+              <a:spcAft>
+                <a:spcPts val="0"/>
+              </a:spcAft>
+              <a:buClrTx/>
+              <a:buSzTx/>
+              <a:buFontTx/>
+              <a:buNone/>
+              <a:tabLst/>
+              <a:defRPr/>
+            </a:pPr>
+            <a:r>
+              <a:rPr kumimoji="0" lang="zh-CN" altLang="en-US" sz="100" b="0" i="0" u="none" strike="noStrike" kern="0" cap="none" spc="0" normalizeH="0" baseline="0" noProof="0" dirty="0">
+                <a:ln>
+                  <a:noFill/>
+                </a:ln>
+                <a:solidFill>
+                  <a:sysClr val="window" lastClr="FFFFFF"/>
+                </a:solidFill>
+                <a:effectLst/>
+                <a:uLnTx/>
+                <a:uFillTx/>
+              </a:rPr>
+              <a:t>教案下载：</a:t>
+            </a:r>
+            <a:r>
+              <a:rPr kumimoji="0" lang="en-US" altLang="zh-CN" sz="100" b="0" i="0" u="none" strike="noStrike" kern="0" cap="none" spc="0" normalizeH="0" baseline="0" noProof="0" dirty="0">
+                <a:ln>
+                  <a:noFill/>
+                </a:ln>
+                <a:solidFill>
+                  <a:sysClr val="window" lastClr="FFFFFF"/>
+                </a:solidFill>
+                <a:effectLst/>
+                <a:uLnTx/>
+                <a:uFillTx/>
+              </a:rPr>
+              <a:t>www.1ppt.com/jiaoan/  </a:t>
+            </a:r>
+            <a:r>
+              <a:rPr kumimoji="0" lang="en-US" altLang="zh-CN" sz="100" b="0" i="0" u="none" strike="noStrike" kern="0" cap="none" spc="0" normalizeH="0" baseline="0" noProof="0" dirty="0" smtClean="0">
+                <a:ln>
+                  <a:noFill/>
+                </a:ln>
+                <a:solidFill>
+                  <a:sysClr val="window" lastClr="FFFFFF"/>
+                </a:solidFill>
+                <a:effectLst/>
+                <a:uLnTx/>
+                <a:uFillTx/>
+              </a:rPr>
+              <a:t>      PPT</a:t>
+            </a:r>
+            <a:r>
+              <a:rPr kumimoji="0" lang="zh-CN" altLang="en-US" sz="100" b="0" i="0" u="none" strike="noStrike" kern="0" cap="none" spc="0" normalizeH="0" baseline="0" noProof="0" dirty="0" smtClean="0">
+                <a:ln>
+                  <a:noFill/>
+                </a:ln>
+                <a:solidFill>
+                  <a:sysClr val="window" lastClr="FFFFFF"/>
+                </a:solidFill>
+                <a:effectLst/>
+                <a:uLnTx/>
+                <a:uFillTx/>
+              </a:rPr>
+              <a:t>论坛：</a:t>
+            </a:r>
+            <a:r>
+              <a:rPr kumimoji="0" lang="en-US" altLang="zh-CN" sz="100" b="0" i="0" u="none" strike="noStrike" kern="0" cap="none" spc="0" normalizeH="0" baseline="0" noProof="0" dirty="0" smtClean="0">
+                <a:ln>
+                  <a:noFill/>
+                </a:ln>
+                <a:solidFill>
+                  <a:sysClr val="window" lastClr="FFFFFF"/>
+                </a:solidFill>
+                <a:effectLst/>
+                <a:uLnTx/>
+                <a:uFillTx/>
+              </a:rPr>
+              <a:t>www.1ppt.cn</a:t>
+            </a:r>
+            <a:endParaRPr kumimoji="0" lang="en-US" altLang="zh-CN" sz="100" b="0" i="0" u="none" strike="noStrike" kern="0" cap="none" spc="0" normalizeH="0" baseline="0" noProof="0" dirty="0">
+              <a:ln>
+                <a:noFill/>
+              </a:ln>
+              <a:solidFill>
+                <a:sysClr val="window" lastClr="FFFFFF"/>
+              </a:solidFill>
+              <a:effectLst/>
+              <a:uLnTx/>
+              <a:uFillTx/>
+            </a:endParaRPr>
+          </a:p>
+          <a:p>
+            <a:pPr marL="0" marR="0" lvl="0" indent="0" defTabSz="914400" eaLnBrk="1" fontAlgn="auto" latinLnBrk="0" hangingPunct="1">
+              <a:lnSpc>
+                <a:spcPct val="100000"/>
+              </a:lnSpc>
+              <a:spcBef>
+                <a:spcPts val="0"/>
+              </a:spcBef>
+              <a:spcAft>
+                <a:spcPts val="0"/>
+              </a:spcAft>
+              <a:buClrTx/>
+              <a:buSzTx/>
+              <a:buFontTx/>
+              <a:buNone/>
+              <a:tabLst/>
+              <a:defRPr/>
+            </a:pPr>
+            <a:r>
+              <a:rPr kumimoji="0" lang="en-US" altLang="zh-CN" sz="100" b="0" i="0" u="none" strike="noStrike" kern="0" cap="none" spc="0" normalizeH="0" baseline="0" noProof="0" dirty="0">
+                <a:ln>
+                  <a:noFill/>
+                </a:ln>
+                <a:solidFill>
+                  <a:sysClr val="window" lastClr="FFFFFF"/>
+                </a:solidFill>
+                <a:effectLst/>
+                <a:uLnTx/>
+                <a:uFillTx/>
+              </a:rPr>
+              <a:t> </a:t>
+            </a:r>
+            <a:endParaRPr kumimoji="0" lang="zh-CN" altLang="en-US" sz="100" b="0" i="0" u="none" strike="noStrike" kern="0" cap="none" spc="0" normalizeH="0" baseline="0" noProof="0" dirty="0">
+              <a:ln>
+                <a:noFill/>
+              </a:ln>
+              <a:solidFill>
+                <a:sysClr val="window" lastClr="FFFFFF"/>
+              </a:solidFill>
+              <a:effectLst/>
+              <a:uLnTx/>
+              <a:uFillTx/>
+            </a:endParaRPr>
+          </a:p>
+        </p:txBody>
+      </p:sp>
+      <p:pic>
+        <p:nvPicPr>
+          <p:cNvPr id="3" name="图片 2"/>
+          <p:cNvPicPr>
+            <a:picLocks noChangeAspect="1"/>
+          </p:cNvPicPr>
+          <p:nvPr/>
+        </p:nvPicPr>
+        <p:blipFill>
+          <a:blip r:embed="rId2"/>
+          <a:stretch>
+            <a:fillRect/>
+          </a:stretch>
+        </p:blipFill>
+        <p:spPr>
+          <a:xfrm>
+            <a:off x="775136" y="359404"/>
+            <a:ext cx="1424251" cy="628052"/>
+          </a:xfrm>
+          <a:prstGeom prst="rect">
+            <a:avLst/>
+          </a:prstGeom>
+        </p:spPr>
+      </p:pic>
+      <p:sp>
+        <p:nvSpPr>
+          <p:cNvPr id="9" name="TextBox 50"/>
+          <p:cNvSpPr txBox="1"/>
+          <p:nvPr/>
+        </p:nvSpPr>
+        <p:spPr>
+          <a:xfrm>
+            <a:off x="1950218" y="4133623"/>
+            <a:ext cx="1191333" cy="338554"/>
+          </a:xfrm>
+          <a:prstGeom prst="rect">
+            <a:avLst/>
+          </a:prstGeom>
+          <a:noFill/>
+        </p:spPr>
+        <p:txBody>
+          <a:bodyPr wrap="square" rtlCol="0">
+            <a:spAutoFit/>
+          </a:bodyPr>
+          <a:lstStyle/>
+          <a:p>
+            <a:r>
+              <a:rPr lang="en-US" sz="1600" b="1" dirty="0">
+                <a:solidFill>
+                  <a:srgbClr val="06080A"/>
+                </a:solidFill>
+                <a:latin typeface="仿宋" panose="02010609060101010101" pitchFamily="49" charset="-122"/>
+                <a:ea typeface="仿宋" panose="02010609060101010101" pitchFamily="49" charset="-122"/>
+                <a:cs typeface="+mn-ea"/>
+                <a:sym typeface="+mn-lt"/>
+              </a:rPr>
+              <a:t>Gizmo</a:t>
+            </a:r>
+          </a:p>
+        </p:txBody>
+      </p:sp>
+      <p:pic>
+        <p:nvPicPr>
+          <p:cNvPr id="10" name="图片 9"/>
+          <p:cNvPicPr>
+            <a:picLocks noChangeAspect="1"/>
+          </p:cNvPicPr>
+          <p:nvPr/>
+        </p:nvPicPr>
+        <p:blipFill>
+          <a:blip r:embed="rId3">
+            <a:extLst>
+              <a:ext uri="{28A0092B-C50C-407E-A947-70E740481C1C}">
+                <a14:useLocalDpi xmlns:a14="http://schemas.microsoft.com/office/drawing/2010/main" val="0"/>
+              </a:ext>
+            </a:extLst>
+          </a:blip>
+          <a:stretch>
+            <a:fillRect/>
+          </a:stretch>
+        </p:blipFill>
+        <p:spPr>
+          <a:xfrm>
+            <a:off x="3457273" y="3943500"/>
+            <a:ext cx="3740232" cy="2491570"/>
+          </a:xfrm>
+          <a:prstGeom prst="rect">
+            <a:avLst/>
+          </a:prstGeom>
+        </p:spPr>
+      </p:pic>
+      <p:pic>
+        <p:nvPicPr>
+          <p:cNvPr id="7" name="图片 6"/>
+          <p:cNvPicPr>
+            <a:picLocks noChangeAspect="1"/>
+          </p:cNvPicPr>
+          <p:nvPr/>
+        </p:nvPicPr>
+        <p:blipFill>
+          <a:blip r:embed="rId4"/>
+          <a:stretch>
+            <a:fillRect/>
+          </a:stretch>
+        </p:blipFill>
+        <p:spPr>
+          <a:xfrm>
+            <a:off x="831317" y="1816098"/>
+            <a:ext cx="2574646" cy="2308179"/>
+          </a:xfrm>
+          <a:prstGeom prst="rect">
+            <a:avLst/>
+          </a:prstGeom>
+        </p:spPr>
+      </p:pic>
+      <p:pic>
+        <p:nvPicPr>
+          <p:cNvPr id="8" name="图片 7"/>
+          <p:cNvPicPr>
+            <a:picLocks noChangeAspect="1"/>
+          </p:cNvPicPr>
+          <p:nvPr/>
+        </p:nvPicPr>
+        <p:blipFill>
+          <a:blip r:embed="rId5"/>
+          <a:stretch>
+            <a:fillRect/>
+          </a:stretch>
+        </p:blipFill>
+        <p:spPr>
+          <a:xfrm>
+            <a:off x="6728549" y="2050871"/>
+            <a:ext cx="4959475" cy="1838634"/>
+          </a:xfrm>
+          <a:prstGeom prst="rect">
+            <a:avLst/>
+          </a:prstGeom>
+        </p:spPr>
+      </p:pic>
+    </p:spTree>
+    <p:extLst>
+      <p:ext uri="{BB962C8B-B14F-4D97-AF65-F5344CB8AC3E}">
+        <p14:creationId xmlns:p14="http://schemas.microsoft.com/office/powerpoint/2010/main" val="2562951355"/>
+      </p:ext>
+    </p:extLst>
+  </p:cSld>
+  <p:clrMapOvr>
+    <a:masterClrMapping/>
+  </p:clrMapOvr>
+  <p:transition spd="slow">
+    <p:wipe/>
+  </p:transition>
+  <p:timing>
+    <p:tnLst>
+      <p:par>
+        <p:cTn id="1" dur="indefinite" restart="never" nodeType="tmRoot"/>
+      </p:par>
+    </p:tnLst>
+  </p:timing>
+</p:sld>
+</file>
+
+<file path=ppt/slides/slide2.xml><?xml version="1.0" encoding="utf-8"?>
+<p:sld xmlns:a="http://schemas.openxmlformats.org/drawingml/2006/main" xmlns:r="http://schemas.openxmlformats.org/officeDocument/2006/relationships" xmlns:p="http://schemas.openxmlformats.org/presentationml/2006/main">
+  <p:cSld>
+    <p:spTree>
+      <p:nvGrpSpPr>
+        <p:cNvPr id="1" name=""/>
+        <p:cNvGrpSpPr/>
+        <p:nvPr/>
+      </p:nvGrpSpPr>
+      <p:grpSpPr>
+        <a:xfrm>
+          <a:off x="0" y="0"/>
+          <a:ext cx="0" cy="0"/>
+          <a:chOff x="0" y="0"/>
+          <a:chExt cx="0" cy="0"/>
+        </a:xfrm>
+      </p:grpSpPr>
+      <p:sp>
+        <p:nvSpPr>
+          <p:cNvPr id="57" name="TextBox 50"/>
+          <p:cNvSpPr txBox="1"/>
+          <p:nvPr/>
+        </p:nvSpPr>
+        <p:spPr>
+          <a:xfrm>
+            <a:off x="2262761" y="359404"/>
+            <a:ext cx="9425263" cy="523220"/>
+          </a:xfrm>
+          <a:prstGeom prst="rect">
+            <a:avLst/>
+          </a:prstGeom>
+          <a:noFill/>
+        </p:spPr>
+        <p:txBody>
+          <a:bodyPr wrap="square" rtlCol="0">
+            <a:spAutoFit/>
+          </a:bodyPr>
+          <a:lstStyle/>
+          <a:p>
+            <a:r>
+              <a:rPr lang="en-US" sz="2800" b="1" dirty="0">
+                <a:solidFill>
+                  <a:srgbClr val="7030A0"/>
+                </a:solidFill>
+                <a:latin typeface="仿宋" panose="02010609060101010101" pitchFamily="49" charset="-122"/>
+                <a:ea typeface="仿宋" panose="02010609060101010101" pitchFamily="49" charset="-122"/>
+                <a:cs typeface="+mn-ea"/>
+                <a:sym typeface="+mn-lt"/>
+              </a:rPr>
+              <a:t>What are </a:t>
+            </a:r>
+            <a:r>
+              <a:rPr lang="en-US" sz="2800" b="1" dirty="0" err="1">
+                <a:solidFill>
+                  <a:srgbClr val="7030A0"/>
+                </a:solidFill>
+                <a:latin typeface="仿宋" panose="02010609060101010101" pitchFamily="49" charset="-122"/>
+                <a:ea typeface="仿宋" panose="02010609060101010101" pitchFamily="49" charset="-122"/>
+                <a:cs typeface="+mn-ea"/>
+                <a:sym typeface="+mn-lt"/>
+              </a:rPr>
+              <a:t>microservices</a:t>
+            </a:r>
+            <a:r>
+              <a:rPr lang="en-US" sz="2800" b="1" dirty="0">
+                <a:solidFill>
+                  <a:srgbClr val="7030A0"/>
+                </a:solidFill>
+                <a:latin typeface="仿宋" panose="02010609060101010101" pitchFamily="49" charset="-122"/>
+                <a:ea typeface="仿宋" panose="02010609060101010101" pitchFamily="49" charset="-122"/>
+                <a:cs typeface="+mn-ea"/>
+                <a:sym typeface="+mn-lt"/>
+              </a:rPr>
+              <a:t>?</a:t>
+            </a:r>
+          </a:p>
+        </p:txBody>
+      </p:sp>
+      <p:sp>
+        <p:nvSpPr>
+          <p:cNvPr id="63" name="矩形 62"/>
+          <p:cNvSpPr/>
+          <p:nvPr/>
+        </p:nvSpPr>
+        <p:spPr>
+          <a:xfrm>
+            <a:off x="0" y="6624130"/>
+            <a:ext cx="775136" cy="230832"/>
+          </a:xfrm>
+          <a:prstGeom prst="rect">
+            <a:avLst/>
+          </a:prstGeom>
+        </p:spPr>
+        <p:txBody>
+          <a:bodyPr wrap="square">
+            <a:spAutoFit/>
+          </a:bodyPr>
+          <a:lstStyle/>
+          <a:p>
+            <a:pPr marL="0" marR="0" lvl="0" indent="0" defTabSz="914400" eaLnBrk="1" fontAlgn="auto" latinLnBrk="0" hangingPunct="1">
+              <a:lnSpc>
+                <a:spcPct val="100000"/>
+              </a:lnSpc>
+              <a:spcBef>
+                <a:spcPts val="0"/>
+              </a:spcBef>
+              <a:spcAft>
+                <a:spcPts val="0"/>
+              </a:spcAft>
+              <a:buClrTx/>
+              <a:buSzTx/>
+              <a:buFontTx/>
+              <a:buNone/>
+              <a:tabLst/>
+              <a:defRPr/>
+            </a:pPr>
+            <a:r>
+              <a:rPr kumimoji="0" lang="en-US" altLang="zh-CN" sz="100" b="0" i="0" u="none" strike="noStrike" kern="0" cap="none" spc="0" normalizeH="0" baseline="0" noProof="0" dirty="0">
+                <a:ln>
+                  <a:noFill/>
+                </a:ln>
+                <a:solidFill>
+                  <a:sysClr val="window" lastClr="FFFFFF"/>
+                </a:solidFill>
+                <a:effectLst/>
+                <a:uLnTx/>
+                <a:uFillTx/>
+              </a:rPr>
+              <a:t>PPT</a:t>
+            </a:r>
+            <a:r>
+              <a:rPr kumimoji="0" lang="zh-CN" altLang="en-US" sz="100" b="0" i="0" u="none" strike="noStrike" kern="0" cap="none" spc="0" normalizeH="0" baseline="0" noProof="0" dirty="0">
+                <a:ln>
+                  <a:noFill/>
+                </a:ln>
+                <a:solidFill>
+                  <a:sysClr val="window" lastClr="FFFFFF"/>
+                </a:solidFill>
+                <a:effectLst/>
+                <a:uLnTx/>
+                <a:uFillTx/>
+              </a:rPr>
+              <a:t>模板下载：</a:t>
+            </a:r>
+            <a:r>
+              <a:rPr kumimoji="0" lang="en-US" altLang="zh-CN" sz="100" b="0" i="0" u="none" strike="noStrike" kern="0" cap="none" spc="0" normalizeH="0" baseline="0" noProof="0" dirty="0">
+                <a:ln>
+                  <a:noFill/>
+                </a:ln>
+                <a:solidFill>
+                  <a:sysClr val="window" lastClr="FFFFFF"/>
+                </a:solidFill>
+                <a:effectLst/>
+                <a:uLnTx/>
+                <a:uFillTx/>
+              </a:rPr>
+              <a:t>www.1ppt.com/moban/     </a:t>
+            </a:r>
+            <a:r>
+              <a:rPr kumimoji="0" lang="zh-CN" altLang="en-US" sz="100" b="0" i="0" u="none" strike="noStrike" kern="0" cap="none" spc="0" normalizeH="0" baseline="0" noProof="0" dirty="0">
+                <a:ln>
+                  <a:noFill/>
+                </a:ln>
+                <a:solidFill>
+                  <a:sysClr val="window" lastClr="FFFFFF"/>
+                </a:solidFill>
+                <a:effectLst/>
+                <a:uLnTx/>
+                <a:uFillTx/>
+              </a:rPr>
+              <a:t>行业</a:t>
+            </a:r>
+            <a:r>
+              <a:rPr kumimoji="0" lang="en-US" altLang="zh-CN" sz="100" b="0" i="0" u="none" strike="noStrike" kern="0" cap="none" spc="0" normalizeH="0" baseline="0" noProof="0" dirty="0">
+                <a:ln>
+                  <a:noFill/>
+                </a:ln>
+                <a:solidFill>
+                  <a:sysClr val="window" lastClr="FFFFFF"/>
+                </a:solidFill>
+                <a:effectLst/>
+                <a:uLnTx/>
+                <a:uFillTx/>
+              </a:rPr>
+              <a:t>PPT</a:t>
+            </a:r>
+            <a:r>
+              <a:rPr kumimoji="0" lang="zh-CN" altLang="en-US" sz="100" b="0" i="0" u="none" strike="noStrike" kern="0" cap="none" spc="0" normalizeH="0" baseline="0" noProof="0" dirty="0">
+                <a:ln>
+                  <a:noFill/>
+                </a:ln>
+                <a:solidFill>
+                  <a:sysClr val="window" lastClr="FFFFFF"/>
+                </a:solidFill>
+                <a:effectLst/>
+                <a:uLnTx/>
+                <a:uFillTx/>
+              </a:rPr>
+              <a:t>模板：</a:t>
+            </a:r>
+            <a:r>
+              <a:rPr kumimoji="0" lang="en-US" altLang="zh-CN" sz="100" b="0" i="0" u="none" strike="noStrike" kern="0" cap="none" spc="0" normalizeH="0" baseline="0" noProof="0" dirty="0">
+                <a:ln>
+                  <a:noFill/>
+                </a:ln>
+                <a:solidFill>
+                  <a:sysClr val="window" lastClr="FFFFFF"/>
+                </a:solidFill>
+                <a:effectLst/>
+                <a:uLnTx/>
+                <a:uFillTx/>
+              </a:rPr>
+              <a:t>www.1ppt.com/hangye/ </a:t>
+            </a:r>
+          </a:p>
+          <a:p>
+            <a:pPr marL="0" marR="0" lvl="0" indent="0" defTabSz="914400" eaLnBrk="1" fontAlgn="auto" latinLnBrk="0" hangingPunct="1">
+              <a:lnSpc>
+                <a:spcPct val="100000"/>
+              </a:lnSpc>
+              <a:spcBef>
+                <a:spcPts val="0"/>
+              </a:spcBef>
+              <a:spcAft>
+                <a:spcPts val="0"/>
+              </a:spcAft>
+              <a:buClrTx/>
+              <a:buSzTx/>
+              <a:buFontTx/>
+              <a:buNone/>
+              <a:tabLst/>
+              <a:defRPr/>
+            </a:pPr>
+            <a:r>
+              <a:rPr kumimoji="0" lang="zh-CN" altLang="en-US" sz="100" b="0" i="0" u="none" strike="noStrike" kern="0" cap="none" spc="0" normalizeH="0" baseline="0" noProof="0" dirty="0">
+                <a:ln>
+                  <a:noFill/>
+                </a:ln>
+                <a:solidFill>
+                  <a:sysClr val="window" lastClr="FFFFFF"/>
+                </a:solidFill>
+                <a:effectLst/>
+                <a:uLnTx/>
+                <a:uFillTx/>
+              </a:rPr>
+              <a:t>节日</a:t>
+            </a:r>
+            <a:r>
+              <a:rPr kumimoji="0" lang="en-US" altLang="zh-CN" sz="100" b="0" i="0" u="none" strike="noStrike" kern="0" cap="none" spc="0" normalizeH="0" baseline="0" noProof="0" dirty="0">
+                <a:ln>
+                  <a:noFill/>
+                </a:ln>
+                <a:solidFill>
+                  <a:sysClr val="window" lastClr="FFFFFF"/>
+                </a:solidFill>
+                <a:effectLst/>
+                <a:uLnTx/>
+                <a:uFillTx/>
+              </a:rPr>
+              <a:t>PPT</a:t>
+            </a:r>
+            <a:r>
+              <a:rPr kumimoji="0" lang="zh-CN" altLang="en-US" sz="100" b="0" i="0" u="none" strike="noStrike" kern="0" cap="none" spc="0" normalizeH="0" baseline="0" noProof="0" dirty="0">
+                <a:ln>
+                  <a:noFill/>
+                </a:ln>
+                <a:solidFill>
+                  <a:sysClr val="window" lastClr="FFFFFF"/>
+                </a:solidFill>
+                <a:effectLst/>
+                <a:uLnTx/>
+                <a:uFillTx/>
+              </a:rPr>
+              <a:t>模板：</a:t>
+            </a:r>
+            <a:r>
+              <a:rPr kumimoji="0" lang="en-US" altLang="zh-CN" sz="100" b="0" i="0" u="none" strike="noStrike" kern="0" cap="none" spc="0" normalizeH="0" baseline="0" noProof="0" dirty="0">
+                <a:ln>
+                  <a:noFill/>
+                </a:ln>
+                <a:solidFill>
+                  <a:sysClr val="window" lastClr="FFFFFF"/>
+                </a:solidFill>
+                <a:effectLst/>
+                <a:uLnTx/>
+                <a:uFillTx/>
+              </a:rPr>
+              <a:t>www.1ppt.com/jieri/           PPT</a:t>
+            </a:r>
+            <a:r>
+              <a:rPr kumimoji="0" lang="zh-CN" altLang="en-US" sz="100" b="0" i="0" u="none" strike="noStrike" kern="0" cap="none" spc="0" normalizeH="0" baseline="0" noProof="0" dirty="0">
+                <a:ln>
+                  <a:noFill/>
+                </a:ln>
+                <a:solidFill>
+                  <a:sysClr val="window" lastClr="FFFFFF"/>
+                </a:solidFill>
+                <a:effectLst/>
+                <a:uLnTx/>
+                <a:uFillTx/>
+              </a:rPr>
+              <a:t>素材下载：</a:t>
+            </a:r>
+            <a:r>
+              <a:rPr kumimoji="0" lang="en-US" altLang="zh-CN" sz="100" b="0" i="0" u="none" strike="noStrike" kern="0" cap="none" spc="0" normalizeH="0" baseline="0" noProof="0" dirty="0">
+                <a:ln>
+                  <a:noFill/>
+                </a:ln>
+                <a:solidFill>
+                  <a:sysClr val="window" lastClr="FFFFFF"/>
+                </a:solidFill>
+                <a:effectLst/>
+                <a:uLnTx/>
+                <a:uFillTx/>
+              </a:rPr>
+              <a:t>www.1ppt.com/sucai/</a:t>
+            </a:r>
+          </a:p>
+          <a:p>
+            <a:pPr marL="0" marR="0" lvl="0" indent="0" defTabSz="914400" eaLnBrk="1" fontAlgn="auto" latinLnBrk="0" hangingPunct="1">
+              <a:lnSpc>
+                <a:spcPct val="100000"/>
+              </a:lnSpc>
+              <a:spcBef>
+                <a:spcPts val="0"/>
+              </a:spcBef>
+              <a:spcAft>
+                <a:spcPts val="0"/>
+              </a:spcAft>
+              <a:buClrTx/>
+              <a:buSzTx/>
+              <a:buFontTx/>
+              <a:buNone/>
+              <a:tabLst/>
+              <a:defRPr/>
+            </a:pPr>
+            <a:r>
+              <a:rPr kumimoji="0" lang="en-US" altLang="zh-CN" sz="100" b="0" i="0" u="none" strike="noStrike" kern="0" cap="none" spc="0" normalizeH="0" baseline="0" noProof="0" dirty="0">
+                <a:ln>
+                  <a:noFill/>
+                </a:ln>
+                <a:solidFill>
+                  <a:sysClr val="window" lastClr="FFFFFF"/>
+                </a:solidFill>
+                <a:effectLst/>
+                <a:uLnTx/>
+                <a:uFillTx/>
+              </a:rPr>
+              <a:t>PPT</a:t>
+            </a:r>
+            <a:r>
+              <a:rPr kumimoji="0" lang="zh-CN" altLang="en-US" sz="100" b="0" i="0" u="none" strike="noStrike" kern="0" cap="none" spc="0" normalizeH="0" baseline="0" noProof="0" dirty="0">
+                <a:ln>
+                  <a:noFill/>
+                </a:ln>
+                <a:solidFill>
+                  <a:sysClr val="window" lastClr="FFFFFF"/>
+                </a:solidFill>
+                <a:effectLst/>
+                <a:uLnTx/>
+                <a:uFillTx/>
+              </a:rPr>
+              <a:t>背景图片：</a:t>
+            </a:r>
+            <a:r>
+              <a:rPr kumimoji="0" lang="en-US" altLang="zh-CN" sz="100" b="0" i="0" u="none" strike="noStrike" kern="0" cap="none" spc="0" normalizeH="0" baseline="0" noProof="0" dirty="0">
+                <a:ln>
+                  <a:noFill/>
+                </a:ln>
+                <a:solidFill>
+                  <a:sysClr val="window" lastClr="FFFFFF"/>
+                </a:solidFill>
+                <a:effectLst/>
+                <a:uLnTx/>
+                <a:uFillTx/>
+              </a:rPr>
+              <a:t>www.1ppt.com/beijing/      PPT</a:t>
+            </a:r>
+            <a:r>
+              <a:rPr kumimoji="0" lang="zh-CN" altLang="en-US" sz="100" b="0" i="0" u="none" strike="noStrike" kern="0" cap="none" spc="0" normalizeH="0" baseline="0" noProof="0" dirty="0">
+                <a:ln>
+                  <a:noFill/>
+                </a:ln>
+                <a:solidFill>
+                  <a:sysClr val="window" lastClr="FFFFFF"/>
+                </a:solidFill>
+                <a:effectLst/>
+                <a:uLnTx/>
+                <a:uFillTx/>
+              </a:rPr>
+              <a:t>图表下载：</a:t>
+            </a:r>
+            <a:r>
+              <a:rPr kumimoji="0" lang="en-US" altLang="zh-CN" sz="100" b="0" i="0" u="none" strike="noStrike" kern="0" cap="none" spc="0" normalizeH="0" baseline="0" noProof="0" dirty="0">
+                <a:ln>
+                  <a:noFill/>
+                </a:ln>
+                <a:solidFill>
+                  <a:sysClr val="window" lastClr="FFFFFF"/>
+                </a:solidFill>
+                <a:effectLst/>
+                <a:uLnTx/>
+                <a:uFillTx/>
+              </a:rPr>
+              <a:t>www.1ppt.com/tubiao/      </a:t>
+            </a:r>
+          </a:p>
+          <a:p>
+            <a:pPr marL="0" marR="0" lvl="0" indent="0" defTabSz="914400" eaLnBrk="1" fontAlgn="auto" latinLnBrk="0" hangingPunct="1">
+              <a:lnSpc>
+                <a:spcPct val="100000"/>
+              </a:lnSpc>
+              <a:spcBef>
+                <a:spcPts val="0"/>
+              </a:spcBef>
+              <a:spcAft>
+                <a:spcPts val="0"/>
+              </a:spcAft>
+              <a:buClrTx/>
+              <a:buSzTx/>
+              <a:buFontTx/>
+              <a:buNone/>
+              <a:tabLst/>
+              <a:defRPr/>
+            </a:pPr>
+            <a:r>
+              <a:rPr kumimoji="0" lang="zh-CN" altLang="en-US" sz="100" b="0" i="0" u="none" strike="noStrike" kern="0" cap="none" spc="0" normalizeH="0" baseline="0" noProof="0" dirty="0">
+                <a:ln>
+                  <a:noFill/>
+                </a:ln>
+                <a:solidFill>
+                  <a:sysClr val="window" lastClr="FFFFFF"/>
+                </a:solidFill>
+                <a:effectLst/>
+                <a:uLnTx/>
+                <a:uFillTx/>
+              </a:rPr>
+              <a:t>优秀</a:t>
+            </a:r>
+            <a:r>
+              <a:rPr kumimoji="0" lang="en-US" altLang="zh-CN" sz="100" b="0" i="0" u="none" strike="noStrike" kern="0" cap="none" spc="0" normalizeH="0" baseline="0" noProof="0" dirty="0">
+                <a:ln>
+                  <a:noFill/>
+                </a:ln>
+                <a:solidFill>
+                  <a:sysClr val="window" lastClr="FFFFFF"/>
+                </a:solidFill>
+                <a:effectLst/>
+                <a:uLnTx/>
+                <a:uFillTx/>
+              </a:rPr>
+              <a:t>PPT</a:t>
+            </a:r>
+            <a:r>
+              <a:rPr kumimoji="0" lang="zh-CN" altLang="en-US" sz="100" b="0" i="0" u="none" strike="noStrike" kern="0" cap="none" spc="0" normalizeH="0" baseline="0" noProof="0" dirty="0">
+                <a:ln>
+                  <a:noFill/>
+                </a:ln>
+                <a:solidFill>
+                  <a:sysClr val="window" lastClr="FFFFFF"/>
+                </a:solidFill>
+                <a:effectLst/>
+                <a:uLnTx/>
+                <a:uFillTx/>
+              </a:rPr>
+              <a:t>下载：</a:t>
+            </a:r>
+            <a:r>
+              <a:rPr kumimoji="0" lang="en-US" altLang="zh-CN" sz="100" b="0" i="0" u="none" strike="noStrike" kern="0" cap="none" spc="0" normalizeH="0" baseline="0" noProof="0" dirty="0">
+                <a:ln>
+                  <a:noFill/>
+                </a:ln>
+                <a:solidFill>
+                  <a:sysClr val="window" lastClr="FFFFFF"/>
+                </a:solidFill>
+                <a:effectLst/>
+                <a:uLnTx/>
+                <a:uFillTx/>
+              </a:rPr>
+              <a:t>www.1ppt.com/xiazai/        PPT</a:t>
+            </a:r>
+            <a:r>
+              <a:rPr kumimoji="0" lang="zh-CN" altLang="en-US" sz="100" b="0" i="0" u="none" strike="noStrike" kern="0" cap="none" spc="0" normalizeH="0" baseline="0" noProof="0" dirty="0">
+                <a:ln>
+                  <a:noFill/>
+                </a:ln>
+                <a:solidFill>
+                  <a:sysClr val="window" lastClr="FFFFFF"/>
+                </a:solidFill>
+                <a:effectLst/>
+                <a:uLnTx/>
+                <a:uFillTx/>
+              </a:rPr>
+              <a:t>教程： </a:t>
+            </a:r>
+            <a:r>
+              <a:rPr kumimoji="0" lang="en-US" altLang="zh-CN" sz="100" b="0" i="0" u="none" strike="noStrike" kern="0" cap="none" spc="0" normalizeH="0" baseline="0" noProof="0" dirty="0">
+                <a:ln>
+                  <a:noFill/>
+                </a:ln>
+                <a:solidFill>
+                  <a:sysClr val="window" lastClr="FFFFFF"/>
+                </a:solidFill>
+                <a:effectLst/>
+                <a:uLnTx/>
+                <a:uFillTx/>
+              </a:rPr>
+              <a:t>www.1ppt.com/powerpoint/      </a:t>
+            </a:r>
+          </a:p>
+          <a:p>
+            <a:pPr marL="0" marR="0" lvl="0" indent="0" defTabSz="914400" eaLnBrk="1" fontAlgn="auto" latinLnBrk="0" hangingPunct="1">
+              <a:lnSpc>
+                <a:spcPct val="100000"/>
+              </a:lnSpc>
+              <a:spcBef>
+                <a:spcPts val="0"/>
+              </a:spcBef>
+              <a:spcAft>
+                <a:spcPts val="0"/>
+              </a:spcAft>
+              <a:buClrTx/>
+              <a:buSzTx/>
+              <a:buFontTx/>
+              <a:buNone/>
+              <a:tabLst/>
+              <a:defRPr/>
+            </a:pPr>
+            <a:r>
+              <a:rPr kumimoji="0" lang="en-US" altLang="zh-CN" sz="100" b="0" i="0" u="none" strike="noStrike" kern="0" cap="none" spc="0" normalizeH="0" baseline="0" noProof="0" dirty="0">
+                <a:ln>
+                  <a:noFill/>
+                </a:ln>
+                <a:solidFill>
+                  <a:sysClr val="window" lastClr="FFFFFF"/>
+                </a:solidFill>
+                <a:effectLst/>
+                <a:uLnTx/>
+                <a:uFillTx/>
+              </a:rPr>
+              <a:t>Word</a:t>
+            </a:r>
+            <a:r>
+              <a:rPr kumimoji="0" lang="zh-CN" altLang="en-US" sz="100" b="0" i="0" u="none" strike="noStrike" kern="0" cap="none" spc="0" normalizeH="0" baseline="0" noProof="0" dirty="0">
+                <a:ln>
+                  <a:noFill/>
+                </a:ln>
+                <a:solidFill>
+                  <a:sysClr val="window" lastClr="FFFFFF"/>
+                </a:solidFill>
+                <a:effectLst/>
+                <a:uLnTx/>
+                <a:uFillTx/>
+              </a:rPr>
+              <a:t>教程： </a:t>
+            </a:r>
+            <a:r>
+              <a:rPr kumimoji="0" lang="en-US" altLang="zh-CN" sz="100" b="0" i="0" u="none" strike="noStrike" kern="0" cap="none" spc="0" normalizeH="0" baseline="0" noProof="0" dirty="0">
+                <a:ln>
+                  <a:noFill/>
+                </a:ln>
+                <a:solidFill>
+                  <a:sysClr val="window" lastClr="FFFFFF"/>
+                </a:solidFill>
+                <a:effectLst/>
+                <a:uLnTx/>
+                <a:uFillTx/>
+              </a:rPr>
+              <a:t>www.1ppt.com/word/              Excel</a:t>
+            </a:r>
+            <a:r>
+              <a:rPr kumimoji="0" lang="zh-CN" altLang="en-US" sz="100" b="0" i="0" u="none" strike="noStrike" kern="0" cap="none" spc="0" normalizeH="0" baseline="0" noProof="0" dirty="0">
+                <a:ln>
+                  <a:noFill/>
+                </a:ln>
+                <a:solidFill>
+                  <a:sysClr val="window" lastClr="FFFFFF"/>
+                </a:solidFill>
+                <a:effectLst/>
+                <a:uLnTx/>
+                <a:uFillTx/>
+              </a:rPr>
+              <a:t>教程：</a:t>
+            </a:r>
+            <a:r>
+              <a:rPr kumimoji="0" lang="en-US" altLang="zh-CN" sz="100" b="0" i="0" u="none" strike="noStrike" kern="0" cap="none" spc="0" normalizeH="0" baseline="0" noProof="0" dirty="0">
+                <a:ln>
+                  <a:noFill/>
+                </a:ln>
+                <a:solidFill>
+                  <a:sysClr val="window" lastClr="FFFFFF"/>
+                </a:solidFill>
+                <a:effectLst/>
+                <a:uLnTx/>
+                <a:uFillTx/>
+              </a:rPr>
+              <a:t>www.1ppt.com/excel/  </a:t>
+            </a:r>
+          </a:p>
+          <a:p>
+            <a:pPr marL="0" marR="0" lvl="0" indent="0" defTabSz="914400" eaLnBrk="1" fontAlgn="auto" latinLnBrk="0" hangingPunct="1">
+              <a:lnSpc>
+                <a:spcPct val="100000"/>
+              </a:lnSpc>
+              <a:spcBef>
+                <a:spcPts val="0"/>
+              </a:spcBef>
+              <a:spcAft>
+                <a:spcPts val="0"/>
+              </a:spcAft>
+              <a:buClrTx/>
+              <a:buSzTx/>
+              <a:buFontTx/>
+              <a:buNone/>
+              <a:tabLst/>
+              <a:defRPr/>
+            </a:pPr>
+            <a:r>
+              <a:rPr kumimoji="0" lang="zh-CN" altLang="en-US" sz="100" b="0" i="0" u="none" strike="noStrike" kern="0" cap="none" spc="0" normalizeH="0" baseline="0" noProof="0" dirty="0">
+                <a:ln>
+                  <a:noFill/>
+                </a:ln>
+                <a:solidFill>
+                  <a:sysClr val="window" lastClr="FFFFFF"/>
+                </a:solidFill>
+                <a:effectLst/>
+                <a:uLnTx/>
+                <a:uFillTx/>
+              </a:rPr>
+              <a:t>资料下载：</a:t>
+            </a:r>
+            <a:r>
+              <a:rPr kumimoji="0" lang="en-US" altLang="zh-CN" sz="100" b="0" i="0" u="none" strike="noStrike" kern="0" cap="none" spc="0" normalizeH="0" baseline="0" noProof="0" dirty="0">
+                <a:ln>
+                  <a:noFill/>
+                </a:ln>
+                <a:solidFill>
+                  <a:sysClr val="window" lastClr="FFFFFF"/>
+                </a:solidFill>
+                <a:effectLst/>
+                <a:uLnTx/>
+                <a:uFillTx/>
+              </a:rPr>
+              <a:t>www.1ppt.com/ziliao/                PPT</a:t>
+            </a:r>
+            <a:r>
+              <a:rPr kumimoji="0" lang="zh-CN" altLang="en-US" sz="100" b="0" i="0" u="none" strike="noStrike" kern="0" cap="none" spc="0" normalizeH="0" baseline="0" noProof="0" dirty="0">
+                <a:ln>
+                  <a:noFill/>
+                </a:ln>
+                <a:solidFill>
+                  <a:sysClr val="window" lastClr="FFFFFF"/>
+                </a:solidFill>
+                <a:effectLst/>
+                <a:uLnTx/>
+                <a:uFillTx/>
+              </a:rPr>
+              <a:t>课件下载：</a:t>
+            </a:r>
+            <a:r>
+              <a:rPr kumimoji="0" lang="en-US" altLang="zh-CN" sz="100" b="0" i="0" u="none" strike="noStrike" kern="0" cap="none" spc="0" normalizeH="0" baseline="0" noProof="0" dirty="0">
+                <a:ln>
+                  <a:noFill/>
+                </a:ln>
+                <a:solidFill>
+                  <a:sysClr val="window" lastClr="FFFFFF"/>
+                </a:solidFill>
+                <a:effectLst/>
+                <a:uLnTx/>
+                <a:uFillTx/>
+              </a:rPr>
+              <a:t>www.1ppt.com/kejian/ </a:t>
+            </a:r>
+          </a:p>
+          <a:p>
+            <a:pPr marL="0" marR="0" lvl="0" indent="0" defTabSz="914400" eaLnBrk="1" fontAlgn="auto" latinLnBrk="0" hangingPunct="1">
+              <a:lnSpc>
+                <a:spcPct val="100000"/>
+              </a:lnSpc>
+              <a:spcBef>
+                <a:spcPts val="0"/>
+              </a:spcBef>
+              <a:spcAft>
+                <a:spcPts val="0"/>
+              </a:spcAft>
+              <a:buClrTx/>
+              <a:buSzTx/>
+              <a:buFontTx/>
+              <a:buNone/>
+              <a:tabLst/>
+              <a:defRPr/>
+            </a:pPr>
+            <a:r>
+              <a:rPr kumimoji="0" lang="zh-CN" altLang="en-US" sz="100" b="0" i="0" u="none" strike="noStrike" kern="0" cap="none" spc="0" normalizeH="0" baseline="0" noProof="0" dirty="0">
+                <a:ln>
+                  <a:noFill/>
+                </a:ln>
+                <a:solidFill>
+                  <a:sysClr val="window" lastClr="FFFFFF"/>
+                </a:solidFill>
+                <a:effectLst/>
+                <a:uLnTx/>
+                <a:uFillTx/>
+              </a:rPr>
+              <a:t>范文下载：</a:t>
+            </a:r>
+            <a:r>
+              <a:rPr kumimoji="0" lang="en-US" altLang="zh-CN" sz="100" b="0" i="0" u="none" strike="noStrike" kern="0" cap="none" spc="0" normalizeH="0" baseline="0" noProof="0" dirty="0">
+                <a:ln>
+                  <a:noFill/>
+                </a:ln>
+                <a:solidFill>
+                  <a:sysClr val="window" lastClr="FFFFFF"/>
+                </a:solidFill>
+                <a:effectLst/>
+                <a:uLnTx/>
+                <a:uFillTx/>
+              </a:rPr>
+              <a:t>www.1ppt.com/fanwen/             </a:t>
+            </a:r>
+            <a:r>
+              <a:rPr kumimoji="0" lang="zh-CN" altLang="en-US" sz="100" b="0" i="0" u="none" strike="noStrike" kern="0" cap="none" spc="0" normalizeH="0" baseline="0" noProof="0" dirty="0">
+                <a:ln>
+                  <a:noFill/>
+                </a:ln>
+                <a:solidFill>
+                  <a:sysClr val="window" lastClr="FFFFFF"/>
+                </a:solidFill>
+                <a:effectLst/>
+                <a:uLnTx/>
+                <a:uFillTx/>
+              </a:rPr>
+              <a:t>试卷下载：</a:t>
+            </a:r>
+            <a:r>
+              <a:rPr kumimoji="0" lang="en-US" altLang="zh-CN" sz="100" b="0" i="0" u="none" strike="noStrike" kern="0" cap="none" spc="0" normalizeH="0" baseline="0" noProof="0" dirty="0">
+                <a:ln>
+                  <a:noFill/>
+                </a:ln>
+                <a:solidFill>
+                  <a:sysClr val="window" lastClr="FFFFFF"/>
+                </a:solidFill>
+                <a:effectLst/>
+                <a:uLnTx/>
+                <a:uFillTx/>
+              </a:rPr>
+              <a:t>www.1ppt.com/shiti/  </a:t>
+            </a:r>
+          </a:p>
+          <a:p>
+            <a:pPr marL="0" marR="0" lvl="0" indent="0" defTabSz="914400" eaLnBrk="1" fontAlgn="auto" latinLnBrk="0" hangingPunct="1">
+              <a:lnSpc>
+                <a:spcPct val="100000"/>
+              </a:lnSpc>
+              <a:spcBef>
+                <a:spcPts val="0"/>
+              </a:spcBef>
+              <a:spcAft>
+                <a:spcPts val="0"/>
+              </a:spcAft>
+              <a:buClrTx/>
+              <a:buSzTx/>
+              <a:buFontTx/>
+              <a:buNone/>
+              <a:tabLst/>
+              <a:defRPr/>
+            </a:pPr>
+            <a:r>
+              <a:rPr kumimoji="0" lang="zh-CN" altLang="en-US" sz="100" b="0" i="0" u="none" strike="noStrike" kern="0" cap="none" spc="0" normalizeH="0" baseline="0" noProof="0" dirty="0">
+                <a:ln>
+                  <a:noFill/>
+                </a:ln>
+                <a:solidFill>
+                  <a:sysClr val="window" lastClr="FFFFFF"/>
+                </a:solidFill>
+                <a:effectLst/>
+                <a:uLnTx/>
+                <a:uFillTx/>
+              </a:rPr>
+              <a:t>教案下载：</a:t>
+            </a:r>
+            <a:r>
+              <a:rPr kumimoji="0" lang="en-US" altLang="zh-CN" sz="100" b="0" i="0" u="none" strike="noStrike" kern="0" cap="none" spc="0" normalizeH="0" baseline="0" noProof="0" dirty="0">
+                <a:ln>
+                  <a:noFill/>
+                </a:ln>
+                <a:solidFill>
+                  <a:sysClr val="window" lastClr="FFFFFF"/>
+                </a:solidFill>
+                <a:effectLst/>
+                <a:uLnTx/>
+                <a:uFillTx/>
+              </a:rPr>
+              <a:t>www.1ppt.com/jiaoan/  </a:t>
+            </a:r>
+            <a:r>
+              <a:rPr kumimoji="0" lang="en-US" altLang="zh-CN" sz="100" b="0" i="0" u="none" strike="noStrike" kern="0" cap="none" spc="0" normalizeH="0" baseline="0" noProof="0" dirty="0" smtClean="0">
+                <a:ln>
+                  <a:noFill/>
+                </a:ln>
+                <a:solidFill>
+                  <a:sysClr val="window" lastClr="FFFFFF"/>
+                </a:solidFill>
+                <a:effectLst/>
+                <a:uLnTx/>
+                <a:uFillTx/>
+              </a:rPr>
+              <a:t>      PPT</a:t>
+            </a:r>
+            <a:r>
+              <a:rPr kumimoji="0" lang="zh-CN" altLang="en-US" sz="100" b="0" i="0" u="none" strike="noStrike" kern="0" cap="none" spc="0" normalizeH="0" baseline="0" noProof="0" dirty="0" smtClean="0">
+                <a:ln>
+                  <a:noFill/>
+                </a:ln>
+                <a:solidFill>
+                  <a:sysClr val="window" lastClr="FFFFFF"/>
+                </a:solidFill>
+                <a:effectLst/>
+                <a:uLnTx/>
+                <a:uFillTx/>
+              </a:rPr>
+              <a:t>论坛：</a:t>
+            </a:r>
+            <a:r>
+              <a:rPr kumimoji="0" lang="en-US" altLang="zh-CN" sz="100" b="0" i="0" u="none" strike="noStrike" kern="0" cap="none" spc="0" normalizeH="0" baseline="0" noProof="0" dirty="0" smtClean="0">
+                <a:ln>
+                  <a:noFill/>
+                </a:ln>
+                <a:solidFill>
+                  <a:sysClr val="window" lastClr="FFFFFF"/>
+                </a:solidFill>
+                <a:effectLst/>
+                <a:uLnTx/>
+                <a:uFillTx/>
+              </a:rPr>
+              <a:t>www.1ppt.cn</a:t>
+            </a:r>
+            <a:endParaRPr kumimoji="0" lang="en-US" altLang="zh-CN" sz="100" b="0" i="0" u="none" strike="noStrike" kern="0" cap="none" spc="0" normalizeH="0" baseline="0" noProof="0" dirty="0">
+              <a:ln>
+                <a:noFill/>
+              </a:ln>
+              <a:solidFill>
+                <a:sysClr val="window" lastClr="FFFFFF"/>
+              </a:solidFill>
+              <a:effectLst/>
+              <a:uLnTx/>
+              <a:uFillTx/>
+            </a:endParaRPr>
+          </a:p>
+          <a:p>
+            <a:pPr marL="0" marR="0" lvl="0" indent="0" defTabSz="914400" eaLnBrk="1" fontAlgn="auto" latinLnBrk="0" hangingPunct="1">
+              <a:lnSpc>
+                <a:spcPct val="100000"/>
+              </a:lnSpc>
+              <a:spcBef>
+                <a:spcPts val="0"/>
+              </a:spcBef>
+              <a:spcAft>
+                <a:spcPts val="0"/>
+              </a:spcAft>
+              <a:buClrTx/>
+              <a:buSzTx/>
+              <a:buFontTx/>
+              <a:buNone/>
+              <a:tabLst/>
+              <a:defRPr/>
+            </a:pPr>
+            <a:r>
+              <a:rPr kumimoji="0" lang="en-US" altLang="zh-CN" sz="100" b="0" i="0" u="none" strike="noStrike" kern="0" cap="none" spc="0" normalizeH="0" baseline="0" noProof="0" dirty="0">
+                <a:ln>
+                  <a:noFill/>
+                </a:ln>
+                <a:solidFill>
+                  <a:sysClr val="window" lastClr="FFFFFF"/>
+                </a:solidFill>
+                <a:effectLst/>
+                <a:uLnTx/>
+                <a:uFillTx/>
+              </a:rPr>
+              <a:t> </a:t>
+            </a:r>
+            <a:endParaRPr kumimoji="0" lang="zh-CN" altLang="en-US" sz="100" b="0" i="0" u="none" strike="noStrike" kern="0" cap="none" spc="0" normalizeH="0" baseline="0" noProof="0" dirty="0">
+              <a:ln>
+                <a:noFill/>
+              </a:ln>
+              <a:solidFill>
+                <a:sysClr val="window" lastClr="FFFFFF"/>
+              </a:solidFill>
+              <a:effectLst/>
+              <a:uLnTx/>
+              <a:uFillTx/>
+            </a:endParaRPr>
+          </a:p>
+        </p:txBody>
+      </p:sp>
+      <p:pic>
+        <p:nvPicPr>
+          <p:cNvPr id="3" name="图片 2"/>
+          <p:cNvPicPr>
+            <a:picLocks noChangeAspect="1"/>
+          </p:cNvPicPr>
+          <p:nvPr/>
+        </p:nvPicPr>
+        <p:blipFill>
+          <a:blip r:embed="rId2"/>
+          <a:stretch>
+            <a:fillRect/>
+          </a:stretch>
+        </p:blipFill>
+        <p:spPr>
+          <a:xfrm>
+            <a:off x="775136" y="359404"/>
+            <a:ext cx="1424251" cy="628052"/>
+          </a:xfrm>
+          <a:prstGeom prst="rect">
+            <a:avLst/>
+          </a:prstGeom>
+        </p:spPr>
+      </p:pic>
+      <p:sp>
+        <p:nvSpPr>
+          <p:cNvPr id="28" name="TextBox 50"/>
+          <p:cNvSpPr txBox="1"/>
+          <p:nvPr/>
+        </p:nvSpPr>
+        <p:spPr>
+          <a:xfrm>
+            <a:off x="4028792" y="1131181"/>
+            <a:ext cx="8057584" cy="4462760"/>
+          </a:xfrm>
+          <a:prstGeom prst="rect">
+            <a:avLst/>
+          </a:prstGeom>
+          <a:noFill/>
+        </p:spPr>
+        <p:txBody>
+          <a:bodyPr wrap="square" rtlCol="0">
+            <a:spAutoFit/>
+          </a:bodyPr>
+          <a:lstStyle/>
+          <a:p>
+            <a:r>
+              <a:rPr lang="en-US" sz="3200" b="1" dirty="0" err="1">
+                <a:solidFill>
+                  <a:srgbClr val="FF0000"/>
+                </a:solidFill>
+                <a:latin typeface="仿宋" panose="02010609060101010101" pitchFamily="49" charset="-122"/>
+                <a:ea typeface="仿宋" panose="02010609060101010101" pitchFamily="49" charset="-122"/>
+                <a:cs typeface="+mn-ea"/>
+                <a:sym typeface="+mn-lt"/>
+              </a:rPr>
+              <a:t>Microservices</a:t>
+            </a:r>
+            <a:r>
+              <a:rPr lang="en-US" sz="3200" b="1" dirty="0">
+                <a:solidFill>
+                  <a:schemeClr val="accent1"/>
+                </a:solidFill>
+                <a:latin typeface="仿宋" panose="02010609060101010101" pitchFamily="49" charset="-122"/>
+                <a:ea typeface="仿宋" panose="02010609060101010101" pitchFamily="49" charset="-122"/>
+                <a:cs typeface="+mn-ea"/>
+                <a:sym typeface="+mn-lt"/>
+              </a:rPr>
+              <a:t> </a:t>
+            </a:r>
+            <a:r>
+              <a:rPr lang="en-US" sz="2800" b="1" dirty="0">
+                <a:solidFill>
+                  <a:srgbClr val="06080A"/>
+                </a:solidFill>
+                <a:latin typeface="仿宋" panose="02010609060101010101" pitchFamily="49" charset="-122"/>
+                <a:ea typeface="仿宋" panose="02010609060101010101" pitchFamily="49" charset="-122"/>
+                <a:cs typeface="+mn-ea"/>
+                <a:sym typeface="+mn-lt"/>
+              </a:rPr>
+              <a:t>- also known as the </a:t>
+            </a:r>
+            <a:r>
+              <a:rPr lang="en-US" sz="2800" b="1" dirty="0" err="1">
+                <a:solidFill>
+                  <a:srgbClr val="06080A"/>
+                </a:solidFill>
+                <a:latin typeface="仿宋" panose="02010609060101010101" pitchFamily="49" charset="-122"/>
+                <a:ea typeface="仿宋" panose="02010609060101010101" pitchFamily="49" charset="-122"/>
+                <a:cs typeface="+mn-ea"/>
+                <a:sym typeface="+mn-lt"/>
+              </a:rPr>
+              <a:t>microservice</a:t>
+            </a:r>
+            <a:r>
+              <a:rPr lang="en-US" sz="2800" b="1" dirty="0">
+                <a:solidFill>
+                  <a:srgbClr val="06080A"/>
+                </a:solidFill>
+                <a:latin typeface="仿宋" panose="02010609060101010101" pitchFamily="49" charset="-122"/>
+                <a:ea typeface="仿宋" panose="02010609060101010101" pitchFamily="49" charset="-122"/>
+                <a:cs typeface="+mn-ea"/>
+                <a:sym typeface="+mn-lt"/>
+              </a:rPr>
+              <a:t> architecture - is an architectural style that structures an application as a collection of loosely coupled services, which implement business capabilities. The </a:t>
+            </a:r>
+            <a:r>
+              <a:rPr lang="en-US" sz="2800" b="1" dirty="0" err="1">
+                <a:solidFill>
+                  <a:srgbClr val="06080A"/>
+                </a:solidFill>
+                <a:latin typeface="仿宋" panose="02010609060101010101" pitchFamily="49" charset="-122"/>
+                <a:ea typeface="仿宋" panose="02010609060101010101" pitchFamily="49" charset="-122"/>
+                <a:cs typeface="+mn-ea"/>
+                <a:sym typeface="+mn-lt"/>
+              </a:rPr>
+              <a:t>microservice</a:t>
+            </a:r>
+            <a:r>
+              <a:rPr lang="en-US" sz="2800" b="1" dirty="0">
+                <a:solidFill>
+                  <a:srgbClr val="06080A"/>
+                </a:solidFill>
+                <a:latin typeface="仿宋" panose="02010609060101010101" pitchFamily="49" charset="-122"/>
+                <a:ea typeface="仿宋" panose="02010609060101010101" pitchFamily="49" charset="-122"/>
+                <a:cs typeface="+mn-ea"/>
+                <a:sym typeface="+mn-lt"/>
+              </a:rPr>
+              <a:t> architecture enables the continuous delivery/deployment of large, complex applications. It also enables an organization to evolve its technology stack.</a:t>
+            </a:r>
+          </a:p>
+        </p:txBody>
+      </p:sp>
+      <p:pic>
+        <p:nvPicPr>
+          <p:cNvPr id="5" name="图片 4"/>
+          <p:cNvPicPr>
+            <a:picLocks noChangeAspect="1"/>
+          </p:cNvPicPr>
+          <p:nvPr/>
+        </p:nvPicPr>
+        <p:blipFill>
+          <a:blip r:embed="rId3"/>
+          <a:stretch>
+            <a:fillRect/>
+          </a:stretch>
+        </p:blipFill>
+        <p:spPr>
+          <a:xfrm>
+            <a:off x="775136" y="1755870"/>
+            <a:ext cx="2812024" cy="3726503"/>
+          </a:xfrm>
+          <a:prstGeom prst="rect">
+            <a:avLst/>
+          </a:prstGeom>
+        </p:spPr>
+      </p:pic>
+    </p:spTree>
+    <p:extLst>
+      <p:ext uri="{BB962C8B-B14F-4D97-AF65-F5344CB8AC3E}">
+        <p14:creationId xmlns:p14="http://schemas.microsoft.com/office/powerpoint/2010/main" val="805547946"/>
+      </p:ext>
+    </p:extLst>
+  </p:cSld>
+  <p:clrMapOvr>
+    <a:masterClrMapping/>
+  </p:clrMapOvr>
+  <p:transition spd="slow">
+    <p:wipe/>
+  </p:transition>
+  <p:timing>
+    <p:tnLst>
+      <p:par>
+        <p:cTn id="1" dur="indefinite" restart="never" nodeType="tmRoot"/>
+      </p:par>
+    </p:tnLst>
+  </p:timing>
+</p:sld>
+</file>
+
+<file path=ppt/slides/slide20.xml><?xml version="1.0" encoding="utf-8"?>
+<p:sld xmlns:a="http://schemas.openxmlformats.org/drawingml/2006/main" xmlns:r="http://schemas.openxmlformats.org/officeDocument/2006/relationships" xmlns:p="http://schemas.openxmlformats.org/presentationml/2006/main">
+  <p:cSld>
+    <p:spTree>
+      <p:nvGrpSpPr>
+        <p:cNvPr id="1" name=""/>
+        <p:cNvGrpSpPr/>
+        <p:nvPr/>
+      </p:nvGrpSpPr>
+      <p:grpSpPr>
+        <a:xfrm>
+          <a:off x="0" y="0"/>
+          <a:ext cx="0" cy="0"/>
+          <a:chOff x="0" y="0"/>
+          <a:chExt cx="0" cy="0"/>
+        </a:xfrm>
+      </p:grpSpPr>
+      <p:sp>
+        <p:nvSpPr>
+          <p:cNvPr id="57" name="TextBox 50"/>
+          <p:cNvSpPr txBox="1"/>
+          <p:nvPr/>
+        </p:nvSpPr>
+        <p:spPr>
+          <a:xfrm>
+            <a:off x="2262761" y="359404"/>
+            <a:ext cx="9425263" cy="523220"/>
+          </a:xfrm>
+          <a:prstGeom prst="rect">
+            <a:avLst/>
+          </a:prstGeom>
+          <a:noFill/>
+        </p:spPr>
+        <p:txBody>
+          <a:bodyPr wrap="square" rtlCol="0">
+            <a:spAutoFit/>
+          </a:bodyPr>
+          <a:lstStyle/>
+          <a:p>
+            <a:r>
+              <a:rPr lang="en-US" sz="2800" b="1" dirty="0" err="1">
+                <a:solidFill>
+                  <a:srgbClr val="7030A0"/>
+                </a:solidFill>
+                <a:latin typeface="仿宋" panose="02010609060101010101" pitchFamily="49" charset="-122"/>
+                <a:ea typeface="仿宋" panose="02010609060101010101" pitchFamily="49" charset="-122"/>
+                <a:cs typeface="+mn-ea"/>
+                <a:sym typeface="+mn-lt"/>
+              </a:rPr>
+              <a:t>Microservice</a:t>
+            </a:r>
+            <a:r>
+              <a:rPr lang="en-US" sz="2800" b="1" dirty="0">
+                <a:solidFill>
+                  <a:srgbClr val="7030A0"/>
+                </a:solidFill>
+                <a:latin typeface="仿宋" panose="02010609060101010101" pitchFamily="49" charset="-122"/>
+                <a:ea typeface="仿宋" panose="02010609060101010101" pitchFamily="49" charset="-122"/>
+                <a:cs typeface="+mn-ea"/>
+                <a:sym typeface="+mn-lt"/>
+              </a:rPr>
+              <a:t> Frameworks</a:t>
+            </a:r>
+          </a:p>
+        </p:txBody>
+      </p:sp>
+      <p:sp>
+        <p:nvSpPr>
+          <p:cNvPr id="63" name="矩形 62"/>
+          <p:cNvSpPr/>
+          <p:nvPr/>
+        </p:nvSpPr>
+        <p:spPr>
+          <a:xfrm>
+            <a:off x="0" y="6624130"/>
+            <a:ext cx="775136" cy="230832"/>
+          </a:xfrm>
+          <a:prstGeom prst="rect">
+            <a:avLst/>
+          </a:prstGeom>
+        </p:spPr>
+        <p:txBody>
+          <a:bodyPr wrap="square">
+            <a:spAutoFit/>
+          </a:bodyPr>
+          <a:lstStyle/>
+          <a:p>
+            <a:pPr marL="0" marR="0" lvl="0" indent="0" defTabSz="914400" eaLnBrk="1" fontAlgn="auto" latinLnBrk="0" hangingPunct="1">
+              <a:lnSpc>
+                <a:spcPct val="100000"/>
+              </a:lnSpc>
+              <a:spcBef>
+                <a:spcPts val="0"/>
+              </a:spcBef>
+              <a:spcAft>
+                <a:spcPts val="0"/>
+              </a:spcAft>
+              <a:buClrTx/>
+              <a:buSzTx/>
+              <a:buFontTx/>
+              <a:buNone/>
+              <a:tabLst/>
+              <a:defRPr/>
+            </a:pPr>
+            <a:r>
+              <a:rPr kumimoji="0" lang="en-US" altLang="zh-CN" sz="100" b="0" i="0" u="none" strike="noStrike" kern="0" cap="none" spc="0" normalizeH="0" baseline="0" noProof="0" dirty="0">
+                <a:ln>
+                  <a:noFill/>
+                </a:ln>
+                <a:solidFill>
+                  <a:sysClr val="window" lastClr="FFFFFF"/>
+                </a:solidFill>
+                <a:effectLst/>
+                <a:uLnTx/>
+                <a:uFillTx/>
+              </a:rPr>
+              <a:t>PPT</a:t>
+            </a:r>
+            <a:r>
+              <a:rPr kumimoji="0" lang="zh-CN" altLang="en-US" sz="100" b="0" i="0" u="none" strike="noStrike" kern="0" cap="none" spc="0" normalizeH="0" baseline="0" noProof="0" dirty="0">
+                <a:ln>
+                  <a:noFill/>
+                </a:ln>
+                <a:solidFill>
+                  <a:sysClr val="window" lastClr="FFFFFF"/>
+                </a:solidFill>
+                <a:effectLst/>
+                <a:uLnTx/>
+                <a:uFillTx/>
+              </a:rPr>
+              <a:t>模板下载：</a:t>
+            </a:r>
+            <a:r>
+              <a:rPr kumimoji="0" lang="en-US" altLang="zh-CN" sz="100" b="0" i="0" u="none" strike="noStrike" kern="0" cap="none" spc="0" normalizeH="0" baseline="0" noProof="0" dirty="0">
+                <a:ln>
+                  <a:noFill/>
+                </a:ln>
+                <a:solidFill>
+                  <a:sysClr val="window" lastClr="FFFFFF"/>
+                </a:solidFill>
+                <a:effectLst/>
+                <a:uLnTx/>
+                <a:uFillTx/>
+              </a:rPr>
+              <a:t>www.1ppt.com/moban/     </a:t>
+            </a:r>
+            <a:r>
+              <a:rPr kumimoji="0" lang="zh-CN" altLang="en-US" sz="100" b="0" i="0" u="none" strike="noStrike" kern="0" cap="none" spc="0" normalizeH="0" baseline="0" noProof="0" dirty="0">
+                <a:ln>
+                  <a:noFill/>
+                </a:ln>
+                <a:solidFill>
+                  <a:sysClr val="window" lastClr="FFFFFF"/>
+                </a:solidFill>
+                <a:effectLst/>
+                <a:uLnTx/>
+                <a:uFillTx/>
+              </a:rPr>
+              <a:t>行业</a:t>
+            </a:r>
+            <a:r>
+              <a:rPr kumimoji="0" lang="en-US" altLang="zh-CN" sz="100" b="0" i="0" u="none" strike="noStrike" kern="0" cap="none" spc="0" normalizeH="0" baseline="0" noProof="0" dirty="0">
+                <a:ln>
+                  <a:noFill/>
+                </a:ln>
+                <a:solidFill>
+                  <a:sysClr val="window" lastClr="FFFFFF"/>
+                </a:solidFill>
+                <a:effectLst/>
+                <a:uLnTx/>
+                <a:uFillTx/>
+              </a:rPr>
+              <a:t>PPT</a:t>
+            </a:r>
+            <a:r>
+              <a:rPr kumimoji="0" lang="zh-CN" altLang="en-US" sz="100" b="0" i="0" u="none" strike="noStrike" kern="0" cap="none" spc="0" normalizeH="0" baseline="0" noProof="0" dirty="0">
+                <a:ln>
+                  <a:noFill/>
+                </a:ln>
+                <a:solidFill>
+                  <a:sysClr val="window" lastClr="FFFFFF"/>
+                </a:solidFill>
+                <a:effectLst/>
+                <a:uLnTx/>
+                <a:uFillTx/>
+              </a:rPr>
+              <a:t>模板：</a:t>
+            </a:r>
+            <a:r>
+              <a:rPr kumimoji="0" lang="en-US" altLang="zh-CN" sz="100" b="0" i="0" u="none" strike="noStrike" kern="0" cap="none" spc="0" normalizeH="0" baseline="0" noProof="0" dirty="0">
+                <a:ln>
+                  <a:noFill/>
+                </a:ln>
+                <a:solidFill>
+                  <a:sysClr val="window" lastClr="FFFFFF"/>
+                </a:solidFill>
+                <a:effectLst/>
+                <a:uLnTx/>
+                <a:uFillTx/>
+              </a:rPr>
+              <a:t>www.1ppt.com/hangye/ </a:t>
+            </a:r>
+          </a:p>
+          <a:p>
+            <a:pPr marL="0" marR="0" lvl="0" indent="0" defTabSz="914400" eaLnBrk="1" fontAlgn="auto" latinLnBrk="0" hangingPunct="1">
+              <a:lnSpc>
+                <a:spcPct val="100000"/>
+              </a:lnSpc>
+              <a:spcBef>
+                <a:spcPts val="0"/>
+              </a:spcBef>
+              <a:spcAft>
+                <a:spcPts val="0"/>
+              </a:spcAft>
+              <a:buClrTx/>
+              <a:buSzTx/>
+              <a:buFontTx/>
+              <a:buNone/>
+              <a:tabLst/>
+              <a:defRPr/>
+            </a:pPr>
+            <a:r>
+              <a:rPr kumimoji="0" lang="zh-CN" altLang="en-US" sz="100" b="0" i="0" u="none" strike="noStrike" kern="0" cap="none" spc="0" normalizeH="0" baseline="0" noProof="0" dirty="0">
+                <a:ln>
+                  <a:noFill/>
+                </a:ln>
+                <a:solidFill>
+                  <a:sysClr val="window" lastClr="FFFFFF"/>
+                </a:solidFill>
+                <a:effectLst/>
+                <a:uLnTx/>
+                <a:uFillTx/>
+              </a:rPr>
+              <a:t>节日</a:t>
+            </a:r>
+            <a:r>
+              <a:rPr kumimoji="0" lang="en-US" altLang="zh-CN" sz="100" b="0" i="0" u="none" strike="noStrike" kern="0" cap="none" spc="0" normalizeH="0" baseline="0" noProof="0" dirty="0">
+                <a:ln>
+                  <a:noFill/>
+                </a:ln>
+                <a:solidFill>
+                  <a:sysClr val="window" lastClr="FFFFFF"/>
+                </a:solidFill>
+                <a:effectLst/>
+                <a:uLnTx/>
+                <a:uFillTx/>
+              </a:rPr>
+              <a:t>PPT</a:t>
+            </a:r>
+            <a:r>
+              <a:rPr kumimoji="0" lang="zh-CN" altLang="en-US" sz="100" b="0" i="0" u="none" strike="noStrike" kern="0" cap="none" spc="0" normalizeH="0" baseline="0" noProof="0" dirty="0">
+                <a:ln>
+                  <a:noFill/>
+                </a:ln>
+                <a:solidFill>
+                  <a:sysClr val="window" lastClr="FFFFFF"/>
+                </a:solidFill>
+                <a:effectLst/>
+                <a:uLnTx/>
+                <a:uFillTx/>
+              </a:rPr>
+              <a:t>模板：</a:t>
+            </a:r>
+            <a:r>
+              <a:rPr kumimoji="0" lang="en-US" altLang="zh-CN" sz="100" b="0" i="0" u="none" strike="noStrike" kern="0" cap="none" spc="0" normalizeH="0" baseline="0" noProof="0" dirty="0">
+                <a:ln>
+                  <a:noFill/>
+                </a:ln>
+                <a:solidFill>
+                  <a:sysClr val="window" lastClr="FFFFFF"/>
+                </a:solidFill>
+                <a:effectLst/>
+                <a:uLnTx/>
+                <a:uFillTx/>
+              </a:rPr>
+              <a:t>www.1ppt.com/jieri/           PPT</a:t>
+            </a:r>
+            <a:r>
+              <a:rPr kumimoji="0" lang="zh-CN" altLang="en-US" sz="100" b="0" i="0" u="none" strike="noStrike" kern="0" cap="none" spc="0" normalizeH="0" baseline="0" noProof="0" dirty="0">
+                <a:ln>
+                  <a:noFill/>
+                </a:ln>
+                <a:solidFill>
+                  <a:sysClr val="window" lastClr="FFFFFF"/>
+                </a:solidFill>
+                <a:effectLst/>
+                <a:uLnTx/>
+                <a:uFillTx/>
+              </a:rPr>
+              <a:t>素材下载：</a:t>
+            </a:r>
+            <a:r>
+              <a:rPr kumimoji="0" lang="en-US" altLang="zh-CN" sz="100" b="0" i="0" u="none" strike="noStrike" kern="0" cap="none" spc="0" normalizeH="0" baseline="0" noProof="0" dirty="0">
+                <a:ln>
+                  <a:noFill/>
+                </a:ln>
+                <a:solidFill>
+                  <a:sysClr val="window" lastClr="FFFFFF"/>
+                </a:solidFill>
+                <a:effectLst/>
+                <a:uLnTx/>
+                <a:uFillTx/>
+              </a:rPr>
+              <a:t>www.1ppt.com/sucai/</a:t>
+            </a:r>
+          </a:p>
+          <a:p>
+            <a:pPr marL="0" marR="0" lvl="0" indent="0" defTabSz="914400" eaLnBrk="1" fontAlgn="auto" latinLnBrk="0" hangingPunct="1">
+              <a:lnSpc>
+                <a:spcPct val="100000"/>
+              </a:lnSpc>
+              <a:spcBef>
+                <a:spcPts val="0"/>
+              </a:spcBef>
+              <a:spcAft>
+                <a:spcPts val="0"/>
+              </a:spcAft>
+              <a:buClrTx/>
+              <a:buSzTx/>
+              <a:buFontTx/>
+              <a:buNone/>
+              <a:tabLst/>
+              <a:defRPr/>
+            </a:pPr>
+            <a:r>
+              <a:rPr kumimoji="0" lang="en-US" altLang="zh-CN" sz="100" b="0" i="0" u="none" strike="noStrike" kern="0" cap="none" spc="0" normalizeH="0" baseline="0" noProof="0" dirty="0">
+                <a:ln>
+                  <a:noFill/>
+                </a:ln>
+                <a:solidFill>
+                  <a:sysClr val="window" lastClr="FFFFFF"/>
+                </a:solidFill>
+                <a:effectLst/>
+                <a:uLnTx/>
+                <a:uFillTx/>
+              </a:rPr>
+              <a:t>PPT</a:t>
+            </a:r>
+            <a:r>
+              <a:rPr kumimoji="0" lang="zh-CN" altLang="en-US" sz="100" b="0" i="0" u="none" strike="noStrike" kern="0" cap="none" spc="0" normalizeH="0" baseline="0" noProof="0" dirty="0">
+                <a:ln>
+                  <a:noFill/>
+                </a:ln>
+                <a:solidFill>
+                  <a:sysClr val="window" lastClr="FFFFFF"/>
+                </a:solidFill>
+                <a:effectLst/>
+                <a:uLnTx/>
+                <a:uFillTx/>
+              </a:rPr>
+              <a:t>背景图片：</a:t>
+            </a:r>
+            <a:r>
+              <a:rPr kumimoji="0" lang="en-US" altLang="zh-CN" sz="100" b="0" i="0" u="none" strike="noStrike" kern="0" cap="none" spc="0" normalizeH="0" baseline="0" noProof="0" dirty="0">
+                <a:ln>
+                  <a:noFill/>
+                </a:ln>
+                <a:solidFill>
+                  <a:sysClr val="window" lastClr="FFFFFF"/>
+                </a:solidFill>
+                <a:effectLst/>
+                <a:uLnTx/>
+                <a:uFillTx/>
+              </a:rPr>
+              <a:t>www.1ppt.com/beijing/      PPT</a:t>
+            </a:r>
+            <a:r>
+              <a:rPr kumimoji="0" lang="zh-CN" altLang="en-US" sz="100" b="0" i="0" u="none" strike="noStrike" kern="0" cap="none" spc="0" normalizeH="0" baseline="0" noProof="0" dirty="0">
+                <a:ln>
+                  <a:noFill/>
+                </a:ln>
+                <a:solidFill>
+                  <a:sysClr val="window" lastClr="FFFFFF"/>
+                </a:solidFill>
+                <a:effectLst/>
+                <a:uLnTx/>
+                <a:uFillTx/>
+              </a:rPr>
+              <a:t>图表下载：</a:t>
+            </a:r>
+            <a:r>
+              <a:rPr kumimoji="0" lang="en-US" altLang="zh-CN" sz="100" b="0" i="0" u="none" strike="noStrike" kern="0" cap="none" spc="0" normalizeH="0" baseline="0" noProof="0" dirty="0">
+                <a:ln>
+                  <a:noFill/>
+                </a:ln>
+                <a:solidFill>
+                  <a:sysClr val="window" lastClr="FFFFFF"/>
+                </a:solidFill>
+                <a:effectLst/>
+                <a:uLnTx/>
+                <a:uFillTx/>
+              </a:rPr>
+              <a:t>www.1ppt.com/tubiao/      </a:t>
+            </a:r>
+          </a:p>
+          <a:p>
+            <a:pPr marL="0" marR="0" lvl="0" indent="0" defTabSz="914400" eaLnBrk="1" fontAlgn="auto" latinLnBrk="0" hangingPunct="1">
+              <a:lnSpc>
+                <a:spcPct val="100000"/>
+              </a:lnSpc>
+              <a:spcBef>
+                <a:spcPts val="0"/>
+              </a:spcBef>
+              <a:spcAft>
+                <a:spcPts val="0"/>
+              </a:spcAft>
+              <a:buClrTx/>
+              <a:buSzTx/>
+              <a:buFontTx/>
+              <a:buNone/>
+              <a:tabLst/>
+              <a:defRPr/>
+            </a:pPr>
+            <a:r>
+              <a:rPr kumimoji="0" lang="zh-CN" altLang="en-US" sz="100" b="0" i="0" u="none" strike="noStrike" kern="0" cap="none" spc="0" normalizeH="0" baseline="0" noProof="0" dirty="0">
+                <a:ln>
+                  <a:noFill/>
+                </a:ln>
+                <a:solidFill>
+                  <a:sysClr val="window" lastClr="FFFFFF"/>
+                </a:solidFill>
+                <a:effectLst/>
+                <a:uLnTx/>
+                <a:uFillTx/>
+              </a:rPr>
+              <a:t>优秀</a:t>
+            </a:r>
+            <a:r>
+              <a:rPr kumimoji="0" lang="en-US" altLang="zh-CN" sz="100" b="0" i="0" u="none" strike="noStrike" kern="0" cap="none" spc="0" normalizeH="0" baseline="0" noProof="0" dirty="0">
+                <a:ln>
+                  <a:noFill/>
+                </a:ln>
+                <a:solidFill>
+                  <a:sysClr val="window" lastClr="FFFFFF"/>
+                </a:solidFill>
+                <a:effectLst/>
+                <a:uLnTx/>
+                <a:uFillTx/>
+              </a:rPr>
+              <a:t>PPT</a:t>
+            </a:r>
+            <a:r>
+              <a:rPr kumimoji="0" lang="zh-CN" altLang="en-US" sz="100" b="0" i="0" u="none" strike="noStrike" kern="0" cap="none" spc="0" normalizeH="0" baseline="0" noProof="0" dirty="0">
+                <a:ln>
+                  <a:noFill/>
+                </a:ln>
+                <a:solidFill>
+                  <a:sysClr val="window" lastClr="FFFFFF"/>
+                </a:solidFill>
+                <a:effectLst/>
+                <a:uLnTx/>
+                <a:uFillTx/>
+              </a:rPr>
+              <a:t>下载：</a:t>
+            </a:r>
+            <a:r>
+              <a:rPr kumimoji="0" lang="en-US" altLang="zh-CN" sz="100" b="0" i="0" u="none" strike="noStrike" kern="0" cap="none" spc="0" normalizeH="0" baseline="0" noProof="0" dirty="0">
+                <a:ln>
+                  <a:noFill/>
+                </a:ln>
+                <a:solidFill>
+                  <a:sysClr val="window" lastClr="FFFFFF"/>
+                </a:solidFill>
+                <a:effectLst/>
+                <a:uLnTx/>
+                <a:uFillTx/>
+              </a:rPr>
+              <a:t>www.1ppt.com/xiazai/        PPT</a:t>
+            </a:r>
+            <a:r>
+              <a:rPr kumimoji="0" lang="zh-CN" altLang="en-US" sz="100" b="0" i="0" u="none" strike="noStrike" kern="0" cap="none" spc="0" normalizeH="0" baseline="0" noProof="0" dirty="0">
+                <a:ln>
+                  <a:noFill/>
+                </a:ln>
+                <a:solidFill>
+                  <a:sysClr val="window" lastClr="FFFFFF"/>
+                </a:solidFill>
+                <a:effectLst/>
+                <a:uLnTx/>
+                <a:uFillTx/>
+              </a:rPr>
+              <a:t>教程： </a:t>
+            </a:r>
+            <a:r>
+              <a:rPr kumimoji="0" lang="en-US" altLang="zh-CN" sz="100" b="0" i="0" u="none" strike="noStrike" kern="0" cap="none" spc="0" normalizeH="0" baseline="0" noProof="0" dirty="0">
+                <a:ln>
+                  <a:noFill/>
+                </a:ln>
+                <a:solidFill>
+                  <a:sysClr val="window" lastClr="FFFFFF"/>
+                </a:solidFill>
+                <a:effectLst/>
+                <a:uLnTx/>
+                <a:uFillTx/>
+              </a:rPr>
+              <a:t>www.1ppt.com/powerpoint/      </a:t>
+            </a:r>
+          </a:p>
+          <a:p>
+            <a:pPr marL="0" marR="0" lvl="0" indent="0" defTabSz="914400" eaLnBrk="1" fontAlgn="auto" latinLnBrk="0" hangingPunct="1">
+              <a:lnSpc>
+                <a:spcPct val="100000"/>
+              </a:lnSpc>
+              <a:spcBef>
+                <a:spcPts val="0"/>
+              </a:spcBef>
+              <a:spcAft>
+                <a:spcPts val="0"/>
+              </a:spcAft>
+              <a:buClrTx/>
+              <a:buSzTx/>
+              <a:buFontTx/>
+              <a:buNone/>
+              <a:tabLst/>
+              <a:defRPr/>
+            </a:pPr>
+            <a:r>
+              <a:rPr kumimoji="0" lang="en-US" altLang="zh-CN" sz="100" b="0" i="0" u="none" strike="noStrike" kern="0" cap="none" spc="0" normalizeH="0" baseline="0" noProof="0" dirty="0">
+                <a:ln>
+                  <a:noFill/>
+                </a:ln>
+                <a:solidFill>
+                  <a:sysClr val="window" lastClr="FFFFFF"/>
+                </a:solidFill>
+                <a:effectLst/>
+                <a:uLnTx/>
+                <a:uFillTx/>
+              </a:rPr>
+              <a:t>Word</a:t>
+            </a:r>
+            <a:r>
+              <a:rPr kumimoji="0" lang="zh-CN" altLang="en-US" sz="100" b="0" i="0" u="none" strike="noStrike" kern="0" cap="none" spc="0" normalizeH="0" baseline="0" noProof="0" dirty="0">
+                <a:ln>
+                  <a:noFill/>
+                </a:ln>
+                <a:solidFill>
+                  <a:sysClr val="window" lastClr="FFFFFF"/>
+                </a:solidFill>
+                <a:effectLst/>
+                <a:uLnTx/>
+                <a:uFillTx/>
+              </a:rPr>
+              <a:t>教程： </a:t>
+            </a:r>
+            <a:r>
+              <a:rPr kumimoji="0" lang="en-US" altLang="zh-CN" sz="100" b="0" i="0" u="none" strike="noStrike" kern="0" cap="none" spc="0" normalizeH="0" baseline="0" noProof="0" dirty="0">
+                <a:ln>
+                  <a:noFill/>
+                </a:ln>
+                <a:solidFill>
+                  <a:sysClr val="window" lastClr="FFFFFF"/>
+                </a:solidFill>
+                <a:effectLst/>
+                <a:uLnTx/>
+                <a:uFillTx/>
+              </a:rPr>
+              <a:t>www.1ppt.com/word/              Excel</a:t>
+            </a:r>
+            <a:r>
+              <a:rPr kumimoji="0" lang="zh-CN" altLang="en-US" sz="100" b="0" i="0" u="none" strike="noStrike" kern="0" cap="none" spc="0" normalizeH="0" baseline="0" noProof="0" dirty="0">
+                <a:ln>
+                  <a:noFill/>
+                </a:ln>
+                <a:solidFill>
+                  <a:sysClr val="window" lastClr="FFFFFF"/>
+                </a:solidFill>
+                <a:effectLst/>
+                <a:uLnTx/>
+                <a:uFillTx/>
+              </a:rPr>
+              <a:t>教程：</a:t>
+            </a:r>
+            <a:r>
+              <a:rPr kumimoji="0" lang="en-US" altLang="zh-CN" sz="100" b="0" i="0" u="none" strike="noStrike" kern="0" cap="none" spc="0" normalizeH="0" baseline="0" noProof="0" dirty="0">
+                <a:ln>
+                  <a:noFill/>
+                </a:ln>
+                <a:solidFill>
+                  <a:sysClr val="window" lastClr="FFFFFF"/>
+                </a:solidFill>
+                <a:effectLst/>
+                <a:uLnTx/>
+                <a:uFillTx/>
+              </a:rPr>
+              <a:t>www.1ppt.com/excel/  </a:t>
+            </a:r>
+          </a:p>
+          <a:p>
+            <a:pPr marL="0" marR="0" lvl="0" indent="0" defTabSz="914400" eaLnBrk="1" fontAlgn="auto" latinLnBrk="0" hangingPunct="1">
+              <a:lnSpc>
+                <a:spcPct val="100000"/>
+              </a:lnSpc>
+              <a:spcBef>
+                <a:spcPts val="0"/>
+              </a:spcBef>
+              <a:spcAft>
+                <a:spcPts val="0"/>
+              </a:spcAft>
+              <a:buClrTx/>
+              <a:buSzTx/>
+              <a:buFontTx/>
+              <a:buNone/>
+              <a:tabLst/>
+              <a:defRPr/>
+            </a:pPr>
+            <a:r>
+              <a:rPr kumimoji="0" lang="zh-CN" altLang="en-US" sz="100" b="0" i="0" u="none" strike="noStrike" kern="0" cap="none" spc="0" normalizeH="0" baseline="0" noProof="0" dirty="0">
+                <a:ln>
+                  <a:noFill/>
+                </a:ln>
+                <a:solidFill>
+                  <a:sysClr val="window" lastClr="FFFFFF"/>
+                </a:solidFill>
+                <a:effectLst/>
+                <a:uLnTx/>
+                <a:uFillTx/>
+              </a:rPr>
+              <a:t>资料下载：</a:t>
+            </a:r>
+            <a:r>
+              <a:rPr kumimoji="0" lang="en-US" altLang="zh-CN" sz="100" b="0" i="0" u="none" strike="noStrike" kern="0" cap="none" spc="0" normalizeH="0" baseline="0" noProof="0" dirty="0">
+                <a:ln>
+                  <a:noFill/>
+                </a:ln>
+                <a:solidFill>
+                  <a:sysClr val="window" lastClr="FFFFFF"/>
+                </a:solidFill>
+                <a:effectLst/>
+                <a:uLnTx/>
+                <a:uFillTx/>
+              </a:rPr>
+              <a:t>www.1ppt.com/ziliao/                PPT</a:t>
+            </a:r>
+            <a:r>
+              <a:rPr kumimoji="0" lang="zh-CN" altLang="en-US" sz="100" b="0" i="0" u="none" strike="noStrike" kern="0" cap="none" spc="0" normalizeH="0" baseline="0" noProof="0" dirty="0">
+                <a:ln>
+                  <a:noFill/>
+                </a:ln>
+                <a:solidFill>
+                  <a:sysClr val="window" lastClr="FFFFFF"/>
+                </a:solidFill>
+                <a:effectLst/>
+                <a:uLnTx/>
+                <a:uFillTx/>
+              </a:rPr>
+              <a:t>课件下载：</a:t>
+            </a:r>
+            <a:r>
+              <a:rPr kumimoji="0" lang="en-US" altLang="zh-CN" sz="100" b="0" i="0" u="none" strike="noStrike" kern="0" cap="none" spc="0" normalizeH="0" baseline="0" noProof="0" dirty="0">
+                <a:ln>
+                  <a:noFill/>
+                </a:ln>
+                <a:solidFill>
+                  <a:sysClr val="window" lastClr="FFFFFF"/>
+                </a:solidFill>
+                <a:effectLst/>
+                <a:uLnTx/>
+                <a:uFillTx/>
+              </a:rPr>
+              <a:t>www.1ppt.com/kejian/ </a:t>
+            </a:r>
+          </a:p>
+          <a:p>
+            <a:pPr marL="0" marR="0" lvl="0" indent="0" defTabSz="914400" eaLnBrk="1" fontAlgn="auto" latinLnBrk="0" hangingPunct="1">
+              <a:lnSpc>
+                <a:spcPct val="100000"/>
+              </a:lnSpc>
+              <a:spcBef>
+                <a:spcPts val="0"/>
+              </a:spcBef>
+              <a:spcAft>
+                <a:spcPts val="0"/>
+              </a:spcAft>
+              <a:buClrTx/>
+              <a:buSzTx/>
+              <a:buFontTx/>
+              <a:buNone/>
+              <a:tabLst/>
+              <a:defRPr/>
+            </a:pPr>
+            <a:r>
+              <a:rPr kumimoji="0" lang="zh-CN" altLang="en-US" sz="100" b="0" i="0" u="none" strike="noStrike" kern="0" cap="none" spc="0" normalizeH="0" baseline="0" noProof="0" dirty="0">
+                <a:ln>
+                  <a:noFill/>
+                </a:ln>
+                <a:solidFill>
+                  <a:sysClr val="window" lastClr="FFFFFF"/>
+                </a:solidFill>
+                <a:effectLst/>
+                <a:uLnTx/>
+                <a:uFillTx/>
+              </a:rPr>
+              <a:t>范文下载：</a:t>
+            </a:r>
+            <a:r>
+              <a:rPr kumimoji="0" lang="en-US" altLang="zh-CN" sz="100" b="0" i="0" u="none" strike="noStrike" kern="0" cap="none" spc="0" normalizeH="0" baseline="0" noProof="0" dirty="0">
+                <a:ln>
+                  <a:noFill/>
+                </a:ln>
+                <a:solidFill>
+                  <a:sysClr val="window" lastClr="FFFFFF"/>
+                </a:solidFill>
+                <a:effectLst/>
+                <a:uLnTx/>
+                <a:uFillTx/>
+              </a:rPr>
+              <a:t>www.1ppt.com/fanwen/             </a:t>
+            </a:r>
+            <a:r>
+              <a:rPr kumimoji="0" lang="zh-CN" altLang="en-US" sz="100" b="0" i="0" u="none" strike="noStrike" kern="0" cap="none" spc="0" normalizeH="0" baseline="0" noProof="0" dirty="0">
+                <a:ln>
+                  <a:noFill/>
+                </a:ln>
+                <a:solidFill>
+                  <a:sysClr val="window" lastClr="FFFFFF"/>
+                </a:solidFill>
+                <a:effectLst/>
+                <a:uLnTx/>
+                <a:uFillTx/>
+              </a:rPr>
+              <a:t>试卷下载：</a:t>
+            </a:r>
+            <a:r>
+              <a:rPr kumimoji="0" lang="en-US" altLang="zh-CN" sz="100" b="0" i="0" u="none" strike="noStrike" kern="0" cap="none" spc="0" normalizeH="0" baseline="0" noProof="0" dirty="0">
+                <a:ln>
+                  <a:noFill/>
+                </a:ln>
+                <a:solidFill>
+                  <a:sysClr val="window" lastClr="FFFFFF"/>
+                </a:solidFill>
+                <a:effectLst/>
+                <a:uLnTx/>
+                <a:uFillTx/>
+              </a:rPr>
+              <a:t>www.1ppt.com/shiti/  </a:t>
+            </a:r>
+          </a:p>
+          <a:p>
+            <a:pPr marL="0" marR="0" lvl="0" indent="0" defTabSz="914400" eaLnBrk="1" fontAlgn="auto" latinLnBrk="0" hangingPunct="1">
+              <a:lnSpc>
+                <a:spcPct val="100000"/>
+              </a:lnSpc>
+              <a:spcBef>
+                <a:spcPts val="0"/>
+              </a:spcBef>
+              <a:spcAft>
+                <a:spcPts val="0"/>
+              </a:spcAft>
+              <a:buClrTx/>
+              <a:buSzTx/>
+              <a:buFontTx/>
+              <a:buNone/>
+              <a:tabLst/>
+              <a:defRPr/>
+            </a:pPr>
+            <a:r>
+              <a:rPr kumimoji="0" lang="zh-CN" altLang="en-US" sz="100" b="0" i="0" u="none" strike="noStrike" kern="0" cap="none" spc="0" normalizeH="0" baseline="0" noProof="0" dirty="0">
+                <a:ln>
+                  <a:noFill/>
+                </a:ln>
+                <a:solidFill>
+                  <a:sysClr val="window" lastClr="FFFFFF"/>
+                </a:solidFill>
+                <a:effectLst/>
+                <a:uLnTx/>
+                <a:uFillTx/>
+              </a:rPr>
+              <a:t>教案下载：</a:t>
+            </a:r>
+            <a:r>
+              <a:rPr kumimoji="0" lang="en-US" altLang="zh-CN" sz="100" b="0" i="0" u="none" strike="noStrike" kern="0" cap="none" spc="0" normalizeH="0" baseline="0" noProof="0" dirty="0">
+                <a:ln>
+                  <a:noFill/>
+                </a:ln>
+                <a:solidFill>
+                  <a:sysClr val="window" lastClr="FFFFFF"/>
+                </a:solidFill>
+                <a:effectLst/>
+                <a:uLnTx/>
+                <a:uFillTx/>
+              </a:rPr>
+              <a:t>www.1ppt.com/jiaoan/  </a:t>
+            </a:r>
+            <a:r>
+              <a:rPr kumimoji="0" lang="en-US" altLang="zh-CN" sz="100" b="0" i="0" u="none" strike="noStrike" kern="0" cap="none" spc="0" normalizeH="0" baseline="0" noProof="0" dirty="0" smtClean="0">
+                <a:ln>
+                  <a:noFill/>
+                </a:ln>
+                <a:solidFill>
+                  <a:sysClr val="window" lastClr="FFFFFF"/>
+                </a:solidFill>
+                <a:effectLst/>
+                <a:uLnTx/>
+                <a:uFillTx/>
+              </a:rPr>
+              <a:t>      PPT</a:t>
+            </a:r>
+            <a:r>
+              <a:rPr kumimoji="0" lang="zh-CN" altLang="en-US" sz="100" b="0" i="0" u="none" strike="noStrike" kern="0" cap="none" spc="0" normalizeH="0" baseline="0" noProof="0" dirty="0" smtClean="0">
+                <a:ln>
+                  <a:noFill/>
+                </a:ln>
+                <a:solidFill>
+                  <a:sysClr val="window" lastClr="FFFFFF"/>
+                </a:solidFill>
+                <a:effectLst/>
+                <a:uLnTx/>
+                <a:uFillTx/>
+              </a:rPr>
+              <a:t>论坛：</a:t>
+            </a:r>
+            <a:r>
+              <a:rPr kumimoji="0" lang="en-US" altLang="zh-CN" sz="100" b="0" i="0" u="none" strike="noStrike" kern="0" cap="none" spc="0" normalizeH="0" baseline="0" noProof="0" dirty="0" smtClean="0">
+                <a:ln>
+                  <a:noFill/>
+                </a:ln>
+                <a:solidFill>
+                  <a:sysClr val="window" lastClr="FFFFFF"/>
+                </a:solidFill>
+                <a:effectLst/>
+                <a:uLnTx/>
+                <a:uFillTx/>
+              </a:rPr>
+              <a:t>www.1ppt.cn</a:t>
+            </a:r>
+            <a:endParaRPr kumimoji="0" lang="en-US" altLang="zh-CN" sz="100" b="0" i="0" u="none" strike="noStrike" kern="0" cap="none" spc="0" normalizeH="0" baseline="0" noProof="0" dirty="0">
+              <a:ln>
+                <a:noFill/>
+              </a:ln>
+              <a:solidFill>
+                <a:sysClr val="window" lastClr="FFFFFF"/>
+              </a:solidFill>
+              <a:effectLst/>
+              <a:uLnTx/>
+              <a:uFillTx/>
+            </a:endParaRPr>
+          </a:p>
+          <a:p>
+            <a:pPr marL="0" marR="0" lvl="0" indent="0" defTabSz="914400" eaLnBrk="1" fontAlgn="auto" latinLnBrk="0" hangingPunct="1">
+              <a:lnSpc>
+                <a:spcPct val="100000"/>
+              </a:lnSpc>
+              <a:spcBef>
+                <a:spcPts val="0"/>
+              </a:spcBef>
+              <a:spcAft>
+                <a:spcPts val="0"/>
+              </a:spcAft>
+              <a:buClrTx/>
+              <a:buSzTx/>
+              <a:buFontTx/>
+              <a:buNone/>
+              <a:tabLst/>
+              <a:defRPr/>
+            </a:pPr>
+            <a:r>
+              <a:rPr kumimoji="0" lang="en-US" altLang="zh-CN" sz="100" b="0" i="0" u="none" strike="noStrike" kern="0" cap="none" spc="0" normalizeH="0" baseline="0" noProof="0" dirty="0">
+                <a:ln>
+                  <a:noFill/>
+                </a:ln>
+                <a:solidFill>
+                  <a:sysClr val="window" lastClr="FFFFFF"/>
+                </a:solidFill>
+                <a:effectLst/>
+                <a:uLnTx/>
+                <a:uFillTx/>
+              </a:rPr>
+              <a:t> </a:t>
+            </a:r>
+            <a:endParaRPr kumimoji="0" lang="zh-CN" altLang="en-US" sz="100" b="0" i="0" u="none" strike="noStrike" kern="0" cap="none" spc="0" normalizeH="0" baseline="0" noProof="0" dirty="0">
+              <a:ln>
+                <a:noFill/>
+              </a:ln>
+              <a:solidFill>
+                <a:sysClr val="window" lastClr="FFFFFF"/>
+              </a:solidFill>
+              <a:effectLst/>
+              <a:uLnTx/>
+              <a:uFillTx/>
+            </a:endParaRPr>
+          </a:p>
+        </p:txBody>
+      </p:sp>
+      <p:pic>
+        <p:nvPicPr>
+          <p:cNvPr id="3" name="图片 2"/>
+          <p:cNvPicPr>
+            <a:picLocks noChangeAspect="1"/>
+          </p:cNvPicPr>
+          <p:nvPr/>
+        </p:nvPicPr>
+        <p:blipFill>
+          <a:blip r:embed="rId2"/>
+          <a:stretch>
+            <a:fillRect/>
+          </a:stretch>
+        </p:blipFill>
+        <p:spPr>
+          <a:xfrm>
+            <a:off x="775136" y="359404"/>
+            <a:ext cx="1424251" cy="628052"/>
+          </a:xfrm>
+          <a:prstGeom prst="rect">
+            <a:avLst/>
+          </a:prstGeom>
+        </p:spPr>
+      </p:pic>
+      <p:pic>
+        <p:nvPicPr>
+          <p:cNvPr id="4" name="图片 3"/>
+          <p:cNvPicPr>
+            <a:picLocks noChangeAspect="1"/>
+          </p:cNvPicPr>
+          <p:nvPr/>
+        </p:nvPicPr>
+        <p:blipFill>
+          <a:blip r:embed="rId3"/>
+          <a:stretch>
+            <a:fillRect/>
+          </a:stretch>
+        </p:blipFill>
+        <p:spPr>
+          <a:xfrm>
+            <a:off x="1882515" y="1209372"/>
+            <a:ext cx="6654902" cy="4524282"/>
+          </a:xfrm>
+          <a:prstGeom prst="rect">
+            <a:avLst/>
+          </a:prstGeom>
+        </p:spPr>
+      </p:pic>
+    </p:spTree>
+    <p:extLst>
+      <p:ext uri="{BB962C8B-B14F-4D97-AF65-F5344CB8AC3E}">
+        <p14:creationId xmlns:p14="http://schemas.microsoft.com/office/powerpoint/2010/main" val="2408166442"/>
+      </p:ext>
+    </p:extLst>
+  </p:cSld>
+  <p:clrMapOvr>
+    <a:masterClrMapping/>
+  </p:clrMapOvr>
+  <p:transition spd="slow">
+    <p:wipe/>
+  </p:transition>
+  <p:timing>
+    <p:tnLst>
+      <p:par>
+        <p:cTn id="1" dur="indefinite" restart="never" nodeType="tmRoot"/>
+      </p:par>
+    </p:tnLst>
+  </p:timing>
+</p:sld>
+</file>
+
+<file path=ppt/slides/slide21.xml><?xml version="1.0" encoding="utf-8"?>
+<p:sld xmlns:a="http://schemas.openxmlformats.org/drawingml/2006/main" xmlns:r="http://schemas.openxmlformats.org/officeDocument/2006/relationships" xmlns:p="http://schemas.openxmlformats.org/presentationml/2006/main">
+  <p:cSld>
+    <p:spTree>
+      <p:nvGrpSpPr>
+        <p:cNvPr id="1" name=""/>
+        <p:cNvGrpSpPr/>
+        <p:nvPr/>
+      </p:nvGrpSpPr>
+      <p:grpSpPr>
+        <a:xfrm>
+          <a:off x="0" y="0"/>
+          <a:ext cx="0" cy="0"/>
+          <a:chOff x="0" y="0"/>
+          <a:chExt cx="0" cy="0"/>
+        </a:xfrm>
+      </p:grpSpPr>
+      <p:sp>
+        <p:nvSpPr>
+          <p:cNvPr id="57" name="TextBox 50"/>
+          <p:cNvSpPr txBox="1"/>
+          <p:nvPr/>
+        </p:nvSpPr>
+        <p:spPr>
+          <a:xfrm>
+            <a:off x="2262761" y="359404"/>
+            <a:ext cx="9425263" cy="523220"/>
+          </a:xfrm>
+          <a:prstGeom prst="rect">
+            <a:avLst/>
+          </a:prstGeom>
+          <a:noFill/>
+        </p:spPr>
+        <p:txBody>
+          <a:bodyPr wrap="square" rtlCol="0">
+            <a:spAutoFit/>
+          </a:bodyPr>
+          <a:lstStyle/>
+          <a:p>
+            <a:r>
+              <a:rPr lang="en-US" sz="2800" b="1" dirty="0" err="1">
+                <a:solidFill>
+                  <a:srgbClr val="7030A0"/>
+                </a:solidFill>
+                <a:latin typeface="仿宋" panose="02010609060101010101" pitchFamily="49" charset="-122"/>
+                <a:ea typeface="仿宋" panose="02010609060101010101" pitchFamily="49" charset="-122"/>
+                <a:cs typeface="+mn-ea"/>
+                <a:sym typeface="+mn-lt"/>
+              </a:rPr>
+              <a:t>Microservice</a:t>
+            </a:r>
+            <a:r>
+              <a:rPr lang="en-US" sz="2800" b="1" dirty="0">
+                <a:solidFill>
+                  <a:srgbClr val="7030A0"/>
+                </a:solidFill>
+                <a:latin typeface="仿宋" panose="02010609060101010101" pitchFamily="49" charset="-122"/>
+                <a:ea typeface="仿宋" panose="02010609060101010101" pitchFamily="49" charset="-122"/>
+                <a:cs typeface="+mn-ea"/>
+                <a:sym typeface="+mn-lt"/>
+              </a:rPr>
+              <a:t> Frameworks</a:t>
+            </a:r>
           </a:p>
         </p:txBody>
       </p:sp>
@@ -16905,7 +20161,7 @@
     </p:spTree>
     <p:extLst>
       <p:ext uri="{BB962C8B-B14F-4D97-AF65-F5344CB8AC3E}">
-        <p14:creationId xmlns:p14="http://schemas.microsoft.com/office/powerpoint/2010/main" val="2408166442"/>
+        <p14:creationId xmlns:p14="http://schemas.microsoft.com/office/powerpoint/2010/main" val="1058447826"/>
       </p:ext>
     </p:extLst>
   </p:cSld>
@@ -16925,7 +20181,7 @@
 </p:sld>
 </file>
 
-<file path=ppt/slides/slide2.xml><?xml version="1.0" encoding="utf-8"?>
+<file path=ppt/slides/slide22.xml><?xml version="1.0" encoding="utf-8"?>
 <p:sld xmlns:a="http://schemas.openxmlformats.org/drawingml/2006/main" xmlns:r="http://schemas.openxmlformats.org/officeDocument/2006/relationships" xmlns:p="http://schemas.openxmlformats.org/presentationml/2006/main">
   <p:cSld>
     <p:spTree>
@@ -16965,7 +20221,7 @@
           <a:lstStyle/>
           <a:p>
             <a:r>
-              <a:rPr lang="en-US" sz="2800" b="1" dirty="0">
+              <a:rPr lang="en-US" sz="2800" b="1" dirty="0" err="1">
                 <a:solidFill>
                   <a:srgbClr val="7030A0"/>
                 </a:solidFill>
@@ -16974,10 +20230,10 @@
                 <a:cs typeface="+mn-ea"/>
                 <a:sym typeface="+mn-lt"/>
               </a:rPr>
-              <a:t>What are </a:t>
-            </a:r>
-            <a:r>
-              <a:rPr lang="en-US" sz="2800" b="1" dirty="0" err="1">
+              <a:t>Microservice</a:t>
+            </a:r>
+            <a:r>
+              <a:rPr lang="en-US" sz="2800" b="1" dirty="0">
                 <a:solidFill>
                   <a:srgbClr val="7030A0"/>
                 </a:solidFill>
@@ -16986,19 +20242,7 @@
                 <a:cs typeface="+mn-ea"/>
                 <a:sym typeface="+mn-lt"/>
               </a:rPr>
-              <a:t>microservices</a:t>
-            </a:r>
-            <a:r>
-              <a:rPr lang="en-US" sz="2800" b="1" dirty="0">
-                <a:solidFill>
-                  <a:srgbClr val="7030A0"/>
-                </a:solidFill>
-                <a:latin typeface="仿宋" panose="02010609060101010101" pitchFamily="49" charset="-122"/>
-                <a:ea typeface="仿宋" panose="02010609060101010101" pitchFamily="49" charset="-122"/>
-                <a:cs typeface="+mn-ea"/>
-                <a:sym typeface="+mn-lt"/>
-              </a:rPr>
-              <a:t>?</a:t>
+              <a:t> Frameworks</a:t>
             </a:r>
           </a:p>
         </p:txBody>
@@ -17853,7 +21097,7 @@
         <p:spPr>
           <a:xfrm>
             <a:off x="4028792" y="1131181"/>
-            <a:ext cx="8057584" cy="4462760"/>
+            <a:ext cx="8057584" cy="523220"/>
           </a:xfrm>
           <a:prstGeom prst="rect">
             <a:avLst/>
@@ -17867,89 +21111,26 @@
           <a:lstStyle/>
           <a:p>
             <a:r>
-              <a:rPr lang="en-US" sz="3200" b="1" dirty="0" err="1">
-                <a:solidFill>
-                  <a:srgbClr val="FF0000"/>
+              <a:rPr lang="en-US" sz="2800" b="1" dirty="0" err="1" smtClean="0">
+                <a:solidFill>
+                  <a:srgbClr val="06080A"/>
                 </a:solidFill>
                 <a:latin typeface="仿宋" panose="02010609060101010101" pitchFamily="49" charset="-122"/>
                 <a:ea typeface="仿宋" panose="02010609060101010101" pitchFamily="49" charset="-122"/>
                 <a:cs typeface="+mn-ea"/>
                 <a:sym typeface="+mn-lt"/>
               </a:rPr>
-              <a:t>Microservices</a:t>
-            </a:r>
-            <a:r>
-              <a:rPr lang="en-US" sz="3200" b="1" dirty="0">
-                <a:solidFill>
-                  <a:schemeClr val="accent1"/>
-                </a:solidFill>
-                <a:latin typeface="仿宋" panose="02010609060101010101" pitchFamily="49" charset="-122"/>
-                <a:ea typeface="仿宋" panose="02010609060101010101" pitchFamily="49" charset="-122"/>
-                <a:cs typeface="+mn-ea"/>
-                <a:sym typeface="+mn-lt"/>
-              </a:rPr>
-              <a:t> </a:t>
-            </a:r>
-            <a:r>
-              <a:rPr lang="en-US" sz="2800" b="1" dirty="0">
-                <a:solidFill>
-                  <a:srgbClr val="06080A"/>
-                </a:solidFill>
-                <a:latin typeface="仿宋" panose="02010609060101010101" pitchFamily="49" charset="-122"/>
-                <a:ea typeface="仿宋" panose="02010609060101010101" pitchFamily="49" charset="-122"/>
-                <a:cs typeface="+mn-ea"/>
-                <a:sym typeface="+mn-lt"/>
-              </a:rPr>
-              <a:t>- also known as the </a:t>
-            </a:r>
-            <a:r>
-              <a:rPr lang="en-US" sz="2800" b="1" dirty="0" err="1">
-                <a:solidFill>
-                  <a:srgbClr val="06080A"/>
-                </a:solidFill>
-                <a:latin typeface="仿宋" panose="02010609060101010101" pitchFamily="49" charset="-122"/>
-                <a:ea typeface="仿宋" panose="02010609060101010101" pitchFamily="49" charset="-122"/>
-                <a:cs typeface="+mn-ea"/>
-                <a:sym typeface="+mn-lt"/>
-              </a:rPr>
-              <a:t>microservice</a:t>
-            </a:r>
-            <a:r>
-              <a:rPr lang="en-US" sz="2800" b="1" dirty="0">
-                <a:solidFill>
-                  <a:srgbClr val="06080A"/>
-                </a:solidFill>
-                <a:latin typeface="仿宋" panose="02010609060101010101" pitchFamily="49" charset="-122"/>
-                <a:ea typeface="仿宋" panose="02010609060101010101" pitchFamily="49" charset="-122"/>
-                <a:cs typeface="+mn-ea"/>
-                <a:sym typeface="+mn-lt"/>
-              </a:rPr>
-              <a:t> architecture - is an architectural style that structures an application as a collection of loosely coupled services, which implement business capabilities. The </a:t>
-            </a:r>
-            <a:r>
-              <a:rPr lang="en-US" sz="2800" b="1" dirty="0" err="1">
-                <a:solidFill>
-                  <a:srgbClr val="06080A"/>
-                </a:solidFill>
-                <a:latin typeface="仿宋" panose="02010609060101010101" pitchFamily="49" charset="-122"/>
-                <a:ea typeface="仿宋" panose="02010609060101010101" pitchFamily="49" charset="-122"/>
-                <a:cs typeface="+mn-ea"/>
-                <a:sym typeface="+mn-lt"/>
-              </a:rPr>
-              <a:t>microservice</a:t>
-            </a:r>
-            <a:r>
-              <a:rPr lang="en-US" sz="2800" b="1" dirty="0">
-                <a:solidFill>
-                  <a:srgbClr val="06080A"/>
-                </a:solidFill>
-                <a:latin typeface="仿宋" panose="02010609060101010101" pitchFamily="49" charset="-122"/>
-                <a:ea typeface="仿宋" panose="02010609060101010101" pitchFamily="49" charset="-122"/>
-                <a:cs typeface="+mn-ea"/>
-                <a:sym typeface="+mn-lt"/>
-              </a:rPr>
-              <a:t> architecture enables the continuous delivery/deployment of large, complex applications. It also enables an organization to evolve its technology stack.</a:t>
-            </a:r>
+              <a:t>aaaaa</a:t>
+            </a:r>
+            <a:endParaRPr lang="en-US" sz="2800" b="1" dirty="0">
+              <a:solidFill>
+                <a:srgbClr val="06080A"/>
+              </a:solidFill>
+              <a:latin typeface="仿宋" panose="02010609060101010101" pitchFamily="49" charset="-122"/>
+              <a:ea typeface="仿宋" panose="02010609060101010101" pitchFamily="49" charset="-122"/>
+              <a:cs typeface="+mn-ea"/>
+              <a:sym typeface="+mn-lt"/>
+            </a:endParaRPr>
           </a:p>
         </p:txBody>
       </p:sp>
@@ -17980,7 +21161,7 @@
     </p:spTree>
     <p:extLst>
       <p:ext uri="{BB962C8B-B14F-4D97-AF65-F5344CB8AC3E}">
-        <p14:creationId xmlns:p14="http://schemas.microsoft.com/office/powerpoint/2010/main" val="805547946"/>
+        <p14:creationId xmlns:p14="http://schemas.microsoft.com/office/powerpoint/2010/main" val="2332833601"/>
       </p:ext>
     </p:extLst>
   </p:cSld>
@@ -18000,7 +21181,7 @@
 </p:sld>
 </file>
 
-<file path=ppt/slides/slide20.xml><?xml version="1.0" encoding="utf-8"?>
+<file path=ppt/slides/slide23.xml><?xml version="1.0" encoding="utf-8"?>
 <p:sld xmlns:a="http://schemas.openxmlformats.org/drawingml/2006/main" xmlns:r="http://schemas.openxmlformats.org/officeDocument/2006/relationships" xmlns:p="http://schemas.openxmlformats.org/presentationml/2006/main">
   <p:cSld>
     <p:spTree>
@@ -22243,7 +25424,7 @@
 </p:sld>
 </file>
 
-<file path=ppt/slides/slide21.xml><?xml version="1.0" encoding="utf-8"?>
+<file path=ppt/slides/slide24.xml><?xml version="1.0" encoding="utf-8"?>
 <p:sld xmlns:a="http://schemas.openxmlformats.org/drawingml/2006/main" xmlns:r="http://schemas.openxmlformats.org/officeDocument/2006/relationships" xmlns:p="http://schemas.openxmlformats.org/presentationml/2006/main">
   <p:cSld>
     <p:spTree>
@@ -24439,7 +27620,7 @@
 </p:sld>
 </file>
 
-<file path=ppt/slides/slide22.xml><?xml version="1.0" encoding="utf-8"?>
+<file path=ppt/slides/slide25.xml><?xml version="1.0" encoding="utf-8"?>
 <p:sld xmlns:a="http://schemas.openxmlformats.org/drawingml/2006/main" xmlns:r="http://schemas.openxmlformats.org/officeDocument/2006/relationships" xmlns:p="http://schemas.openxmlformats.org/presentationml/2006/main">
   <p:cSld>
     <p:spTree>
@@ -26553,7 +29734,31 @@
                 <a:cs typeface="+mn-ea"/>
                 <a:sym typeface="+mn-lt"/>
               </a:rPr>
-              <a:t>推荐书籍</a:t>
+              <a:t>推荐学习网址 </a:t>
+            </a:r>
+            <a:r>
+              <a:rPr lang="en-US" altLang="zh-CN" sz="2000" b="1" dirty="0" smtClean="0">
+                <a:solidFill>
+                  <a:srgbClr val="7030A0"/>
+                </a:solidFill>
+                <a:latin typeface="仿宋" panose="02010609060101010101" pitchFamily="49" charset="-122"/>
+                <a:ea typeface="仿宋" panose="02010609060101010101" pitchFamily="49" charset="-122"/>
+                <a:cs typeface="+mn-ea"/>
+                <a:sym typeface="+mn-lt"/>
+              </a:rPr>
+              <a:t>- </a:t>
+            </a:r>
+            <a:r>
+              <a:rPr lang="en-US" altLang="zh-CN" sz="2000" b="1" dirty="0" err="1" smtClean="0">
+                <a:solidFill>
+                  <a:srgbClr val="7030A0"/>
+                </a:solidFill>
+                <a:latin typeface="仿宋" panose="02010609060101010101" pitchFamily="49" charset="-122"/>
+                <a:ea typeface="仿宋" panose="02010609060101010101" pitchFamily="49" charset="-122"/>
+                <a:cs typeface="+mn-ea"/>
+                <a:sym typeface="+mn-lt"/>
+              </a:rPr>
+              <a:t>Microservices</a:t>
             </a:r>
             <a:endParaRPr lang="en-US" altLang="zh-CN" sz="2000" b="1" dirty="0" smtClean="0">
               <a:solidFill>
@@ -26567,9 +29772,109 @@
           </a:p>
         </p:txBody>
       </p:sp>
+      <p:sp>
+        <p:nvSpPr>
+          <p:cNvPr id="12" name="TextBox 50"/>
+          <p:cNvSpPr txBox="1"/>
+          <p:nvPr/>
+        </p:nvSpPr>
+        <p:spPr>
+          <a:xfrm>
+            <a:off x="935907" y="4208373"/>
+            <a:ext cx="10969400" cy="1815882"/>
+          </a:xfrm>
+          <a:prstGeom prst="rect">
+            <a:avLst/>
+          </a:prstGeom>
+          <a:noFill/>
+        </p:spPr>
+        <p:txBody>
+          <a:bodyPr wrap="square" rtlCol="0">
+            <a:spAutoFit/>
+          </a:bodyPr>
+          <a:lstStyle/>
+          <a:p>
+            <a:r>
+              <a:rPr lang="en-US" sz="2800" b="1" dirty="0" smtClean="0">
+                <a:solidFill>
+                  <a:srgbClr val="06080A"/>
+                </a:solidFill>
+                <a:latin typeface="仿宋" panose="02010609060101010101" pitchFamily="49" charset="-122"/>
+                <a:ea typeface="仿宋" panose="02010609060101010101" pitchFamily="49" charset="-122"/>
+                <a:cs typeface="+mn-ea"/>
+                <a:sym typeface="+mn-lt"/>
+              </a:rPr>
+              <a:t>https</a:t>
+            </a:r>
+            <a:r>
+              <a:rPr lang="en-US" sz="2800" b="1" dirty="0">
+                <a:solidFill>
+                  <a:srgbClr val="06080A"/>
+                </a:solidFill>
+                <a:latin typeface="仿宋" panose="02010609060101010101" pitchFamily="49" charset="-122"/>
+                <a:ea typeface="仿宋" panose="02010609060101010101" pitchFamily="49" charset="-122"/>
+                <a:cs typeface="+mn-ea"/>
+                <a:sym typeface="+mn-lt"/>
+              </a:rPr>
+              <a:t>://martinfowler.com/articles/microservices.html</a:t>
+            </a:r>
+          </a:p>
+          <a:p>
+            <a:r>
+              <a:rPr lang="en-US" sz="2800" b="1" dirty="0">
+                <a:solidFill>
+                  <a:srgbClr val="06080A"/>
+                </a:solidFill>
+                <a:latin typeface="仿宋" panose="02010609060101010101" pitchFamily="49" charset="-122"/>
+                <a:ea typeface="仿宋" panose="02010609060101010101" pitchFamily="49" charset="-122"/>
+                <a:cs typeface="+mn-ea"/>
+                <a:sym typeface="+mn-lt"/>
+              </a:rPr>
+              <a:t>https://www.nginx.com/blog/introduction-to-microservices/</a:t>
+            </a:r>
+          </a:p>
+          <a:p>
+            <a:r>
+              <a:rPr lang="en-US" sz="2800" b="1" dirty="0">
+                <a:solidFill>
+                  <a:srgbClr val="06080A"/>
+                </a:solidFill>
+                <a:latin typeface="仿宋" panose="02010609060101010101" pitchFamily="49" charset="-122"/>
+                <a:ea typeface="仿宋" panose="02010609060101010101" pitchFamily="49" charset="-122"/>
+                <a:cs typeface="+mn-ea"/>
+                <a:sym typeface="+mn-lt"/>
+              </a:rPr>
+              <a:t>https://www.nginx.com/people/chris-richardson/</a:t>
+            </a:r>
+          </a:p>
+          <a:p>
+            <a:r>
+              <a:rPr lang="en-US" sz="2800" b="1" dirty="0">
+                <a:solidFill>
+                  <a:srgbClr val="06080A"/>
+                </a:solidFill>
+                <a:latin typeface="仿宋" panose="02010609060101010101" pitchFamily="49" charset="-122"/>
+                <a:ea typeface="仿宋" panose="02010609060101010101" pitchFamily="49" charset="-122"/>
+                <a:cs typeface="+mn-ea"/>
+                <a:sym typeface="+mn-lt"/>
+              </a:rPr>
+              <a:t>http://microservices.io/</a:t>
+            </a:r>
+            <a:endParaRPr lang="en-US" sz="2800" b="1" dirty="0">
+              <a:solidFill>
+                <a:srgbClr val="06080A"/>
+              </a:solidFill>
+              <a:latin typeface="仿宋" panose="02010609060101010101" pitchFamily="49" charset="-122"/>
+              <a:ea typeface="仿宋" panose="02010609060101010101" pitchFamily="49" charset="-122"/>
+              <a:cs typeface="+mn-ea"/>
+              <a:sym typeface="+mn-lt"/>
+            </a:endParaRPr>
+          </a:p>
+        </p:txBody>
+      </p:sp>
       <p:pic>
         <p:nvPicPr>
-          <p:cNvPr id="4" name="图片 3"/>
+          <p:cNvPr id="2" name="图片 1"/>
           <p:cNvPicPr>
             <a:picLocks noChangeAspect="1"/>
           </p:cNvPicPr>
@@ -26583,80 +29888,2258 @@
         </p:blipFill>
         <p:spPr>
           <a:xfrm>
-            <a:off x="1065178" y="1554617"/>
-            <a:ext cx="2526698" cy="3107918"/>
+            <a:off x="2797955" y="1460807"/>
+            <a:ext cx="5654530" cy="2583404"/>
           </a:xfrm>
           <a:prstGeom prst="rect">
             <a:avLst/>
           </a:prstGeom>
         </p:spPr>
       </p:pic>
+    </p:spTree>
+    <p:extLst>
+      <p:ext uri="{BB962C8B-B14F-4D97-AF65-F5344CB8AC3E}">
+        <p14:creationId xmlns:p14="http://schemas.microsoft.com/office/powerpoint/2010/main" val="3326897954"/>
+      </p:ext>
+    </p:extLst>
+  </p:cSld>
+  <p:clrMapOvr>
+    <a:masterClrMapping/>
+  </p:clrMapOvr>
+  <p:transition spd="slow">
+    <p:wipe/>
+  </p:transition>
+  <p:timing>
+    <p:tnLst>
+      <p:par>
+        <p:cTn id="1" dur="indefinite" restart="never" nodeType="tmRoot"/>
+      </p:par>
+    </p:tnLst>
+  </p:timing>
+</p:sld>
+</file>
+
+<file path=ppt/slides/slide26.xml><?xml version="1.0" encoding="utf-8"?>
+<p:sld xmlns:a="http://schemas.openxmlformats.org/drawingml/2006/main" xmlns:r="http://schemas.openxmlformats.org/officeDocument/2006/relationships" xmlns:p="http://schemas.openxmlformats.org/presentationml/2006/main">
+  <p:cSld>
+    <p:spTree>
+      <p:nvGrpSpPr>
+        <p:cNvPr id="1" name=""/>
+        <p:cNvGrpSpPr/>
+        <p:nvPr/>
+      </p:nvGrpSpPr>
+      <p:grpSpPr>
+        <a:xfrm>
+          <a:off x="0" y="0"/>
+          <a:ext cx="0" cy="0"/>
+          <a:chOff x="0" y="0"/>
+          <a:chExt cx="0" cy="0"/>
+        </a:xfrm>
+      </p:grpSpPr>
+      <p:sp>
+        <p:nvSpPr>
+          <p:cNvPr id="65" name="Freeform 104"/>
+          <p:cNvSpPr>
+            <a:spLocks noChangeArrowheads="1"/>
+          </p:cNvSpPr>
+          <p:nvPr/>
+        </p:nvSpPr>
+        <p:spPr bwMode="auto">
+          <a:xfrm>
+            <a:off x="2573819" y="2250128"/>
+            <a:ext cx="297899" cy="200435"/>
+          </a:xfrm>
+          <a:custGeom>
+            <a:avLst/>
+            <a:gdLst>
+              <a:gd name="T0" fmla="*/ 203 w 497"/>
+              <a:gd name="T1" fmla="*/ 257 h 337"/>
+              <a:gd name="T2" fmla="*/ 203 w 497"/>
+              <a:gd name="T3" fmla="*/ 257 h 337"/>
+              <a:gd name="T4" fmla="*/ 221 w 497"/>
+              <a:gd name="T5" fmla="*/ 327 h 337"/>
+              <a:gd name="T6" fmla="*/ 283 w 497"/>
+              <a:gd name="T7" fmla="*/ 310 h 337"/>
+              <a:gd name="T8" fmla="*/ 398 w 497"/>
+              <a:gd name="T9" fmla="*/ 9 h 337"/>
+              <a:gd name="T10" fmla="*/ 203 w 497"/>
+              <a:gd name="T11" fmla="*/ 257 h 337"/>
+              <a:gd name="T12" fmla="*/ 248 w 497"/>
+              <a:gd name="T13" fmla="*/ 71 h 337"/>
+              <a:gd name="T14" fmla="*/ 248 w 497"/>
+              <a:gd name="T15" fmla="*/ 71 h 337"/>
+              <a:gd name="T16" fmla="*/ 274 w 497"/>
+              <a:gd name="T17" fmla="*/ 71 h 337"/>
+              <a:gd name="T18" fmla="*/ 310 w 497"/>
+              <a:gd name="T19" fmla="*/ 26 h 337"/>
+              <a:gd name="T20" fmla="*/ 248 w 497"/>
+              <a:gd name="T21" fmla="*/ 17 h 337"/>
+              <a:gd name="T22" fmla="*/ 0 w 497"/>
+              <a:gd name="T23" fmla="*/ 283 h 337"/>
+              <a:gd name="T24" fmla="*/ 0 w 497"/>
+              <a:gd name="T25" fmla="*/ 310 h 337"/>
+              <a:gd name="T26" fmla="*/ 26 w 497"/>
+              <a:gd name="T27" fmla="*/ 336 h 337"/>
+              <a:gd name="T28" fmla="*/ 53 w 497"/>
+              <a:gd name="T29" fmla="*/ 310 h 337"/>
+              <a:gd name="T30" fmla="*/ 53 w 497"/>
+              <a:gd name="T31" fmla="*/ 283 h 337"/>
+              <a:gd name="T32" fmla="*/ 248 w 497"/>
+              <a:gd name="T33" fmla="*/ 71 h 337"/>
+              <a:gd name="T34" fmla="*/ 425 w 497"/>
+              <a:gd name="T35" fmla="*/ 98 h 337"/>
+              <a:gd name="T36" fmla="*/ 425 w 497"/>
+              <a:gd name="T37" fmla="*/ 98 h 337"/>
+              <a:gd name="T38" fmla="*/ 407 w 497"/>
+              <a:gd name="T39" fmla="*/ 151 h 337"/>
+              <a:gd name="T40" fmla="*/ 442 w 497"/>
+              <a:gd name="T41" fmla="*/ 283 h 337"/>
+              <a:gd name="T42" fmla="*/ 442 w 497"/>
+              <a:gd name="T43" fmla="*/ 310 h 337"/>
+              <a:gd name="T44" fmla="*/ 469 w 497"/>
+              <a:gd name="T45" fmla="*/ 336 h 337"/>
+              <a:gd name="T46" fmla="*/ 469 w 497"/>
+              <a:gd name="T47" fmla="*/ 336 h 337"/>
+              <a:gd name="T48" fmla="*/ 496 w 497"/>
+              <a:gd name="T49" fmla="*/ 310 h 337"/>
+              <a:gd name="T50" fmla="*/ 496 w 497"/>
+              <a:gd name="T51" fmla="*/ 283 h 337"/>
+              <a:gd name="T52" fmla="*/ 425 w 497"/>
+              <a:gd name="T53" fmla="*/ 98 h 337"/>
+            </a:gdLst>
+            <a:ahLst/>
+            <a:cxnLst>
+              <a:cxn ang="0">
+                <a:pos x="T0" y="T1"/>
+              </a:cxn>
+              <a:cxn ang="0">
+                <a:pos x="T2" y="T3"/>
+              </a:cxn>
+              <a:cxn ang="0">
+                <a:pos x="T4" y="T5"/>
+              </a:cxn>
+              <a:cxn ang="0">
+                <a:pos x="T6" y="T7"/>
+              </a:cxn>
+              <a:cxn ang="0">
+                <a:pos x="T8" y="T9"/>
+              </a:cxn>
+              <a:cxn ang="0">
+                <a:pos x="T10" y="T11"/>
+              </a:cxn>
+              <a:cxn ang="0">
+                <a:pos x="T12" y="T13"/>
+              </a:cxn>
+              <a:cxn ang="0">
+                <a:pos x="T14" y="T15"/>
+              </a:cxn>
+              <a:cxn ang="0">
+                <a:pos x="T16" y="T17"/>
+              </a:cxn>
+              <a:cxn ang="0">
+                <a:pos x="T18" y="T19"/>
+              </a:cxn>
+              <a:cxn ang="0">
+                <a:pos x="T20" y="T21"/>
+              </a:cxn>
+              <a:cxn ang="0">
+                <a:pos x="T22" y="T23"/>
+              </a:cxn>
+              <a:cxn ang="0">
+                <a:pos x="T24" y="T25"/>
+              </a:cxn>
+              <a:cxn ang="0">
+                <a:pos x="T26" y="T27"/>
+              </a:cxn>
+              <a:cxn ang="0">
+                <a:pos x="T28" y="T29"/>
+              </a:cxn>
+              <a:cxn ang="0">
+                <a:pos x="T30" y="T31"/>
+              </a:cxn>
+              <a:cxn ang="0">
+                <a:pos x="T32" y="T33"/>
+              </a:cxn>
+              <a:cxn ang="0">
+                <a:pos x="T34" y="T35"/>
+              </a:cxn>
+              <a:cxn ang="0">
+                <a:pos x="T36" y="T37"/>
+              </a:cxn>
+              <a:cxn ang="0">
+                <a:pos x="T38" y="T39"/>
+              </a:cxn>
+              <a:cxn ang="0">
+                <a:pos x="T40" y="T41"/>
+              </a:cxn>
+              <a:cxn ang="0">
+                <a:pos x="T42" y="T43"/>
+              </a:cxn>
+              <a:cxn ang="0">
+                <a:pos x="T44" y="T45"/>
+              </a:cxn>
+              <a:cxn ang="0">
+                <a:pos x="T46" y="T47"/>
+              </a:cxn>
+              <a:cxn ang="0">
+                <a:pos x="T48" y="T49"/>
+              </a:cxn>
+              <a:cxn ang="0">
+                <a:pos x="T50" y="T51"/>
+              </a:cxn>
+              <a:cxn ang="0">
+                <a:pos x="T52" y="T53"/>
+              </a:cxn>
+            </a:cxnLst>
+            <a:rect l="0" t="0" r="r" b="b"/>
+            <a:pathLst>
+              <a:path w="497" h="337">
+                <a:moveTo>
+                  <a:pt x="203" y="257"/>
+                </a:moveTo>
+                <a:lnTo>
+                  <a:pt x="203" y="257"/>
+                </a:lnTo>
+                <a:cubicBezTo>
+                  <a:pt x="186" y="283"/>
+                  <a:pt x="194" y="310"/>
+                  <a:pt x="221" y="327"/>
+                </a:cubicBezTo>
+                <a:cubicBezTo>
+                  <a:pt x="239" y="336"/>
+                  <a:pt x="266" y="336"/>
+                  <a:pt x="283" y="310"/>
+                </a:cubicBezTo>
+                <a:cubicBezTo>
+                  <a:pt x="301" y="274"/>
+                  <a:pt x="407" y="9"/>
+                  <a:pt x="398" y="9"/>
+                </a:cubicBezTo>
+                <a:cubicBezTo>
+                  <a:pt x="389" y="0"/>
+                  <a:pt x="221" y="230"/>
+                  <a:pt x="203" y="257"/>
+                </a:cubicBezTo>
+                <a:close/>
+                <a:moveTo>
+                  <a:pt x="248" y="71"/>
+                </a:moveTo>
+                <a:lnTo>
+                  <a:pt x="248" y="71"/>
+                </a:lnTo>
+                <a:cubicBezTo>
+                  <a:pt x="257" y="71"/>
+                  <a:pt x="266" y="71"/>
+                  <a:pt x="274" y="71"/>
+                </a:cubicBezTo>
+                <a:cubicBezTo>
+                  <a:pt x="292" y="53"/>
+                  <a:pt x="301" y="44"/>
+                  <a:pt x="310" y="26"/>
+                </a:cubicBezTo>
+                <a:cubicBezTo>
+                  <a:pt x="292" y="17"/>
+                  <a:pt x="274" y="17"/>
+                  <a:pt x="248" y="17"/>
+                </a:cubicBezTo>
+                <a:cubicBezTo>
+                  <a:pt x="106" y="17"/>
+                  <a:pt x="0" y="133"/>
+                  <a:pt x="0" y="283"/>
+                </a:cubicBezTo>
+                <a:cubicBezTo>
+                  <a:pt x="0" y="292"/>
+                  <a:pt x="0" y="301"/>
+                  <a:pt x="0" y="310"/>
+                </a:cubicBezTo>
+                <a:cubicBezTo>
+                  <a:pt x="0" y="327"/>
+                  <a:pt x="17" y="336"/>
+                  <a:pt x="26" y="336"/>
+                </a:cubicBezTo>
+                <a:cubicBezTo>
+                  <a:pt x="44" y="336"/>
+                  <a:pt x="53" y="319"/>
+                  <a:pt x="53" y="310"/>
+                </a:cubicBezTo>
+                <a:cubicBezTo>
+                  <a:pt x="53" y="301"/>
+                  <a:pt x="53" y="292"/>
+                  <a:pt x="53" y="283"/>
+                </a:cubicBezTo>
+                <a:cubicBezTo>
+                  <a:pt x="53" y="160"/>
+                  <a:pt x="132" y="71"/>
+                  <a:pt x="248" y="71"/>
+                </a:cubicBezTo>
+                <a:close/>
+                <a:moveTo>
+                  <a:pt x="425" y="98"/>
+                </a:moveTo>
+                <a:lnTo>
+                  <a:pt x="425" y="98"/>
+                </a:lnTo>
+                <a:cubicBezTo>
+                  <a:pt x="416" y="115"/>
+                  <a:pt x="416" y="133"/>
+                  <a:pt x="407" y="151"/>
+                </a:cubicBezTo>
+                <a:cubicBezTo>
+                  <a:pt x="433" y="186"/>
+                  <a:pt x="442" y="239"/>
+                  <a:pt x="442" y="283"/>
+                </a:cubicBezTo>
+                <a:cubicBezTo>
+                  <a:pt x="442" y="292"/>
+                  <a:pt x="442" y="301"/>
+                  <a:pt x="442" y="310"/>
+                </a:cubicBezTo>
+                <a:cubicBezTo>
+                  <a:pt x="442" y="319"/>
+                  <a:pt x="451" y="336"/>
+                  <a:pt x="469" y="336"/>
+                </a:cubicBezTo>
+                <a:lnTo>
+                  <a:pt x="469" y="336"/>
+                </a:lnTo>
+                <a:cubicBezTo>
+                  <a:pt x="478" y="336"/>
+                  <a:pt x="496" y="327"/>
+                  <a:pt x="496" y="310"/>
+                </a:cubicBezTo>
+                <a:cubicBezTo>
+                  <a:pt x="496" y="301"/>
+                  <a:pt x="496" y="292"/>
+                  <a:pt x="496" y="283"/>
+                </a:cubicBezTo>
+                <a:cubicBezTo>
+                  <a:pt x="496" y="213"/>
+                  <a:pt x="469" y="151"/>
+                  <a:pt x="425" y="98"/>
+                </a:cubicBezTo>
+                <a:close/>
+              </a:path>
+            </a:pathLst>
+          </a:custGeom>
+          <a:solidFill>
+            <a:schemeClr val="bg1"/>
+          </a:solidFill>
+          <a:ln>
+            <a:noFill/>
+          </a:ln>
+          <a:effectLst/>
+        </p:spPr>
+        <p:txBody>
+          <a:bodyPr wrap="none" anchor="ctr"/>
+          <a:lstStyle/>
+          <a:p>
+            <a:pPr defTabSz="914083"/>
+            <a:endParaRPr lang="en-US" dirty="0">
+              <a:solidFill>
+                <a:srgbClr val="737572"/>
+              </a:solidFill>
+              <a:cs typeface="+mn-ea"/>
+              <a:sym typeface="+mn-lt"/>
+            </a:endParaRPr>
+          </a:p>
+        </p:txBody>
+      </p:sp>
+      <p:sp>
+        <p:nvSpPr>
+          <p:cNvPr id="111" name="Freeform 139"/>
+          <p:cNvSpPr>
+            <a:spLocks noChangeArrowheads="1"/>
+          </p:cNvSpPr>
+          <p:nvPr/>
+        </p:nvSpPr>
+        <p:spPr bwMode="auto">
+          <a:xfrm>
+            <a:off x="9305973" y="2281086"/>
+            <a:ext cx="319671" cy="291465"/>
+          </a:xfrm>
+          <a:custGeom>
+            <a:avLst/>
+            <a:gdLst>
+              <a:gd name="T0" fmla="*/ 572 w 601"/>
+              <a:gd name="T1" fmla="*/ 460 h 546"/>
+              <a:gd name="T2" fmla="*/ 572 w 601"/>
+              <a:gd name="T3" fmla="*/ 460 h 546"/>
+              <a:gd name="T4" fmla="*/ 438 w 601"/>
+              <a:gd name="T5" fmla="*/ 460 h 546"/>
+              <a:gd name="T6" fmla="*/ 438 w 601"/>
+              <a:gd name="T7" fmla="*/ 460 h 546"/>
+              <a:gd name="T8" fmla="*/ 226 w 601"/>
+              <a:gd name="T9" fmla="*/ 460 h 546"/>
+              <a:gd name="T10" fmla="*/ 226 w 601"/>
+              <a:gd name="T11" fmla="*/ 460 h 546"/>
+              <a:gd name="T12" fmla="*/ 197 w 601"/>
+              <a:gd name="T13" fmla="*/ 460 h 546"/>
+              <a:gd name="T14" fmla="*/ 197 w 601"/>
+              <a:gd name="T15" fmla="*/ 460 h 546"/>
+              <a:gd name="T16" fmla="*/ 190 w 601"/>
+              <a:gd name="T17" fmla="*/ 460 h 546"/>
+              <a:gd name="T18" fmla="*/ 113 w 601"/>
+              <a:gd name="T19" fmla="*/ 538 h 546"/>
+              <a:gd name="T20" fmla="*/ 91 w 601"/>
+              <a:gd name="T21" fmla="*/ 545 h 546"/>
+              <a:gd name="T22" fmla="*/ 91 w 601"/>
+              <a:gd name="T23" fmla="*/ 545 h 546"/>
+              <a:gd name="T24" fmla="*/ 91 w 601"/>
+              <a:gd name="T25" fmla="*/ 545 h 546"/>
+              <a:gd name="T26" fmla="*/ 91 w 601"/>
+              <a:gd name="T27" fmla="*/ 545 h 546"/>
+              <a:gd name="T28" fmla="*/ 70 w 601"/>
+              <a:gd name="T29" fmla="*/ 538 h 546"/>
+              <a:gd name="T30" fmla="*/ 70 w 601"/>
+              <a:gd name="T31" fmla="*/ 538 h 546"/>
+              <a:gd name="T32" fmla="*/ 70 w 601"/>
+              <a:gd name="T33" fmla="*/ 531 h 546"/>
+              <a:gd name="T34" fmla="*/ 70 w 601"/>
+              <a:gd name="T35" fmla="*/ 531 h 546"/>
+              <a:gd name="T36" fmla="*/ 63 w 601"/>
+              <a:gd name="T37" fmla="*/ 531 h 546"/>
+              <a:gd name="T38" fmla="*/ 63 w 601"/>
+              <a:gd name="T39" fmla="*/ 523 h 546"/>
+              <a:gd name="T40" fmla="*/ 63 w 601"/>
+              <a:gd name="T41" fmla="*/ 523 h 546"/>
+              <a:gd name="T42" fmla="*/ 63 w 601"/>
+              <a:gd name="T43" fmla="*/ 516 h 546"/>
+              <a:gd name="T44" fmla="*/ 63 w 601"/>
+              <a:gd name="T45" fmla="*/ 516 h 546"/>
+              <a:gd name="T46" fmla="*/ 63 w 601"/>
+              <a:gd name="T47" fmla="*/ 460 h 546"/>
+              <a:gd name="T48" fmla="*/ 56 w 601"/>
+              <a:gd name="T49" fmla="*/ 460 h 546"/>
+              <a:gd name="T50" fmla="*/ 56 w 601"/>
+              <a:gd name="T51" fmla="*/ 460 h 546"/>
+              <a:gd name="T52" fmla="*/ 28 w 601"/>
+              <a:gd name="T53" fmla="*/ 460 h 546"/>
+              <a:gd name="T54" fmla="*/ 0 w 601"/>
+              <a:gd name="T55" fmla="*/ 432 h 546"/>
+              <a:gd name="T56" fmla="*/ 0 w 601"/>
+              <a:gd name="T57" fmla="*/ 29 h 546"/>
+              <a:gd name="T58" fmla="*/ 28 w 601"/>
+              <a:gd name="T59" fmla="*/ 0 h 546"/>
+              <a:gd name="T60" fmla="*/ 572 w 601"/>
+              <a:gd name="T61" fmla="*/ 0 h 546"/>
+              <a:gd name="T62" fmla="*/ 600 w 601"/>
+              <a:gd name="T63" fmla="*/ 29 h 546"/>
+              <a:gd name="T64" fmla="*/ 600 w 601"/>
+              <a:gd name="T65" fmla="*/ 432 h 546"/>
+              <a:gd name="T66" fmla="*/ 572 w 601"/>
+              <a:gd name="T67" fmla="*/ 460 h 546"/>
+              <a:gd name="T68" fmla="*/ 155 w 601"/>
+              <a:gd name="T69" fmla="*/ 177 h 546"/>
+              <a:gd name="T70" fmla="*/ 155 w 601"/>
+              <a:gd name="T71" fmla="*/ 177 h 546"/>
+              <a:gd name="T72" fmla="*/ 98 w 601"/>
+              <a:gd name="T73" fmla="*/ 234 h 546"/>
+              <a:gd name="T74" fmla="*/ 155 w 601"/>
+              <a:gd name="T75" fmla="*/ 290 h 546"/>
+              <a:gd name="T76" fmla="*/ 211 w 601"/>
+              <a:gd name="T77" fmla="*/ 234 h 546"/>
+              <a:gd name="T78" fmla="*/ 155 w 601"/>
+              <a:gd name="T79" fmla="*/ 177 h 546"/>
+              <a:gd name="T80" fmla="*/ 296 w 601"/>
+              <a:gd name="T81" fmla="*/ 177 h 546"/>
+              <a:gd name="T82" fmla="*/ 296 w 601"/>
+              <a:gd name="T83" fmla="*/ 177 h 546"/>
+              <a:gd name="T84" fmla="*/ 240 w 601"/>
+              <a:gd name="T85" fmla="*/ 234 h 546"/>
+              <a:gd name="T86" fmla="*/ 296 w 601"/>
+              <a:gd name="T87" fmla="*/ 290 h 546"/>
+              <a:gd name="T88" fmla="*/ 353 w 601"/>
+              <a:gd name="T89" fmla="*/ 234 h 546"/>
+              <a:gd name="T90" fmla="*/ 296 w 601"/>
+              <a:gd name="T91" fmla="*/ 177 h 546"/>
+              <a:gd name="T92" fmla="*/ 438 w 601"/>
+              <a:gd name="T93" fmla="*/ 177 h 546"/>
+              <a:gd name="T94" fmla="*/ 438 w 601"/>
+              <a:gd name="T95" fmla="*/ 177 h 546"/>
+              <a:gd name="T96" fmla="*/ 381 w 601"/>
+              <a:gd name="T97" fmla="*/ 234 h 546"/>
+              <a:gd name="T98" fmla="*/ 438 w 601"/>
+              <a:gd name="T99" fmla="*/ 290 h 546"/>
+              <a:gd name="T100" fmla="*/ 494 w 601"/>
+              <a:gd name="T101" fmla="*/ 234 h 546"/>
+              <a:gd name="T102" fmla="*/ 438 w 601"/>
+              <a:gd name="T103" fmla="*/ 177 h 546"/>
+            </a:gdLst>
+            <a:ahLst/>
+            <a:cxnLst>
+              <a:cxn ang="0">
+                <a:pos x="T0" y="T1"/>
+              </a:cxn>
+              <a:cxn ang="0">
+                <a:pos x="T2" y="T3"/>
+              </a:cxn>
+              <a:cxn ang="0">
+                <a:pos x="T4" y="T5"/>
+              </a:cxn>
+              <a:cxn ang="0">
+                <a:pos x="T6" y="T7"/>
+              </a:cxn>
+              <a:cxn ang="0">
+                <a:pos x="T8" y="T9"/>
+              </a:cxn>
+              <a:cxn ang="0">
+                <a:pos x="T10" y="T11"/>
+              </a:cxn>
+              <a:cxn ang="0">
+                <a:pos x="T12" y="T13"/>
+              </a:cxn>
+              <a:cxn ang="0">
+                <a:pos x="T14" y="T15"/>
+              </a:cxn>
+              <a:cxn ang="0">
+                <a:pos x="T16" y="T17"/>
+              </a:cxn>
+              <a:cxn ang="0">
+                <a:pos x="T18" y="T19"/>
+              </a:cxn>
+              <a:cxn ang="0">
+                <a:pos x="T20" y="T21"/>
+              </a:cxn>
+              <a:cxn ang="0">
+                <a:pos x="T22" y="T23"/>
+              </a:cxn>
+              <a:cxn ang="0">
+                <a:pos x="T24" y="T25"/>
+              </a:cxn>
+              <a:cxn ang="0">
+                <a:pos x="T26" y="T27"/>
+              </a:cxn>
+              <a:cxn ang="0">
+                <a:pos x="T28" y="T29"/>
+              </a:cxn>
+              <a:cxn ang="0">
+                <a:pos x="T30" y="T31"/>
+              </a:cxn>
+              <a:cxn ang="0">
+                <a:pos x="T32" y="T33"/>
+              </a:cxn>
+              <a:cxn ang="0">
+                <a:pos x="T34" y="T35"/>
+              </a:cxn>
+              <a:cxn ang="0">
+                <a:pos x="T36" y="T37"/>
+              </a:cxn>
+              <a:cxn ang="0">
+                <a:pos x="T38" y="T39"/>
+              </a:cxn>
+              <a:cxn ang="0">
+                <a:pos x="T40" y="T41"/>
+              </a:cxn>
+              <a:cxn ang="0">
+                <a:pos x="T42" y="T43"/>
+              </a:cxn>
+              <a:cxn ang="0">
+                <a:pos x="T44" y="T45"/>
+              </a:cxn>
+              <a:cxn ang="0">
+                <a:pos x="T46" y="T47"/>
+              </a:cxn>
+              <a:cxn ang="0">
+                <a:pos x="T48" y="T49"/>
+              </a:cxn>
+              <a:cxn ang="0">
+                <a:pos x="T50" y="T51"/>
+              </a:cxn>
+              <a:cxn ang="0">
+                <a:pos x="T52" y="T53"/>
+              </a:cxn>
+              <a:cxn ang="0">
+                <a:pos x="T54" y="T55"/>
+              </a:cxn>
+              <a:cxn ang="0">
+                <a:pos x="T56" y="T57"/>
+              </a:cxn>
+              <a:cxn ang="0">
+                <a:pos x="T58" y="T59"/>
+              </a:cxn>
+              <a:cxn ang="0">
+                <a:pos x="T60" y="T61"/>
+              </a:cxn>
+              <a:cxn ang="0">
+                <a:pos x="T62" y="T63"/>
+              </a:cxn>
+              <a:cxn ang="0">
+                <a:pos x="T64" y="T65"/>
+              </a:cxn>
+              <a:cxn ang="0">
+                <a:pos x="T66" y="T67"/>
+              </a:cxn>
+              <a:cxn ang="0">
+                <a:pos x="T68" y="T69"/>
+              </a:cxn>
+              <a:cxn ang="0">
+                <a:pos x="T70" y="T71"/>
+              </a:cxn>
+              <a:cxn ang="0">
+                <a:pos x="T72" y="T73"/>
+              </a:cxn>
+              <a:cxn ang="0">
+                <a:pos x="T74" y="T75"/>
+              </a:cxn>
+              <a:cxn ang="0">
+                <a:pos x="T76" y="T77"/>
+              </a:cxn>
+              <a:cxn ang="0">
+                <a:pos x="T78" y="T79"/>
+              </a:cxn>
+              <a:cxn ang="0">
+                <a:pos x="T80" y="T81"/>
+              </a:cxn>
+              <a:cxn ang="0">
+                <a:pos x="T82" y="T83"/>
+              </a:cxn>
+              <a:cxn ang="0">
+                <a:pos x="T84" y="T85"/>
+              </a:cxn>
+              <a:cxn ang="0">
+                <a:pos x="T86" y="T87"/>
+              </a:cxn>
+              <a:cxn ang="0">
+                <a:pos x="T88" y="T89"/>
+              </a:cxn>
+              <a:cxn ang="0">
+                <a:pos x="T90" y="T91"/>
+              </a:cxn>
+              <a:cxn ang="0">
+                <a:pos x="T92" y="T93"/>
+              </a:cxn>
+              <a:cxn ang="0">
+                <a:pos x="T94" y="T95"/>
+              </a:cxn>
+              <a:cxn ang="0">
+                <a:pos x="T96" y="T97"/>
+              </a:cxn>
+              <a:cxn ang="0">
+                <a:pos x="T98" y="T99"/>
+              </a:cxn>
+              <a:cxn ang="0">
+                <a:pos x="T100" y="T101"/>
+              </a:cxn>
+              <a:cxn ang="0">
+                <a:pos x="T102" y="T103"/>
+              </a:cxn>
+            </a:cxnLst>
+            <a:rect l="0" t="0" r="r" b="b"/>
+            <a:pathLst>
+              <a:path w="601" h="546">
+                <a:moveTo>
+                  <a:pt x="572" y="460"/>
+                </a:moveTo>
+                <a:lnTo>
+                  <a:pt x="572" y="460"/>
+                </a:lnTo>
+                <a:cubicBezTo>
+                  <a:pt x="438" y="460"/>
+                  <a:pt x="438" y="460"/>
+                  <a:pt x="438" y="460"/>
+                </a:cubicBezTo>
+                <a:lnTo>
+                  <a:pt x="438" y="460"/>
+                </a:lnTo>
+                <a:cubicBezTo>
+                  <a:pt x="226" y="460"/>
+                  <a:pt x="226" y="460"/>
+                  <a:pt x="226" y="460"/>
+                </a:cubicBezTo>
+                <a:lnTo>
+                  <a:pt x="226" y="460"/>
+                </a:lnTo>
+                <a:cubicBezTo>
+                  <a:pt x="197" y="460"/>
+                  <a:pt x="197" y="460"/>
+                  <a:pt x="197" y="460"/>
+                </a:cubicBezTo>
+                <a:lnTo>
+                  <a:pt x="197" y="460"/>
+                </a:lnTo>
+                <a:cubicBezTo>
+                  <a:pt x="190" y="460"/>
+                  <a:pt x="190" y="460"/>
+                  <a:pt x="190" y="460"/>
+                </a:cubicBezTo>
+                <a:cubicBezTo>
+                  <a:pt x="113" y="538"/>
+                  <a:pt x="113" y="538"/>
+                  <a:pt x="113" y="538"/>
+                </a:cubicBezTo>
+                <a:cubicBezTo>
+                  <a:pt x="106" y="545"/>
+                  <a:pt x="98" y="545"/>
+                  <a:pt x="91" y="545"/>
+                </a:cubicBezTo>
+                <a:lnTo>
+                  <a:pt x="91" y="545"/>
+                </a:lnTo>
+                <a:lnTo>
+                  <a:pt x="91" y="545"/>
+                </a:lnTo>
+                <a:lnTo>
+                  <a:pt x="91" y="545"/>
+                </a:lnTo>
+                <a:cubicBezTo>
+                  <a:pt x="84" y="545"/>
+                  <a:pt x="77" y="545"/>
+                  <a:pt x="70" y="538"/>
+                </a:cubicBezTo>
+                <a:lnTo>
+                  <a:pt x="70" y="538"/>
+                </a:lnTo>
+                <a:lnTo>
+                  <a:pt x="70" y="531"/>
+                </a:lnTo>
+                <a:lnTo>
+                  <a:pt x="70" y="531"/>
+                </a:lnTo>
+                <a:cubicBezTo>
+                  <a:pt x="63" y="531"/>
+                  <a:pt x="63" y="531"/>
+                  <a:pt x="63" y="531"/>
+                </a:cubicBezTo>
+                <a:cubicBezTo>
+                  <a:pt x="63" y="523"/>
+                  <a:pt x="63" y="523"/>
+                  <a:pt x="63" y="523"/>
+                </a:cubicBezTo>
+                <a:lnTo>
+                  <a:pt x="63" y="523"/>
+                </a:lnTo>
+                <a:lnTo>
+                  <a:pt x="63" y="516"/>
+                </a:lnTo>
+                <a:lnTo>
+                  <a:pt x="63" y="516"/>
+                </a:lnTo>
+                <a:cubicBezTo>
+                  <a:pt x="63" y="460"/>
+                  <a:pt x="63" y="460"/>
+                  <a:pt x="63" y="460"/>
+                </a:cubicBezTo>
+                <a:cubicBezTo>
+                  <a:pt x="56" y="460"/>
+                  <a:pt x="56" y="460"/>
+                  <a:pt x="56" y="460"/>
+                </a:cubicBezTo>
+                <a:lnTo>
+                  <a:pt x="56" y="460"/>
+                </a:lnTo>
+                <a:cubicBezTo>
+                  <a:pt x="28" y="460"/>
+                  <a:pt x="28" y="460"/>
+                  <a:pt x="28" y="460"/>
+                </a:cubicBezTo>
+                <a:cubicBezTo>
+                  <a:pt x="7" y="460"/>
+                  <a:pt x="0" y="446"/>
+                  <a:pt x="0" y="432"/>
+                </a:cubicBezTo>
+                <a:cubicBezTo>
+                  <a:pt x="0" y="29"/>
+                  <a:pt x="0" y="29"/>
+                  <a:pt x="0" y="29"/>
+                </a:cubicBezTo>
+                <a:cubicBezTo>
+                  <a:pt x="0" y="8"/>
+                  <a:pt x="7" y="0"/>
+                  <a:pt x="28" y="0"/>
+                </a:cubicBezTo>
+                <a:cubicBezTo>
+                  <a:pt x="572" y="0"/>
+                  <a:pt x="572" y="0"/>
+                  <a:pt x="572" y="0"/>
+                </a:cubicBezTo>
+                <a:cubicBezTo>
+                  <a:pt x="586" y="0"/>
+                  <a:pt x="600" y="8"/>
+                  <a:pt x="600" y="29"/>
+                </a:cubicBezTo>
+                <a:cubicBezTo>
+                  <a:pt x="600" y="432"/>
+                  <a:pt x="600" y="432"/>
+                  <a:pt x="600" y="432"/>
+                </a:cubicBezTo>
+                <a:cubicBezTo>
+                  <a:pt x="600" y="446"/>
+                  <a:pt x="586" y="460"/>
+                  <a:pt x="572" y="460"/>
+                </a:cubicBezTo>
+                <a:close/>
+                <a:moveTo>
+                  <a:pt x="155" y="177"/>
+                </a:moveTo>
+                <a:lnTo>
+                  <a:pt x="155" y="177"/>
+                </a:lnTo>
+                <a:cubicBezTo>
+                  <a:pt x="127" y="177"/>
+                  <a:pt x="98" y="205"/>
+                  <a:pt x="98" y="234"/>
+                </a:cubicBezTo>
+                <a:cubicBezTo>
+                  <a:pt x="98" y="262"/>
+                  <a:pt x="127" y="290"/>
+                  <a:pt x="155" y="290"/>
+                </a:cubicBezTo>
+                <a:cubicBezTo>
+                  <a:pt x="190" y="290"/>
+                  <a:pt x="211" y="262"/>
+                  <a:pt x="211" y="234"/>
+                </a:cubicBezTo>
+                <a:cubicBezTo>
+                  <a:pt x="211" y="205"/>
+                  <a:pt x="190" y="177"/>
+                  <a:pt x="155" y="177"/>
+                </a:cubicBezTo>
+                <a:close/>
+                <a:moveTo>
+                  <a:pt x="296" y="177"/>
+                </a:moveTo>
+                <a:lnTo>
+                  <a:pt x="296" y="177"/>
+                </a:lnTo>
+                <a:cubicBezTo>
+                  <a:pt x="268" y="177"/>
+                  <a:pt x="240" y="205"/>
+                  <a:pt x="240" y="234"/>
+                </a:cubicBezTo>
+                <a:cubicBezTo>
+                  <a:pt x="240" y="262"/>
+                  <a:pt x="268" y="290"/>
+                  <a:pt x="296" y="290"/>
+                </a:cubicBezTo>
+                <a:cubicBezTo>
+                  <a:pt x="332" y="290"/>
+                  <a:pt x="353" y="262"/>
+                  <a:pt x="353" y="234"/>
+                </a:cubicBezTo>
+                <a:cubicBezTo>
+                  <a:pt x="353" y="205"/>
+                  <a:pt x="332" y="177"/>
+                  <a:pt x="296" y="177"/>
+                </a:cubicBezTo>
+                <a:close/>
+                <a:moveTo>
+                  <a:pt x="438" y="177"/>
+                </a:moveTo>
+                <a:lnTo>
+                  <a:pt x="438" y="177"/>
+                </a:lnTo>
+                <a:cubicBezTo>
+                  <a:pt x="409" y="177"/>
+                  <a:pt x="381" y="205"/>
+                  <a:pt x="381" y="234"/>
+                </a:cubicBezTo>
+                <a:cubicBezTo>
+                  <a:pt x="381" y="262"/>
+                  <a:pt x="409" y="290"/>
+                  <a:pt x="438" y="290"/>
+                </a:cubicBezTo>
+                <a:cubicBezTo>
+                  <a:pt x="473" y="290"/>
+                  <a:pt x="494" y="262"/>
+                  <a:pt x="494" y="234"/>
+                </a:cubicBezTo>
+                <a:cubicBezTo>
+                  <a:pt x="494" y="205"/>
+                  <a:pt x="473" y="177"/>
+                  <a:pt x="438" y="177"/>
+                </a:cubicBezTo>
+                <a:close/>
+              </a:path>
+            </a:pathLst>
+          </a:custGeom>
+          <a:solidFill>
+            <a:srgbClr val="FFFFFF"/>
+          </a:solidFill>
+          <a:ln>
+            <a:noFill/>
+          </a:ln>
+          <a:effectLst/>
+        </p:spPr>
+        <p:txBody>
+          <a:bodyPr wrap="none" anchor="ctr"/>
+          <a:lstStyle/>
+          <a:p>
+            <a:pPr defTabSz="914083">
+              <a:defRPr/>
+            </a:pPr>
+            <a:endParaRPr lang="en-US">
+              <a:solidFill>
+                <a:srgbClr val="737572"/>
+              </a:solidFill>
+              <a:cs typeface="+mn-ea"/>
+              <a:sym typeface="+mn-lt"/>
+            </a:endParaRPr>
+          </a:p>
+        </p:txBody>
+      </p:sp>
+      <p:sp>
+        <p:nvSpPr>
+          <p:cNvPr id="113" name="Freeform 98"/>
+          <p:cNvSpPr>
+            <a:spLocks noChangeArrowheads="1"/>
+          </p:cNvSpPr>
+          <p:nvPr/>
+        </p:nvSpPr>
+        <p:spPr bwMode="auto">
+          <a:xfrm>
+            <a:off x="9338080" y="4865671"/>
+            <a:ext cx="276516" cy="338794"/>
+          </a:xfrm>
+          <a:custGeom>
+            <a:avLst/>
+            <a:gdLst>
+              <a:gd name="T0" fmla="*/ 459 w 488"/>
+              <a:gd name="T1" fmla="*/ 600 h 601"/>
+              <a:gd name="T2" fmla="*/ 459 w 488"/>
+              <a:gd name="T3" fmla="*/ 600 h 601"/>
+              <a:gd name="T4" fmla="*/ 28 w 488"/>
+              <a:gd name="T5" fmla="*/ 600 h 601"/>
+              <a:gd name="T6" fmla="*/ 0 w 488"/>
+              <a:gd name="T7" fmla="*/ 572 h 601"/>
+              <a:gd name="T8" fmla="*/ 0 w 488"/>
+              <a:gd name="T9" fmla="*/ 325 h 601"/>
+              <a:gd name="T10" fmla="*/ 28 w 488"/>
+              <a:gd name="T11" fmla="*/ 296 h 601"/>
+              <a:gd name="T12" fmla="*/ 70 w 488"/>
+              <a:gd name="T13" fmla="*/ 296 h 601"/>
+              <a:gd name="T14" fmla="*/ 70 w 488"/>
+              <a:gd name="T15" fmla="*/ 169 h 601"/>
+              <a:gd name="T16" fmla="*/ 240 w 488"/>
+              <a:gd name="T17" fmla="*/ 0 h 601"/>
+              <a:gd name="T18" fmla="*/ 409 w 488"/>
+              <a:gd name="T19" fmla="*/ 169 h 601"/>
+              <a:gd name="T20" fmla="*/ 409 w 488"/>
+              <a:gd name="T21" fmla="*/ 296 h 601"/>
+              <a:gd name="T22" fmla="*/ 459 w 488"/>
+              <a:gd name="T23" fmla="*/ 296 h 601"/>
+              <a:gd name="T24" fmla="*/ 487 w 488"/>
+              <a:gd name="T25" fmla="*/ 325 h 601"/>
+              <a:gd name="T26" fmla="*/ 487 w 488"/>
+              <a:gd name="T27" fmla="*/ 572 h 601"/>
+              <a:gd name="T28" fmla="*/ 459 w 488"/>
+              <a:gd name="T29" fmla="*/ 600 h 601"/>
+              <a:gd name="T30" fmla="*/ 212 w 488"/>
+              <a:gd name="T31" fmla="*/ 459 h 601"/>
+              <a:gd name="T32" fmla="*/ 212 w 488"/>
+              <a:gd name="T33" fmla="*/ 459 h 601"/>
+              <a:gd name="T34" fmla="*/ 212 w 488"/>
+              <a:gd name="T35" fmla="*/ 516 h 601"/>
+              <a:gd name="T36" fmla="*/ 240 w 488"/>
+              <a:gd name="T37" fmla="*/ 544 h 601"/>
+              <a:gd name="T38" fmla="*/ 268 w 488"/>
+              <a:gd name="T39" fmla="*/ 516 h 601"/>
+              <a:gd name="T40" fmla="*/ 268 w 488"/>
+              <a:gd name="T41" fmla="*/ 459 h 601"/>
+              <a:gd name="T42" fmla="*/ 296 w 488"/>
+              <a:gd name="T43" fmla="*/ 410 h 601"/>
+              <a:gd name="T44" fmla="*/ 240 w 488"/>
+              <a:gd name="T45" fmla="*/ 353 h 601"/>
+              <a:gd name="T46" fmla="*/ 183 w 488"/>
+              <a:gd name="T47" fmla="*/ 410 h 601"/>
+              <a:gd name="T48" fmla="*/ 212 w 488"/>
+              <a:gd name="T49" fmla="*/ 459 h 601"/>
+              <a:gd name="T50" fmla="*/ 353 w 488"/>
+              <a:gd name="T51" fmla="*/ 169 h 601"/>
+              <a:gd name="T52" fmla="*/ 353 w 488"/>
+              <a:gd name="T53" fmla="*/ 169 h 601"/>
+              <a:gd name="T54" fmla="*/ 240 w 488"/>
+              <a:gd name="T55" fmla="*/ 56 h 601"/>
+              <a:gd name="T56" fmla="*/ 127 w 488"/>
+              <a:gd name="T57" fmla="*/ 169 h 601"/>
+              <a:gd name="T58" fmla="*/ 127 w 488"/>
+              <a:gd name="T59" fmla="*/ 296 h 601"/>
+              <a:gd name="T60" fmla="*/ 353 w 488"/>
+              <a:gd name="T61" fmla="*/ 296 h 601"/>
+              <a:gd name="T62" fmla="*/ 353 w 488"/>
+              <a:gd name="T63" fmla="*/ 169 h 601"/>
+            </a:gdLst>
+            <a:ahLst/>
+            <a:cxnLst>
+              <a:cxn ang="0">
+                <a:pos x="T0" y="T1"/>
+              </a:cxn>
+              <a:cxn ang="0">
+                <a:pos x="T2" y="T3"/>
+              </a:cxn>
+              <a:cxn ang="0">
+                <a:pos x="T4" y="T5"/>
+              </a:cxn>
+              <a:cxn ang="0">
+                <a:pos x="T6" y="T7"/>
+              </a:cxn>
+              <a:cxn ang="0">
+                <a:pos x="T8" y="T9"/>
+              </a:cxn>
+              <a:cxn ang="0">
+                <a:pos x="T10" y="T11"/>
+              </a:cxn>
+              <a:cxn ang="0">
+                <a:pos x="T12" y="T13"/>
+              </a:cxn>
+              <a:cxn ang="0">
+                <a:pos x="T14" y="T15"/>
+              </a:cxn>
+              <a:cxn ang="0">
+                <a:pos x="T16" y="T17"/>
+              </a:cxn>
+              <a:cxn ang="0">
+                <a:pos x="T18" y="T19"/>
+              </a:cxn>
+              <a:cxn ang="0">
+                <a:pos x="T20" y="T21"/>
+              </a:cxn>
+              <a:cxn ang="0">
+                <a:pos x="T22" y="T23"/>
+              </a:cxn>
+              <a:cxn ang="0">
+                <a:pos x="T24" y="T25"/>
+              </a:cxn>
+              <a:cxn ang="0">
+                <a:pos x="T26" y="T27"/>
+              </a:cxn>
+              <a:cxn ang="0">
+                <a:pos x="T28" y="T29"/>
+              </a:cxn>
+              <a:cxn ang="0">
+                <a:pos x="T30" y="T31"/>
+              </a:cxn>
+              <a:cxn ang="0">
+                <a:pos x="T32" y="T33"/>
+              </a:cxn>
+              <a:cxn ang="0">
+                <a:pos x="T34" y="T35"/>
+              </a:cxn>
+              <a:cxn ang="0">
+                <a:pos x="T36" y="T37"/>
+              </a:cxn>
+              <a:cxn ang="0">
+                <a:pos x="T38" y="T39"/>
+              </a:cxn>
+              <a:cxn ang="0">
+                <a:pos x="T40" y="T41"/>
+              </a:cxn>
+              <a:cxn ang="0">
+                <a:pos x="T42" y="T43"/>
+              </a:cxn>
+              <a:cxn ang="0">
+                <a:pos x="T44" y="T45"/>
+              </a:cxn>
+              <a:cxn ang="0">
+                <a:pos x="T46" y="T47"/>
+              </a:cxn>
+              <a:cxn ang="0">
+                <a:pos x="T48" y="T49"/>
+              </a:cxn>
+              <a:cxn ang="0">
+                <a:pos x="T50" y="T51"/>
+              </a:cxn>
+              <a:cxn ang="0">
+                <a:pos x="T52" y="T53"/>
+              </a:cxn>
+              <a:cxn ang="0">
+                <a:pos x="T54" y="T55"/>
+              </a:cxn>
+              <a:cxn ang="0">
+                <a:pos x="T56" y="T57"/>
+              </a:cxn>
+              <a:cxn ang="0">
+                <a:pos x="T58" y="T59"/>
+              </a:cxn>
+              <a:cxn ang="0">
+                <a:pos x="T60" y="T61"/>
+              </a:cxn>
+              <a:cxn ang="0">
+                <a:pos x="T62" y="T63"/>
+              </a:cxn>
+            </a:cxnLst>
+            <a:rect l="0" t="0" r="r" b="b"/>
+            <a:pathLst>
+              <a:path w="488" h="601">
+                <a:moveTo>
+                  <a:pt x="459" y="600"/>
+                </a:moveTo>
+                <a:lnTo>
+                  <a:pt x="459" y="600"/>
+                </a:lnTo>
+                <a:cubicBezTo>
+                  <a:pt x="28" y="600"/>
+                  <a:pt x="28" y="600"/>
+                  <a:pt x="28" y="600"/>
+                </a:cubicBezTo>
+                <a:cubicBezTo>
+                  <a:pt x="7" y="600"/>
+                  <a:pt x="0" y="586"/>
+                  <a:pt x="0" y="572"/>
+                </a:cubicBezTo>
+                <a:cubicBezTo>
+                  <a:pt x="0" y="325"/>
+                  <a:pt x="0" y="325"/>
+                  <a:pt x="0" y="325"/>
+                </a:cubicBezTo>
+                <a:cubicBezTo>
+                  <a:pt x="0" y="311"/>
+                  <a:pt x="7" y="296"/>
+                  <a:pt x="28" y="296"/>
+                </a:cubicBezTo>
+                <a:cubicBezTo>
+                  <a:pt x="70" y="296"/>
+                  <a:pt x="70" y="296"/>
+                  <a:pt x="70" y="296"/>
+                </a:cubicBezTo>
+                <a:cubicBezTo>
+                  <a:pt x="70" y="169"/>
+                  <a:pt x="70" y="169"/>
+                  <a:pt x="70" y="169"/>
+                </a:cubicBezTo>
+                <a:cubicBezTo>
+                  <a:pt x="70" y="70"/>
+                  <a:pt x="148" y="0"/>
+                  <a:pt x="240" y="0"/>
+                </a:cubicBezTo>
+                <a:cubicBezTo>
+                  <a:pt x="339" y="0"/>
+                  <a:pt x="409" y="70"/>
+                  <a:pt x="409" y="169"/>
+                </a:cubicBezTo>
+                <a:cubicBezTo>
+                  <a:pt x="409" y="296"/>
+                  <a:pt x="409" y="296"/>
+                  <a:pt x="409" y="296"/>
+                </a:cubicBezTo>
+                <a:cubicBezTo>
+                  <a:pt x="459" y="296"/>
+                  <a:pt x="459" y="296"/>
+                  <a:pt x="459" y="296"/>
+                </a:cubicBezTo>
+                <a:cubicBezTo>
+                  <a:pt x="473" y="296"/>
+                  <a:pt x="487" y="311"/>
+                  <a:pt x="487" y="325"/>
+                </a:cubicBezTo>
+                <a:cubicBezTo>
+                  <a:pt x="487" y="572"/>
+                  <a:pt x="487" y="572"/>
+                  <a:pt x="487" y="572"/>
+                </a:cubicBezTo>
+                <a:cubicBezTo>
+                  <a:pt x="487" y="586"/>
+                  <a:pt x="473" y="600"/>
+                  <a:pt x="459" y="600"/>
+                </a:cubicBezTo>
+                <a:close/>
+                <a:moveTo>
+                  <a:pt x="212" y="459"/>
+                </a:moveTo>
+                <a:lnTo>
+                  <a:pt x="212" y="459"/>
+                </a:lnTo>
+                <a:cubicBezTo>
+                  <a:pt x="212" y="516"/>
+                  <a:pt x="212" y="516"/>
+                  <a:pt x="212" y="516"/>
+                </a:cubicBezTo>
+                <a:cubicBezTo>
+                  <a:pt x="212" y="530"/>
+                  <a:pt x="226" y="544"/>
+                  <a:pt x="240" y="544"/>
+                </a:cubicBezTo>
+                <a:cubicBezTo>
+                  <a:pt x="261" y="544"/>
+                  <a:pt x="268" y="530"/>
+                  <a:pt x="268" y="516"/>
+                </a:cubicBezTo>
+                <a:cubicBezTo>
+                  <a:pt x="268" y="459"/>
+                  <a:pt x="268" y="459"/>
+                  <a:pt x="268" y="459"/>
+                </a:cubicBezTo>
+                <a:cubicBezTo>
+                  <a:pt x="289" y="452"/>
+                  <a:pt x="296" y="431"/>
+                  <a:pt x="296" y="410"/>
+                </a:cubicBezTo>
+                <a:cubicBezTo>
+                  <a:pt x="296" y="381"/>
+                  <a:pt x="275" y="353"/>
+                  <a:pt x="240" y="353"/>
+                </a:cubicBezTo>
+                <a:cubicBezTo>
+                  <a:pt x="212" y="353"/>
+                  <a:pt x="183" y="381"/>
+                  <a:pt x="183" y="410"/>
+                </a:cubicBezTo>
+                <a:cubicBezTo>
+                  <a:pt x="183" y="431"/>
+                  <a:pt x="198" y="452"/>
+                  <a:pt x="212" y="459"/>
+                </a:cubicBezTo>
+                <a:close/>
+                <a:moveTo>
+                  <a:pt x="353" y="169"/>
+                </a:moveTo>
+                <a:lnTo>
+                  <a:pt x="353" y="169"/>
+                </a:lnTo>
+                <a:cubicBezTo>
+                  <a:pt x="353" y="106"/>
+                  <a:pt x="304" y="56"/>
+                  <a:pt x="240" y="56"/>
+                </a:cubicBezTo>
+                <a:cubicBezTo>
+                  <a:pt x="176" y="56"/>
+                  <a:pt x="127" y="106"/>
+                  <a:pt x="127" y="169"/>
+                </a:cubicBezTo>
+                <a:cubicBezTo>
+                  <a:pt x="127" y="296"/>
+                  <a:pt x="127" y="296"/>
+                  <a:pt x="127" y="296"/>
+                </a:cubicBezTo>
+                <a:cubicBezTo>
+                  <a:pt x="353" y="296"/>
+                  <a:pt x="353" y="296"/>
+                  <a:pt x="353" y="296"/>
+                </a:cubicBezTo>
+                <a:lnTo>
+                  <a:pt x="353" y="169"/>
+                </a:lnTo>
+                <a:close/>
+              </a:path>
+            </a:pathLst>
+          </a:custGeom>
+          <a:solidFill>
+            <a:srgbClr val="FFFFFF"/>
+          </a:solidFill>
+          <a:ln>
+            <a:noFill/>
+          </a:ln>
+          <a:effectLst/>
+        </p:spPr>
+        <p:txBody>
+          <a:bodyPr wrap="none" anchor="ctr"/>
+          <a:lstStyle/>
+          <a:p>
+            <a:pPr defTabSz="914083">
+              <a:defRPr/>
+            </a:pPr>
+            <a:endParaRPr lang="en-US">
+              <a:solidFill>
+                <a:srgbClr val="737572"/>
+              </a:solidFill>
+              <a:cs typeface="+mn-ea"/>
+              <a:sym typeface="+mn-lt"/>
+            </a:endParaRPr>
+          </a:p>
+        </p:txBody>
+      </p:sp>
+      <p:sp>
+        <p:nvSpPr>
+          <p:cNvPr id="60" name="Rectangle 51"/>
+          <p:cNvSpPr/>
+          <p:nvPr/>
+        </p:nvSpPr>
+        <p:spPr>
+          <a:xfrm>
+            <a:off x="935907" y="559459"/>
+            <a:ext cx="70970" cy="628052"/>
+          </a:xfrm>
+          <a:prstGeom prst="rect">
+            <a:avLst/>
+          </a:prstGeom>
+          <a:solidFill>
+            <a:schemeClr val="tx2"/>
+          </a:solidFill>
+          <a:ln>
+            <a:noFill/>
+          </a:ln>
+        </p:spPr>
+        <p:style>
+          <a:lnRef idx="1">
+            <a:schemeClr val="accent1"/>
+          </a:lnRef>
+          <a:fillRef idx="3">
+            <a:schemeClr val="accent1"/>
+          </a:fillRef>
+          <a:effectRef idx="2">
+            <a:schemeClr val="accent1"/>
+          </a:effectRef>
+          <a:fontRef idx="minor">
+            <a:schemeClr val="lt1"/>
+          </a:fontRef>
+        </p:style>
+        <p:txBody>
+          <a:bodyPr rtlCol="0" anchor="ctr"/>
+          <a:lstStyle/>
+          <a:p>
+            <a:pPr algn="ctr"/>
+            <a:endParaRPr lang="en-US" sz="800">
+              <a:cs typeface="+mn-ea"/>
+              <a:sym typeface="+mn-lt"/>
+            </a:endParaRPr>
+          </a:p>
+        </p:txBody>
+      </p:sp>
+      <p:sp>
+        <p:nvSpPr>
+          <p:cNvPr id="63" name="矩形 62"/>
+          <p:cNvSpPr/>
+          <p:nvPr/>
+        </p:nvSpPr>
+        <p:spPr>
+          <a:xfrm>
+            <a:off x="0" y="6624130"/>
+            <a:ext cx="775136" cy="230832"/>
+          </a:xfrm>
+          <a:prstGeom prst="rect">
+            <a:avLst/>
+          </a:prstGeom>
+        </p:spPr>
+        <p:txBody>
+          <a:bodyPr wrap="square">
+            <a:spAutoFit/>
+          </a:bodyPr>
+          <a:lstStyle/>
+          <a:p>
+            <a:pPr marL="0" marR="0" lvl="0" indent="0" defTabSz="914400" eaLnBrk="1" fontAlgn="auto" latinLnBrk="0" hangingPunct="1">
+              <a:lnSpc>
+                <a:spcPct val="100000"/>
+              </a:lnSpc>
+              <a:spcBef>
+                <a:spcPts val="0"/>
+              </a:spcBef>
+              <a:spcAft>
+                <a:spcPts val="0"/>
+              </a:spcAft>
+              <a:buClrTx/>
+              <a:buSzTx/>
+              <a:buFontTx/>
+              <a:buNone/>
+              <a:tabLst/>
+              <a:defRPr/>
+            </a:pPr>
+            <a:r>
+              <a:rPr kumimoji="0" lang="en-US" altLang="zh-CN" sz="100" b="0" i="0" u="none" strike="noStrike" kern="0" cap="none" spc="0" normalizeH="0" baseline="0" noProof="0" dirty="0">
+                <a:ln>
+                  <a:noFill/>
+                </a:ln>
+                <a:solidFill>
+                  <a:sysClr val="window" lastClr="FFFFFF"/>
+                </a:solidFill>
+                <a:effectLst/>
+                <a:uLnTx/>
+                <a:uFillTx/>
+              </a:rPr>
+              <a:t>PPT</a:t>
+            </a:r>
+            <a:r>
+              <a:rPr kumimoji="0" lang="zh-CN" altLang="en-US" sz="100" b="0" i="0" u="none" strike="noStrike" kern="0" cap="none" spc="0" normalizeH="0" baseline="0" noProof="0" dirty="0">
+                <a:ln>
+                  <a:noFill/>
+                </a:ln>
+                <a:solidFill>
+                  <a:sysClr val="window" lastClr="FFFFFF"/>
+                </a:solidFill>
+                <a:effectLst/>
+                <a:uLnTx/>
+                <a:uFillTx/>
+              </a:rPr>
+              <a:t>模板下载：</a:t>
+            </a:r>
+            <a:r>
+              <a:rPr kumimoji="0" lang="en-US" altLang="zh-CN" sz="100" b="0" i="0" u="none" strike="noStrike" kern="0" cap="none" spc="0" normalizeH="0" baseline="0" noProof="0" dirty="0">
+                <a:ln>
+                  <a:noFill/>
+                </a:ln>
+                <a:solidFill>
+                  <a:sysClr val="window" lastClr="FFFFFF"/>
+                </a:solidFill>
+                <a:effectLst/>
+                <a:uLnTx/>
+                <a:uFillTx/>
+              </a:rPr>
+              <a:t>www.1ppt.com/moban/     </a:t>
+            </a:r>
+            <a:r>
+              <a:rPr kumimoji="0" lang="zh-CN" altLang="en-US" sz="100" b="0" i="0" u="none" strike="noStrike" kern="0" cap="none" spc="0" normalizeH="0" baseline="0" noProof="0" dirty="0">
+                <a:ln>
+                  <a:noFill/>
+                </a:ln>
+                <a:solidFill>
+                  <a:sysClr val="window" lastClr="FFFFFF"/>
+                </a:solidFill>
+                <a:effectLst/>
+                <a:uLnTx/>
+                <a:uFillTx/>
+              </a:rPr>
+              <a:t>行业</a:t>
+            </a:r>
+            <a:r>
+              <a:rPr kumimoji="0" lang="en-US" altLang="zh-CN" sz="100" b="0" i="0" u="none" strike="noStrike" kern="0" cap="none" spc="0" normalizeH="0" baseline="0" noProof="0" dirty="0">
+                <a:ln>
+                  <a:noFill/>
+                </a:ln>
+                <a:solidFill>
+                  <a:sysClr val="window" lastClr="FFFFFF"/>
+                </a:solidFill>
+                <a:effectLst/>
+                <a:uLnTx/>
+                <a:uFillTx/>
+              </a:rPr>
+              <a:t>PPT</a:t>
+            </a:r>
+            <a:r>
+              <a:rPr kumimoji="0" lang="zh-CN" altLang="en-US" sz="100" b="0" i="0" u="none" strike="noStrike" kern="0" cap="none" spc="0" normalizeH="0" baseline="0" noProof="0" dirty="0">
+                <a:ln>
+                  <a:noFill/>
+                </a:ln>
+                <a:solidFill>
+                  <a:sysClr val="window" lastClr="FFFFFF"/>
+                </a:solidFill>
+                <a:effectLst/>
+                <a:uLnTx/>
+                <a:uFillTx/>
+              </a:rPr>
+              <a:t>模板：</a:t>
+            </a:r>
+            <a:r>
+              <a:rPr kumimoji="0" lang="en-US" altLang="zh-CN" sz="100" b="0" i="0" u="none" strike="noStrike" kern="0" cap="none" spc="0" normalizeH="0" baseline="0" noProof="0" dirty="0">
+                <a:ln>
+                  <a:noFill/>
+                </a:ln>
+                <a:solidFill>
+                  <a:sysClr val="window" lastClr="FFFFFF"/>
+                </a:solidFill>
+                <a:effectLst/>
+                <a:uLnTx/>
+                <a:uFillTx/>
+              </a:rPr>
+              <a:t>www.1ppt.com/hangye/ </a:t>
+            </a:r>
+          </a:p>
+          <a:p>
+            <a:pPr marL="0" marR="0" lvl="0" indent="0" defTabSz="914400" eaLnBrk="1" fontAlgn="auto" latinLnBrk="0" hangingPunct="1">
+              <a:lnSpc>
+                <a:spcPct val="100000"/>
+              </a:lnSpc>
+              <a:spcBef>
+                <a:spcPts val="0"/>
+              </a:spcBef>
+              <a:spcAft>
+                <a:spcPts val="0"/>
+              </a:spcAft>
+              <a:buClrTx/>
+              <a:buSzTx/>
+              <a:buFontTx/>
+              <a:buNone/>
+              <a:tabLst/>
+              <a:defRPr/>
+            </a:pPr>
+            <a:r>
+              <a:rPr kumimoji="0" lang="zh-CN" altLang="en-US" sz="100" b="0" i="0" u="none" strike="noStrike" kern="0" cap="none" spc="0" normalizeH="0" baseline="0" noProof="0" dirty="0">
+                <a:ln>
+                  <a:noFill/>
+                </a:ln>
+                <a:solidFill>
+                  <a:sysClr val="window" lastClr="FFFFFF"/>
+                </a:solidFill>
+                <a:effectLst/>
+                <a:uLnTx/>
+                <a:uFillTx/>
+              </a:rPr>
+              <a:t>节日</a:t>
+            </a:r>
+            <a:r>
+              <a:rPr kumimoji="0" lang="en-US" altLang="zh-CN" sz="100" b="0" i="0" u="none" strike="noStrike" kern="0" cap="none" spc="0" normalizeH="0" baseline="0" noProof="0" dirty="0">
+                <a:ln>
+                  <a:noFill/>
+                </a:ln>
+                <a:solidFill>
+                  <a:sysClr val="window" lastClr="FFFFFF"/>
+                </a:solidFill>
+                <a:effectLst/>
+                <a:uLnTx/>
+                <a:uFillTx/>
+              </a:rPr>
+              <a:t>PPT</a:t>
+            </a:r>
+            <a:r>
+              <a:rPr kumimoji="0" lang="zh-CN" altLang="en-US" sz="100" b="0" i="0" u="none" strike="noStrike" kern="0" cap="none" spc="0" normalizeH="0" baseline="0" noProof="0" dirty="0">
+                <a:ln>
+                  <a:noFill/>
+                </a:ln>
+                <a:solidFill>
+                  <a:sysClr val="window" lastClr="FFFFFF"/>
+                </a:solidFill>
+                <a:effectLst/>
+                <a:uLnTx/>
+                <a:uFillTx/>
+              </a:rPr>
+              <a:t>模板：</a:t>
+            </a:r>
+            <a:r>
+              <a:rPr kumimoji="0" lang="en-US" altLang="zh-CN" sz="100" b="0" i="0" u="none" strike="noStrike" kern="0" cap="none" spc="0" normalizeH="0" baseline="0" noProof="0" dirty="0">
+                <a:ln>
+                  <a:noFill/>
+                </a:ln>
+                <a:solidFill>
+                  <a:sysClr val="window" lastClr="FFFFFF"/>
+                </a:solidFill>
+                <a:effectLst/>
+                <a:uLnTx/>
+                <a:uFillTx/>
+              </a:rPr>
+              <a:t>www.1ppt.com/jieri/           PPT</a:t>
+            </a:r>
+            <a:r>
+              <a:rPr kumimoji="0" lang="zh-CN" altLang="en-US" sz="100" b="0" i="0" u="none" strike="noStrike" kern="0" cap="none" spc="0" normalizeH="0" baseline="0" noProof="0" dirty="0">
+                <a:ln>
+                  <a:noFill/>
+                </a:ln>
+                <a:solidFill>
+                  <a:sysClr val="window" lastClr="FFFFFF"/>
+                </a:solidFill>
+                <a:effectLst/>
+                <a:uLnTx/>
+                <a:uFillTx/>
+              </a:rPr>
+              <a:t>素材下载：</a:t>
+            </a:r>
+            <a:r>
+              <a:rPr kumimoji="0" lang="en-US" altLang="zh-CN" sz="100" b="0" i="0" u="none" strike="noStrike" kern="0" cap="none" spc="0" normalizeH="0" baseline="0" noProof="0" dirty="0">
+                <a:ln>
+                  <a:noFill/>
+                </a:ln>
+                <a:solidFill>
+                  <a:sysClr val="window" lastClr="FFFFFF"/>
+                </a:solidFill>
+                <a:effectLst/>
+                <a:uLnTx/>
+                <a:uFillTx/>
+              </a:rPr>
+              <a:t>www.1ppt.com/sucai/</a:t>
+            </a:r>
+          </a:p>
+          <a:p>
+            <a:pPr marL="0" marR="0" lvl="0" indent="0" defTabSz="914400" eaLnBrk="1" fontAlgn="auto" latinLnBrk="0" hangingPunct="1">
+              <a:lnSpc>
+                <a:spcPct val="100000"/>
+              </a:lnSpc>
+              <a:spcBef>
+                <a:spcPts val="0"/>
+              </a:spcBef>
+              <a:spcAft>
+                <a:spcPts val="0"/>
+              </a:spcAft>
+              <a:buClrTx/>
+              <a:buSzTx/>
+              <a:buFontTx/>
+              <a:buNone/>
+              <a:tabLst/>
+              <a:defRPr/>
+            </a:pPr>
+            <a:r>
+              <a:rPr kumimoji="0" lang="en-US" altLang="zh-CN" sz="100" b="0" i="0" u="none" strike="noStrike" kern="0" cap="none" spc="0" normalizeH="0" baseline="0" noProof="0" dirty="0">
+                <a:ln>
+                  <a:noFill/>
+                </a:ln>
+                <a:solidFill>
+                  <a:sysClr val="window" lastClr="FFFFFF"/>
+                </a:solidFill>
+                <a:effectLst/>
+                <a:uLnTx/>
+                <a:uFillTx/>
+              </a:rPr>
+              <a:t>PPT</a:t>
+            </a:r>
+            <a:r>
+              <a:rPr kumimoji="0" lang="zh-CN" altLang="en-US" sz="100" b="0" i="0" u="none" strike="noStrike" kern="0" cap="none" spc="0" normalizeH="0" baseline="0" noProof="0" dirty="0">
+                <a:ln>
+                  <a:noFill/>
+                </a:ln>
+                <a:solidFill>
+                  <a:sysClr val="window" lastClr="FFFFFF"/>
+                </a:solidFill>
+                <a:effectLst/>
+                <a:uLnTx/>
+                <a:uFillTx/>
+              </a:rPr>
+              <a:t>背景图片：</a:t>
+            </a:r>
+            <a:r>
+              <a:rPr kumimoji="0" lang="en-US" altLang="zh-CN" sz="100" b="0" i="0" u="none" strike="noStrike" kern="0" cap="none" spc="0" normalizeH="0" baseline="0" noProof="0" dirty="0">
+                <a:ln>
+                  <a:noFill/>
+                </a:ln>
+                <a:solidFill>
+                  <a:sysClr val="window" lastClr="FFFFFF"/>
+                </a:solidFill>
+                <a:effectLst/>
+                <a:uLnTx/>
+                <a:uFillTx/>
+              </a:rPr>
+              <a:t>www.1ppt.com/beijing/      PPT</a:t>
+            </a:r>
+            <a:r>
+              <a:rPr kumimoji="0" lang="zh-CN" altLang="en-US" sz="100" b="0" i="0" u="none" strike="noStrike" kern="0" cap="none" spc="0" normalizeH="0" baseline="0" noProof="0" dirty="0">
+                <a:ln>
+                  <a:noFill/>
+                </a:ln>
+                <a:solidFill>
+                  <a:sysClr val="window" lastClr="FFFFFF"/>
+                </a:solidFill>
+                <a:effectLst/>
+                <a:uLnTx/>
+                <a:uFillTx/>
+              </a:rPr>
+              <a:t>图表下载：</a:t>
+            </a:r>
+            <a:r>
+              <a:rPr kumimoji="0" lang="en-US" altLang="zh-CN" sz="100" b="0" i="0" u="none" strike="noStrike" kern="0" cap="none" spc="0" normalizeH="0" baseline="0" noProof="0" dirty="0">
+                <a:ln>
+                  <a:noFill/>
+                </a:ln>
+                <a:solidFill>
+                  <a:sysClr val="window" lastClr="FFFFFF"/>
+                </a:solidFill>
+                <a:effectLst/>
+                <a:uLnTx/>
+                <a:uFillTx/>
+              </a:rPr>
+              <a:t>www.1ppt.com/tubiao/      </a:t>
+            </a:r>
+          </a:p>
+          <a:p>
+            <a:pPr marL="0" marR="0" lvl="0" indent="0" defTabSz="914400" eaLnBrk="1" fontAlgn="auto" latinLnBrk="0" hangingPunct="1">
+              <a:lnSpc>
+                <a:spcPct val="100000"/>
+              </a:lnSpc>
+              <a:spcBef>
+                <a:spcPts val="0"/>
+              </a:spcBef>
+              <a:spcAft>
+                <a:spcPts val="0"/>
+              </a:spcAft>
+              <a:buClrTx/>
+              <a:buSzTx/>
+              <a:buFontTx/>
+              <a:buNone/>
+              <a:tabLst/>
+              <a:defRPr/>
+            </a:pPr>
+            <a:r>
+              <a:rPr kumimoji="0" lang="zh-CN" altLang="en-US" sz="100" b="0" i="0" u="none" strike="noStrike" kern="0" cap="none" spc="0" normalizeH="0" baseline="0" noProof="0" dirty="0">
+                <a:ln>
+                  <a:noFill/>
+                </a:ln>
+                <a:solidFill>
+                  <a:sysClr val="window" lastClr="FFFFFF"/>
+                </a:solidFill>
+                <a:effectLst/>
+                <a:uLnTx/>
+                <a:uFillTx/>
+              </a:rPr>
+              <a:t>优秀</a:t>
+            </a:r>
+            <a:r>
+              <a:rPr kumimoji="0" lang="en-US" altLang="zh-CN" sz="100" b="0" i="0" u="none" strike="noStrike" kern="0" cap="none" spc="0" normalizeH="0" baseline="0" noProof="0" dirty="0">
+                <a:ln>
+                  <a:noFill/>
+                </a:ln>
+                <a:solidFill>
+                  <a:sysClr val="window" lastClr="FFFFFF"/>
+                </a:solidFill>
+                <a:effectLst/>
+                <a:uLnTx/>
+                <a:uFillTx/>
+              </a:rPr>
+              <a:t>PPT</a:t>
+            </a:r>
+            <a:r>
+              <a:rPr kumimoji="0" lang="zh-CN" altLang="en-US" sz="100" b="0" i="0" u="none" strike="noStrike" kern="0" cap="none" spc="0" normalizeH="0" baseline="0" noProof="0" dirty="0">
+                <a:ln>
+                  <a:noFill/>
+                </a:ln>
+                <a:solidFill>
+                  <a:sysClr val="window" lastClr="FFFFFF"/>
+                </a:solidFill>
+                <a:effectLst/>
+                <a:uLnTx/>
+                <a:uFillTx/>
+              </a:rPr>
+              <a:t>下载：</a:t>
+            </a:r>
+            <a:r>
+              <a:rPr kumimoji="0" lang="en-US" altLang="zh-CN" sz="100" b="0" i="0" u="none" strike="noStrike" kern="0" cap="none" spc="0" normalizeH="0" baseline="0" noProof="0" dirty="0">
+                <a:ln>
+                  <a:noFill/>
+                </a:ln>
+                <a:solidFill>
+                  <a:sysClr val="window" lastClr="FFFFFF"/>
+                </a:solidFill>
+                <a:effectLst/>
+                <a:uLnTx/>
+                <a:uFillTx/>
+              </a:rPr>
+              <a:t>www.1ppt.com/xiazai/        PPT</a:t>
+            </a:r>
+            <a:r>
+              <a:rPr kumimoji="0" lang="zh-CN" altLang="en-US" sz="100" b="0" i="0" u="none" strike="noStrike" kern="0" cap="none" spc="0" normalizeH="0" baseline="0" noProof="0" dirty="0">
+                <a:ln>
+                  <a:noFill/>
+                </a:ln>
+                <a:solidFill>
+                  <a:sysClr val="window" lastClr="FFFFFF"/>
+                </a:solidFill>
+                <a:effectLst/>
+                <a:uLnTx/>
+                <a:uFillTx/>
+              </a:rPr>
+              <a:t>教程： </a:t>
+            </a:r>
+            <a:r>
+              <a:rPr kumimoji="0" lang="en-US" altLang="zh-CN" sz="100" b="0" i="0" u="none" strike="noStrike" kern="0" cap="none" spc="0" normalizeH="0" baseline="0" noProof="0" dirty="0">
+                <a:ln>
+                  <a:noFill/>
+                </a:ln>
+                <a:solidFill>
+                  <a:sysClr val="window" lastClr="FFFFFF"/>
+                </a:solidFill>
+                <a:effectLst/>
+                <a:uLnTx/>
+                <a:uFillTx/>
+              </a:rPr>
+              <a:t>www.1ppt.com/powerpoint/      </a:t>
+            </a:r>
+          </a:p>
+          <a:p>
+            <a:pPr marL="0" marR="0" lvl="0" indent="0" defTabSz="914400" eaLnBrk="1" fontAlgn="auto" latinLnBrk="0" hangingPunct="1">
+              <a:lnSpc>
+                <a:spcPct val="100000"/>
+              </a:lnSpc>
+              <a:spcBef>
+                <a:spcPts val="0"/>
+              </a:spcBef>
+              <a:spcAft>
+                <a:spcPts val="0"/>
+              </a:spcAft>
+              <a:buClrTx/>
+              <a:buSzTx/>
+              <a:buFontTx/>
+              <a:buNone/>
+              <a:tabLst/>
+              <a:defRPr/>
+            </a:pPr>
+            <a:r>
+              <a:rPr kumimoji="0" lang="en-US" altLang="zh-CN" sz="100" b="0" i="0" u="none" strike="noStrike" kern="0" cap="none" spc="0" normalizeH="0" baseline="0" noProof="0" dirty="0">
+                <a:ln>
+                  <a:noFill/>
+                </a:ln>
+                <a:solidFill>
+                  <a:sysClr val="window" lastClr="FFFFFF"/>
+                </a:solidFill>
+                <a:effectLst/>
+                <a:uLnTx/>
+                <a:uFillTx/>
+              </a:rPr>
+              <a:t>Word</a:t>
+            </a:r>
+            <a:r>
+              <a:rPr kumimoji="0" lang="zh-CN" altLang="en-US" sz="100" b="0" i="0" u="none" strike="noStrike" kern="0" cap="none" spc="0" normalizeH="0" baseline="0" noProof="0" dirty="0">
+                <a:ln>
+                  <a:noFill/>
+                </a:ln>
+                <a:solidFill>
+                  <a:sysClr val="window" lastClr="FFFFFF"/>
+                </a:solidFill>
+                <a:effectLst/>
+                <a:uLnTx/>
+                <a:uFillTx/>
+              </a:rPr>
+              <a:t>教程： </a:t>
+            </a:r>
+            <a:r>
+              <a:rPr kumimoji="0" lang="en-US" altLang="zh-CN" sz="100" b="0" i="0" u="none" strike="noStrike" kern="0" cap="none" spc="0" normalizeH="0" baseline="0" noProof="0" dirty="0">
+                <a:ln>
+                  <a:noFill/>
+                </a:ln>
+                <a:solidFill>
+                  <a:sysClr val="window" lastClr="FFFFFF"/>
+                </a:solidFill>
+                <a:effectLst/>
+                <a:uLnTx/>
+                <a:uFillTx/>
+              </a:rPr>
+              <a:t>www.1ppt.com/word/              Excel</a:t>
+            </a:r>
+            <a:r>
+              <a:rPr kumimoji="0" lang="zh-CN" altLang="en-US" sz="100" b="0" i="0" u="none" strike="noStrike" kern="0" cap="none" spc="0" normalizeH="0" baseline="0" noProof="0" dirty="0">
+                <a:ln>
+                  <a:noFill/>
+                </a:ln>
+                <a:solidFill>
+                  <a:sysClr val="window" lastClr="FFFFFF"/>
+                </a:solidFill>
+                <a:effectLst/>
+                <a:uLnTx/>
+                <a:uFillTx/>
+              </a:rPr>
+              <a:t>教程：</a:t>
+            </a:r>
+            <a:r>
+              <a:rPr kumimoji="0" lang="en-US" altLang="zh-CN" sz="100" b="0" i="0" u="none" strike="noStrike" kern="0" cap="none" spc="0" normalizeH="0" baseline="0" noProof="0" dirty="0">
+                <a:ln>
+                  <a:noFill/>
+                </a:ln>
+                <a:solidFill>
+                  <a:sysClr val="window" lastClr="FFFFFF"/>
+                </a:solidFill>
+                <a:effectLst/>
+                <a:uLnTx/>
+                <a:uFillTx/>
+              </a:rPr>
+              <a:t>www.1ppt.com/excel/  </a:t>
+            </a:r>
+          </a:p>
+          <a:p>
+            <a:pPr marL="0" marR="0" lvl="0" indent="0" defTabSz="914400" eaLnBrk="1" fontAlgn="auto" latinLnBrk="0" hangingPunct="1">
+              <a:lnSpc>
+                <a:spcPct val="100000"/>
+              </a:lnSpc>
+              <a:spcBef>
+                <a:spcPts val="0"/>
+              </a:spcBef>
+              <a:spcAft>
+                <a:spcPts val="0"/>
+              </a:spcAft>
+              <a:buClrTx/>
+              <a:buSzTx/>
+              <a:buFontTx/>
+              <a:buNone/>
+              <a:tabLst/>
+              <a:defRPr/>
+            </a:pPr>
+            <a:r>
+              <a:rPr kumimoji="0" lang="zh-CN" altLang="en-US" sz="100" b="0" i="0" u="none" strike="noStrike" kern="0" cap="none" spc="0" normalizeH="0" baseline="0" noProof="0" dirty="0">
+                <a:ln>
+                  <a:noFill/>
+                </a:ln>
+                <a:solidFill>
+                  <a:sysClr val="window" lastClr="FFFFFF"/>
+                </a:solidFill>
+                <a:effectLst/>
+                <a:uLnTx/>
+                <a:uFillTx/>
+              </a:rPr>
+              <a:t>资料下载：</a:t>
+            </a:r>
+            <a:r>
+              <a:rPr kumimoji="0" lang="en-US" altLang="zh-CN" sz="100" b="0" i="0" u="none" strike="noStrike" kern="0" cap="none" spc="0" normalizeH="0" baseline="0" noProof="0" dirty="0">
+                <a:ln>
+                  <a:noFill/>
+                </a:ln>
+                <a:solidFill>
+                  <a:sysClr val="window" lastClr="FFFFFF"/>
+                </a:solidFill>
+                <a:effectLst/>
+                <a:uLnTx/>
+                <a:uFillTx/>
+              </a:rPr>
+              <a:t>www.1ppt.com/ziliao/                PPT</a:t>
+            </a:r>
+            <a:r>
+              <a:rPr kumimoji="0" lang="zh-CN" altLang="en-US" sz="100" b="0" i="0" u="none" strike="noStrike" kern="0" cap="none" spc="0" normalizeH="0" baseline="0" noProof="0" dirty="0">
+                <a:ln>
+                  <a:noFill/>
+                </a:ln>
+                <a:solidFill>
+                  <a:sysClr val="window" lastClr="FFFFFF"/>
+                </a:solidFill>
+                <a:effectLst/>
+                <a:uLnTx/>
+                <a:uFillTx/>
+              </a:rPr>
+              <a:t>课件下载：</a:t>
+            </a:r>
+            <a:r>
+              <a:rPr kumimoji="0" lang="en-US" altLang="zh-CN" sz="100" b="0" i="0" u="none" strike="noStrike" kern="0" cap="none" spc="0" normalizeH="0" baseline="0" noProof="0" dirty="0">
+                <a:ln>
+                  <a:noFill/>
+                </a:ln>
+                <a:solidFill>
+                  <a:sysClr val="window" lastClr="FFFFFF"/>
+                </a:solidFill>
+                <a:effectLst/>
+                <a:uLnTx/>
+                <a:uFillTx/>
+              </a:rPr>
+              <a:t>www.1ppt.com/kejian/ </a:t>
+            </a:r>
+          </a:p>
+          <a:p>
+            <a:pPr marL="0" marR="0" lvl="0" indent="0" defTabSz="914400" eaLnBrk="1" fontAlgn="auto" latinLnBrk="0" hangingPunct="1">
+              <a:lnSpc>
+                <a:spcPct val="100000"/>
+              </a:lnSpc>
+              <a:spcBef>
+                <a:spcPts val="0"/>
+              </a:spcBef>
+              <a:spcAft>
+                <a:spcPts val="0"/>
+              </a:spcAft>
+              <a:buClrTx/>
+              <a:buSzTx/>
+              <a:buFontTx/>
+              <a:buNone/>
+              <a:tabLst/>
+              <a:defRPr/>
+            </a:pPr>
+            <a:r>
+              <a:rPr kumimoji="0" lang="zh-CN" altLang="en-US" sz="100" b="0" i="0" u="none" strike="noStrike" kern="0" cap="none" spc="0" normalizeH="0" baseline="0" noProof="0" dirty="0">
+                <a:ln>
+                  <a:noFill/>
+                </a:ln>
+                <a:solidFill>
+                  <a:sysClr val="window" lastClr="FFFFFF"/>
+                </a:solidFill>
+                <a:effectLst/>
+                <a:uLnTx/>
+                <a:uFillTx/>
+              </a:rPr>
+              <a:t>范文下载：</a:t>
+            </a:r>
+            <a:r>
+              <a:rPr kumimoji="0" lang="en-US" altLang="zh-CN" sz="100" b="0" i="0" u="none" strike="noStrike" kern="0" cap="none" spc="0" normalizeH="0" baseline="0" noProof="0" dirty="0">
+                <a:ln>
+                  <a:noFill/>
+                </a:ln>
+                <a:solidFill>
+                  <a:sysClr val="window" lastClr="FFFFFF"/>
+                </a:solidFill>
+                <a:effectLst/>
+                <a:uLnTx/>
+                <a:uFillTx/>
+              </a:rPr>
+              <a:t>www.1ppt.com/fanwen/             </a:t>
+            </a:r>
+            <a:r>
+              <a:rPr kumimoji="0" lang="zh-CN" altLang="en-US" sz="100" b="0" i="0" u="none" strike="noStrike" kern="0" cap="none" spc="0" normalizeH="0" baseline="0" noProof="0" dirty="0">
+                <a:ln>
+                  <a:noFill/>
+                </a:ln>
+                <a:solidFill>
+                  <a:sysClr val="window" lastClr="FFFFFF"/>
+                </a:solidFill>
+                <a:effectLst/>
+                <a:uLnTx/>
+                <a:uFillTx/>
+              </a:rPr>
+              <a:t>试卷下载：</a:t>
+            </a:r>
+            <a:r>
+              <a:rPr kumimoji="0" lang="en-US" altLang="zh-CN" sz="100" b="0" i="0" u="none" strike="noStrike" kern="0" cap="none" spc="0" normalizeH="0" baseline="0" noProof="0" dirty="0">
+                <a:ln>
+                  <a:noFill/>
+                </a:ln>
+                <a:solidFill>
+                  <a:sysClr val="window" lastClr="FFFFFF"/>
+                </a:solidFill>
+                <a:effectLst/>
+                <a:uLnTx/>
+                <a:uFillTx/>
+              </a:rPr>
+              <a:t>www.1ppt.com/shiti/  </a:t>
+            </a:r>
+          </a:p>
+          <a:p>
+            <a:pPr marL="0" marR="0" lvl="0" indent="0" defTabSz="914400" eaLnBrk="1" fontAlgn="auto" latinLnBrk="0" hangingPunct="1">
+              <a:lnSpc>
+                <a:spcPct val="100000"/>
+              </a:lnSpc>
+              <a:spcBef>
+                <a:spcPts val="0"/>
+              </a:spcBef>
+              <a:spcAft>
+                <a:spcPts val="0"/>
+              </a:spcAft>
+              <a:buClrTx/>
+              <a:buSzTx/>
+              <a:buFontTx/>
+              <a:buNone/>
+              <a:tabLst/>
+              <a:defRPr/>
+            </a:pPr>
+            <a:r>
+              <a:rPr kumimoji="0" lang="zh-CN" altLang="en-US" sz="100" b="0" i="0" u="none" strike="noStrike" kern="0" cap="none" spc="0" normalizeH="0" baseline="0" noProof="0" dirty="0">
+                <a:ln>
+                  <a:noFill/>
+                </a:ln>
+                <a:solidFill>
+                  <a:sysClr val="window" lastClr="FFFFFF"/>
+                </a:solidFill>
+                <a:effectLst/>
+                <a:uLnTx/>
+                <a:uFillTx/>
+              </a:rPr>
+              <a:t>教案下载：</a:t>
+            </a:r>
+            <a:r>
+              <a:rPr kumimoji="0" lang="en-US" altLang="zh-CN" sz="100" b="0" i="0" u="none" strike="noStrike" kern="0" cap="none" spc="0" normalizeH="0" baseline="0" noProof="0" dirty="0">
+                <a:ln>
+                  <a:noFill/>
+                </a:ln>
+                <a:solidFill>
+                  <a:sysClr val="window" lastClr="FFFFFF"/>
+                </a:solidFill>
+                <a:effectLst/>
+                <a:uLnTx/>
+                <a:uFillTx/>
+              </a:rPr>
+              <a:t>www.1ppt.com/jiaoan/  </a:t>
+            </a:r>
+            <a:r>
+              <a:rPr kumimoji="0" lang="en-US" altLang="zh-CN" sz="100" b="0" i="0" u="none" strike="noStrike" kern="0" cap="none" spc="0" normalizeH="0" baseline="0" noProof="0" dirty="0" smtClean="0">
+                <a:ln>
+                  <a:noFill/>
+                </a:ln>
+                <a:solidFill>
+                  <a:sysClr val="window" lastClr="FFFFFF"/>
+                </a:solidFill>
+                <a:effectLst/>
+                <a:uLnTx/>
+                <a:uFillTx/>
+              </a:rPr>
+              <a:t>      PPT</a:t>
+            </a:r>
+            <a:r>
+              <a:rPr kumimoji="0" lang="zh-CN" altLang="en-US" sz="100" b="0" i="0" u="none" strike="noStrike" kern="0" cap="none" spc="0" normalizeH="0" baseline="0" noProof="0" dirty="0" smtClean="0">
+                <a:ln>
+                  <a:noFill/>
+                </a:ln>
+                <a:solidFill>
+                  <a:sysClr val="window" lastClr="FFFFFF"/>
+                </a:solidFill>
+                <a:effectLst/>
+                <a:uLnTx/>
+                <a:uFillTx/>
+              </a:rPr>
+              <a:t>论坛：</a:t>
+            </a:r>
+            <a:r>
+              <a:rPr kumimoji="0" lang="en-US" altLang="zh-CN" sz="100" b="0" i="0" u="none" strike="noStrike" kern="0" cap="none" spc="0" normalizeH="0" baseline="0" noProof="0" dirty="0" smtClean="0">
+                <a:ln>
+                  <a:noFill/>
+                </a:ln>
+                <a:solidFill>
+                  <a:sysClr val="window" lastClr="FFFFFF"/>
+                </a:solidFill>
+                <a:effectLst/>
+                <a:uLnTx/>
+                <a:uFillTx/>
+              </a:rPr>
+              <a:t>www.1ppt.cn</a:t>
+            </a:r>
+            <a:endParaRPr kumimoji="0" lang="en-US" altLang="zh-CN" sz="100" b="0" i="0" u="none" strike="noStrike" kern="0" cap="none" spc="0" normalizeH="0" baseline="0" noProof="0" dirty="0">
+              <a:ln>
+                <a:noFill/>
+              </a:ln>
+              <a:solidFill>
+                <a:sysClr val="window" lastClr="FFFFFF"/>
+              </a:solidFill>
+              <a:effectLst/>
+              <a:uLnTx/>
+              <a:uFillTx/>
+            </a:endParaRPr>
+          </a:p>
+          <a:p>
+            <a:pPr marL="0" marR="0" lvl="0" indent="0" defTabSz="914400" eaLnBrk="1" fontAlgn="auto" latinLnBrk="0" hangingPunct="1">
+              <a:lnSpc>
+                <a:spcPct val="100000"/>
+              </a:lnSpc>
+              <a:spcBef>
+                <a:spcPts val="0"/>
+              </a:spcBef>
+              <a:spcAft>
+                <a:spcPts val="0"/>
+              </a:spcAft>
+              <a:buClrTx/>
+              <a:buSzTx/>
+              <a:buFontTx/>
+              <a:buNone/>
+              <a:tabLst/>
+              <a:defRPr/>
+            </a:pPr>
+            <a:r>
+              <a:rPr kumimoji="0" lang="en-US" altLang="zh-CN" sz="100" b="0" i="0" u="none" strike="noStrike" kern="0" cap="none" spc="0" normalizeH="0" baseline="0" noProof="0" dirty="0">
+                <a:ln>
+                  <a:noFill/>
+                </a:ln>
+                <a:solidFill>
+                  <a:sysClr val="window" lastClr="FFFFFF"/>
+                </a:solidFill>
+                <a:effectLst/>
+                <a:uLnTx/>
+                <a:uFillTx/>
+              </a:rPr>
+              <a:t> </a:t>
+            </a:r>
+            <a:endParaRPr kumimoji="0" lang="zh-CN" altLang="en-US" sz="100" b="0" i="0" u="none" strike="noStrike" kern="0" cap="none" spc="0" normalizeH="0" baseline="0" noProof="0" dirty="0">
+              <a:ln>
+                <a:noFill/>
+              </a:ln>
+              <a:solidFill>
+                <a:sysClr val="window" lastClr="FFFFFF"/>
+              </a:solidFill>
+              <a:effectLst/>
+              <a:uLnTx/>
+              <a:uFillTx/>
+            </a:endParaRPr>
+          </a:p>
+        </p:txBody>
+      </p:sp>
+      <p:sp>
+        <p:nvSpPr>
+          <p:cNvPr id="8" name="TextBox 50"/>
+          <p:cNvSpPr txBox="1"/>
+          <p:nvPr/>
+        </p:nvSpPr>
+        <p:spPr>
+          <a:xfrm>
+            <a:off x="1065178" y="634457"/>
+            <a:ext cx="8413800" cy="400110"/>
+          </a:xfrm>
+          <a:prstGeom prst="rect">
+            <a:avLst/>
+          </a:prstGeom>
+          <a:noFill/>
+        </p:spPr>
+        <p:txBody>
+          <a:bodyPr wrap="square" rtlCol="0">
+            <a:spAutoFit/>
+          </a:bodyPr>
+          <a:lstStyle/>
+          <a:p>
+            <a:r>
+              <a:rPr lang="zh-CN" altLang="en-US" sz="2000" b="1" dirty="0" smtClean="0">
+                <a:solidFill>
+                  <a:srgbClr val="7030A0"/>
+                </a:solidFill>
+                <a:latin typeface="仿宋" panose="02010609060101010101" pitchFamily="49" charset="-122"/>
+                <a:ea typeface="仿宋" panose="02010609060101010101" pitchFamily="49" charset="-122"/>
+                <a:cs typeface="+mn-ea"/>
+                <a:sym typeface="+mn-lt"/>
+              </a:rPr>
+              <a:t>推荐学习网址 </a:t>
+            </a:r>
+            <a:r>
+              <a:rPr lang="en-US" altLang="zh-CN" sz="2000" b="1" dirty="0">
+                <a:solidFill>
+                  <a:srgbClr val="7030A0"/>
+                </a:solidFill>
+                <a:latin typeface="仿宋" panose="02010609060101010101" pitchFamily="49" charset="-122"/>
+                <a:ea typeface="仿宋" panose="02010609060101010101" pitchFamily="49" charset="-122"/>
+                <a:cs typeface="+mn-ea"/>
+                <a:sym typeface="+mn-lt"/>
+              </a:rPr>
+              <a:t>- Spring Cloud</a:t>
+            </a:r>
+            <a:endParaRPr lang="en-US" altLang="zh-CN" sz="2000" b="1" dirty="0" smtClean="0">
+              <a:solidFill>
+                <a:srgbClr val="7030A0"/>
+              </a:solidFill>
+              <a:latin typeface="仿宋" panose="02010609060101010101" pitchFamily="49" charset="-122"/>
+              <a:ea typeface="仿宋" panose="02010609060101010101" pitchFamily="49" charset="-122"/>
+              <a:cs typeface="+mn-ea"/>
+              <a:sym typeface="+mn-lt"/>
+            </a:endParaRPr>
+          </a:p>
+        </p:txBody>
+      </p:sp>
+      <p:sp>
+        <p:nvSpPr>
+          <p:cNvPr id="12" name="TextBox 50"/>
+          <p:cNvSpPr txBox="1"/>
+          <p:nvPr/>
+        </p:nvSpPr>
+        <p:spPr>
+          <a:xfrm>
+            <a:off x="935907" y="4558014"/>
+            <a:ext cx="10969400" cy="954107"/>
+          </a:xfrm>
+          <a:prstGeom prst="rect">
+            <a:avLst/>
+          </a:prstGeom>
+          <a:noFill/>
+        </p:spPr>
+        <p:txBody>
+          <a:bodyPr wrap="square" rtlCol="0">
+            <a:spAutoFit/>
+          </a:bodyPr>
+          <a:lstStyle/>
+          <a:p>
+            <a:r>
+              <a:rPr lang="en-US" sz="2800" b="1" dirty="0">
+                <a:solidFill>
+                  <a:srgbClr val="06080A"/>
+                </a:solidFill>
+                <a:latin typeface="仿宋" panose="02010609060101010101" pitchFamily="49" charset="-122"/>
+                <a:ea typeface="仿宋" panose="02010609060101010101" pitchFamily="49" charset="-122"/>
+                <a:cs typeface="+mn-ea"/>
+                <a:sym typeface="+mn-lt"/>
+              </a:rPr>
+              <a:t>http://projects.spring.io/spring-cloud/</a:t>
+            </a:r>
+          </a:p>
+          <a:p>
+            <a:r>
+              <a:rPr lang="en-US" sz="2800" b="1" dirty="0">
+                <a:solidFill>
+                  <a:srgbClr val="06080A"/>
+                </a:solidFill>
+                <a:latin typeface="仿宋" panose="02010609060101010101" pitchFamily="49" charset="-122"/>
+                <a:ea typeface="仿宋" panose="02010609060101010101" pitchFamily="49" charset="-122"/>
+                <a:cs typeface="+mn-ea"/>
+                <a:sym typeface="+mn-lt"/>
+              </a:rPr>
+              <a:t>https://</a:t>
+            </a:r>
+            <a:r>
+              <a:rPr lang="en-US" sz="2800" b="1" dirty="0" smtClean="0">
+                <a:solidFill>
+                  <a:srgbClr val="06080A"/>
+                </a:solidFill>
+                <a:latin typeface="仿宋" panose="02010609060101010101" pitchFamily="49" charset="-122"/>
+                <a:ea typeface="仿宋" panose="02010609060101010101" pitchFamily="49" charset="-122"/>
+                <a:cs typeface="+mn-ea"/>
+                <a:sym typeface="+mn-lt"/>
+              </a:rPr>
+              <a:t>github.com/spring-cloud</a:t>
+            </a:r>
+          </a:p>
+        </p:txBody>
+      </p:sp>
       <p:pic>
         <p:nvPicPr>
-          <p:cNvPr id="5" name="图片 4"/>
+          <p:cNvPr id="3" name="图片 2"/>
           <p:cNvPicPr>
             <a:picLocks noChangeAspect="1"/>
           </p:cNvPicPr>
           <p:nvPr/>
         </p:nvPicPr>
         <p:blipFill>
-          <a:blip r:embed="rId3"/>
+          <a:blip r:embed="rId2"/>
           <a:stretch>
             <a:fillRect/>
           </a:stretch>
         </p:blipFill>
         <p:spPr>
           <a:xfrm>
-            <a:off x="3694531" y="1611649"/>
-            <a:ext cx="2414987" cy="3050886"/>
-          </a:xfrm>
-          <a:prstGeom prst="rect">
-            <a:avLst/>
-          </a:prstGeom>
-        </p:spPr>
-      </p:pic>
-      <p:pic>
-        <p:nvPicPr>
-          <p:cNvPr id="6" name="图片 5"/>
-          <p:cNvPicPr>
-            <a:picLocks noChangeAspect="1"/>
-          </p:cNvPicPr>
-          <p:nvPr/>
-        </p:nvPicPr>
-        <p:blipFill>
-          <a:blip r:embed="rId4"/>
-          <a:stretch>
-            <a:fillRect/>
-          </a:stretch>
-        </p:blipFill>
-        <p:spPr>
-          <a:xfrm>
-            <a:off x="6494698" y="1611649"/>
-            <a:ext cx="2500531" cy="3050886"/>
-          </a:xfrm>
-          <a:prstGeom prst="rect">
-            <a:avLst/>
-          </a:prstGeom>
-        </p:spPr>
-      </p:pic>
-      <p:pic>
-        <p:nvPicPr>
-          <p:cNvPr id="7" name="图片 6"/>
-          <p:cNvPicPr>
-            <a:picLocks noChangeAspect="1"/>
-          </p:cNvPicPr>
-          <p:nvPr/>
-        </p:nvPicPr>
-        <p:blipFill>
-          <a:blip r:embed="rId5"/>
-          <a:stretch>
-            <a:fillRect/>
-          </a:stretch>
-        </p:blipFill>
-        <p:spPr>
-          <a:xfrm>
-            <a:off x="9144009" y="1554617"/>
-            <a:ext cx="2326732" cy="3114060"/>
+            <a:off x="4069265" y="1636580"/>
+            <a:ext cx="3417903" cy="2509907"/>
           </a:xfrm>
           <a:prstGeom prst="rect">
             <a:avLst/>
@@ -26686,7 +32169,7 @@
 </p:sld>
 </file>
 
-<file path=ppt/slides/slide23.xml><?xml version="1.0" encoding="utf-8"?>
+<file path=ppt/slides/slide27.xml><?xml version="1.0" encoding="utf-8"?>
 <p:sld xmlns:a="http://schemas.openxmlformats.org/drawingml/2006/main" xmlns:r="http://schemas.openxmlformats.org/officeDocument/2006/relationships" xmlns:p="http://schemas.openxmlformats.org/presentationml/2006/main">
   <p:cSld>
     <p:spTree>
